--- a/eda/Reservoir Insights Unlock.pptx
+++ b/eda/Reservoir Insights Unlock.pptx
@@ -2,17 +2,21 @@
 <file path=ppt/presentation.xml><?xml version="1.0" encoding="utf-8"?>
 <p:presentation xmlns:a="http://schemas.openxmlformats.org/drawingml/2006/main" xmlns:r="http://schemas.openxmlformats.org/officeDocument/2006/relationships" xmlns:p="http://schemas.openxmlformats.org/presentationml/2006/main" saveSubsetFonts="1" autoCompressPictures="0">
   <p:sldMasterIdLst>
-    <p:sldMasterId id="2147483660" r:id="rId4"/>
+    <p:sldMasterId id="2147483855" r:id="rId4"/>
   </p:sldMasterIdLst>
   <p:sldIdLst>
-    <p:sldId id="298" r:id="rId5"/>
+    <p:sldId id="308" r:id="rId5"/>
     <p:sldId id="301" r:id="rId6"/>
     <p:sldId id="302" r:id="rId7"/>
-    <p:sldId id="303" r:id="rId8"/>
-    <p:sldId id="307" r:id="rId9"/>
-    <p:sldId id="304" r:id="rId10"/>
-    <p:sldId id="305" r:id="rId11"/>
-    <p:sldId id="306" r:id="rId12"/>
+    <p:sldId id="307" r:id="rId8"/>
+    <p:sldId id="317" r:id="rId9"/>
+    <p:sldId id="311" r:id="rId10"/>
+    <p:sldId id="310" r:id="rId11"/>
+    <p:sldId id="315" r:id="rId12"/>
+    <p:sldId id="314" r:id="rId13"/>
+    <p:sldId id="304" r:id="rId14"/>
+    <p:sldId id="306" r:id="rId15"/>
+    <p:sldId id="318" r:id="rId16"/>
   </p:sldIdLst>
   <p:sldSz cx="12192000" cy="6858000"/>
   <p:notesSz cx="6858000" cy="9144000"/>
@@ -20,7 +24,7 @@
     <a:defPPr>
       <a:defRPr lang="en-US"/>
     </a:defPPr>
-    <a:lvl1pPr marL="0" algn="l" defTabSz="914400" rtl="0" eaLnBrk="1" latinLnBrk="0" hangingPunct="1">
+    <a:lvl1pPr marL="0" algn="l" defTabSz="457200" rtl="0" eaLnBrk="1" latinLnBrk="0" hangingPunct="1">
       <a:defRPr sz="1800" kern="1200">
         <a:solidFill>
           <a:schemeClr val="tx1"/>
@@ -30,7 +34,7 @@
         <a:cs typeface="+mn-cs"/>
       </a:defRPr>
     </a:lvl1pPr>
-    <a:lvl2pPr marL="457200" algn="l" defTabSz="914400" rtl="0" eaLnBrk="1" latinLnBrk="0" hangingPunct="1">
+    <a:lvl2pPr marL="457200" algn="l" defTabSz="457200" rtl="0" eaLnBrk="1" latinLnBrk="0" hangingPunct="1">
       <a:defRPr sz="1800" kern="1200">
         <a:solidFill>
           <a:schemeClr val="tx1"/>
@@ -40,7 +44,7 @@
         <a:cs typeface="+mn-cs"/>
       </a:defRPr>
     </a:lvl2pPr>
-    <a:lvl3pPr marL="914400" algn="l" defTabSz="914400" rtl="0" eaLnBrk="1" latinLnBrk="0" hangingPunct="1">
+    <a:lvl3pPr marL="914400" algn="l" defTabSz="457200" rtl="0" eaLnBrk="1" latinLnBrk="0" hangingPunct="1">
       <a:defRPr sz="1800" kern="1200">
         <a:solidFill>
           <a:schemeClr val="tx1"/>
@@ -50,7 +54,7 @@
         <a:cs typeface="+mn-cs"/>
       </a:defRPr>
     </a:lvl3pPr>
-    <a:lvl4pPr marL="1371600" algn="l" defTabSz="914400" rtl="0" eaLnBrk="1" latinLnBrk="0" hangingPunct="1">
+    <a:lvl4pPr marL="1371600" algn="l" defTabSz="457200" rtl="0" eaLnBrk="1" latinLnBrk="0" hangingPunct="1">
       <a:defRPr sz="1800" kern="1200">
         <a:solidFill>
           <a:schemeClr val="tx1"/>
@@ -60,7 +64,7 @@
         <a:cs typeface="+mn-cs"/>
       </a:defRPr>
     </a:lvl4pPr>
-    <a:lvl5pPr marL="1828800" algn="l" defTabSz="914400" rtl="0" eaLnBrk="1" latinLnBrk="0" hangingPunct="1">
+    <a:lvl5pPr marL="1828800" algn="l" defTabSz="457200" rtl="0" eaLnBrk="1" latinLnBrk="0" hangingPunct="1">
       <a:defRPr sz="1800" kern="1200">
         <a:solidFill>
           <a:schemeClr val="tx1"/>
@@ -70,7 +74,7 @@
         <a:cs typeface="+mn-cs"/>
       </a:defRPr>
     </a:lvl5pPr>
-    <a:lvl6pPr marL="2286000" algn="l" defTabSz="914400" rtl="0" eaLnBrk="1" latinLnBrk="0" hangingPunct="1">
+    <a:lvl6pPr marL="2286000" algn="l" defTabSz="457200" rtl="0" eaLnBrk="1" latinLnBrk="0" hangingPunct="1">
       <a:defRPr sz="1800" kern="1200">
         <a:solidFill>
           <a:schemeClr val="tx1"/>
@@ -80,7 +84,7 @@
         <a:cs typeface="+mn-cs"/>
       </a:defRPr>
     </a:lvl6pPr>
-    <a:lvl7pPr marL="2743200" algn="l" defTabSz="914400" rtl="0" eaLnBrk="1" latinLnBrk="0" hangingPunct="1">
+    <a:lvl7pPr marL="2743200" algn="l" defTabSz="457200" rtl="0" eaLnBrk="1" latinLnBrk="0" hangingPunct="1">
       <a:defRPr sz="1800" kern="1200">
         <a:solidFill>
           <a:schemeClr val="tx1"/>
@@ -90,7 +94,7 @@
         <a:cs typeface="+mn-cs"/>
       </a:defRPr>
     </a:lvl7pPr>
-    <a:lvl8pPr marL="3200400" algn="l" defTabSz="914400" rtl="0" eaLnBrk="1" latinLnBrk="0" hangingPunct="1">
+    <a:lvl8pPr marL="3200400" algn="l" defTabSz="457200" rtl="0" eaLnBrk="1" latinLnBrk="0" hangingPunct="1">
       <a:defRPr sz="1800" kern="1200">
         <a:solidFill>
           <a:schemeClr val="tx1"/>
@@ -100,7 +104,7 @@
         <a:cs typeface="+mn-cs"/>
       </a:defRPr>
     </a:lvl8pPr>
-    <a:lvl9pPr marL="3657600" algn="l" defTabSz="914400" rtl="0" eaLnBrk="1" latinLnBrk="0" hangingPunct="1">
+    <a:lvl9pPr marL="3657600" algn="l" defTabSz="457200" rtl="0" eaLnBrk="1" latinLnBrk="0" hangingPunct="1">
       <a:defRPr sz="1800" kern="1200">
         <a:solidFill>
           <a:schemeClr val="tx1"/>
@@ -138,13 +142,7 @@
       </p:grpSpPr>
       <p:sp>
         <p:nvSpPr>
-          <p:cNvPr id="10" name="Rectangle 9">
-            <a:extLst>
-              <a:ext uri="{FF2B5EF4-FFF2-40B4-BE49-F238E27FC236}">
-                <a16:creationId xmlns:a16="http://schemas.microsoft.com/office/drawing/2014/main" id="{39E3965E-AC41-4711-9D10-E25ABB132D86}"/>
-              </a:ext>
-            </a:extLst>
-          </p:cNvPr>
+          <p:cNvPr id="7" name="Rectangle 6"/>
           <p:cNvSpPr/>
           <p:nvPr/>
         </p:nvSpPr>
@@ -157,7 +155,7 @@
             <a:avLst/>
           </a:prstGeom>
           <a:solidFill>
-            <a:srgbClr val="262626"/>
+            <a:schemeClr val="accent2"/>
           </a:solidFill>
           <a:ln>
             <a:noFill/>
@@ -189,6 +187,51 @@
       </p:sp>
       <p:sp>
         <p:nvSpPr>
+          <p:cNvPr id="8" name="Rectangle 7"/>
+          <p:cNvSpPr/>
+          <p:nvPr/>
+        </p:nvSpPr>
+        <p:spPr>
+          <a:xfrm>
+            <a:off x="15" y="6334316"/>
+            <a:ext cx="12188825" cy="64008"/>
+          </a:xfrm>
+          <a:prstGeom prst="rect">
+            <a:avLst/>
+          </a:prstGeom>
+          <a:solidFill>
+            <a:schemeClr val="accent1"/>
+          </a:solidFill>
+          <a:ln>
+            <a:noFill/>
+          </a:ln>
+        </p:spPr>
+        <p:style>
+          <a:lnRef idx="2">
+            <a:schemeClr val="accent1">
+              <a:shade val="50000"/>
+            </a:schemeClr>
+          </a:lnRef>
+          <a:fillRef idx="1">
+            <a:schemeClr val="accent1"/>
+          </a:fillRef>
+          <a:effectRef idx="0">
+            <a:schemeClr val="accent1"/>
+          </a:effectRef>
+          <a:fontRef idx="minor">
+            <a:schemeClr val="lt1"/>
+          </a:fontRef>
+        </p:style>
+        <p:txBody>
+          <a:bodyPr/>
+          <a:lstStyle/>
+          <a:p>
+            <a:endParaRPr lang="en-AU"/>
+          </a:p>
+        </p:txBody>
+      </p:sp>
+      <p:sp>
+        <p:nvSpPr>
           <p:cNvPr id="2" name="Title 1"/>
           <p:cNvSpPr>
             <a:spLocks noGrp="1"/>
@@ -210,7 +253,7 @@
           <a:lstStyle>
             <a:lvl1pPr algn="l">
               <a:lnSpc>
-                <a:spcPct val="90000"/>
+                <a:spcPct val="85000"/>
               </a:lnSpc>
               <a:defRPr sz="8000" spc="-50" baseline="0">
                 <a:solidFill>
@@ -243,7 +286,7 @@
         </p:nvSpPr>
         <p:spPr>
           <a:xfrm>
-            <a:off x="1100051" y="4645152"/>
+            <a:off x="1100051" y="4455620"/>
             <a:ext cx="10058400" cy="1143000"/>
           </a:xfrm>
         </p:spPr>
@@ -256,9 +299,9 @@
               <a:buNone/>
               <a:defRPr sz="2400" cap="all" spc="200" baseline="0">
                 <a:solidFill>
-                  <a:schemeClr val="tx1"/>
+                  <a:schemeClr val="tx2"/>
                 </a:solidFill>
-                <a:latin typeface="+mn-lt"/>
+                <a:latin typeface="+mj-lt"/>
               </a:defRPr>
             </a:lvl1pPr>
             <a:lvl2pPr marL="457200" indent="0" algn="ctr">
@@ -303,31 +346,90 @@
           </a:p>
         </p:txBody>
       </p:sp>
+      <p:sp>
+        <p:nvSpPr>
+          <p:cNvPr id="4" name="Date Placeholder 3"/>
+          <p:cNvSpPr>
+            <a:spLocks noGrp="1"/>
+          </p:cNvSpPr>
+          <p:nvPr>
+            <p:ph type="dt" sz="half" idx="10"/>
+          </p:nvPr>
+        </p:nvSpPr>
+        <p:spPr/>
+        <p:txBody>
+          <a:bodyPr/>
+          <a:lstStyle/>
+          <a:p>
+            <a:fld id="{9184DA70-C731-4C70-880D-CCD4705E623C}" type="datetime1">
+              <a:rPr lang="en-US" smtClean="0"/>
+              <a:t>2/3/2026</a:t>
+            </a:fld>
+            <a:endParaRPr lang="en-US" dirty="0"/>
+          </a:p>
+        </p:txBody>
+      </p:sp>
+      <p:sp>
+        <p:nvSpPr>
+          <p:cNvPr id="5" name="Footer Placeholder 4"/>
+          <p:cNvSpPr>
+            <a:spLocks noGrp="1"/>
+          </p:cNvSpPr>
+          <p:nvPr>
+            <p:ph type="ftr" sz="quarter" idx="11"/>
+          </p:nvPr>
+        </p:nvSpPr>
+        <p:spPr/>
+        <p:txBody>
+          <a:bodyPr/>
+          <a:lstStyle/>
+          <a:p>
+            <a:endParaRPr lang="en-US" dirty="0"/>
+          </a:p>
+        </p:txBody>
+      </p:sp>
+      <p:sp>
+        <p:nvSpPr>
+          <p:cNvPr id="6" name="Slide Number Placeholder 5"/>
+          <p:cNvSpPr>
+            <a:spLocks noGrp="1"/>
+          </p:cNvSpPr>
+          <p:nvPr>
+            <p:ph type="sldNum" sz="quarter" idx="12"/>
+          </p:nvPr>
+        </p:nvSpPr>
+        <p:spPr/>
+        <p:txBody>
+          <a:bodyPr/>
+          <a:lstStyle/>
+          <a:p>
+            <a:fld id="{3A98EE3D-8CD1-4C3F-BD1C-C98C9596463C}" type="slidenum">
+              <a:rPr lang="en-US" smtClean="0"/>
+              <a:t>‹#›</a:t>
+            </a:fld>
+            <a:endParaRPr lang="en-US" dirty="0"/>
+          </a:p>
+        </p:txBody>
+      </p:sp>
       <p:cxnSp>
         <p:nvCxnSpPr>
-          <p:cNvPr id="9" name="Straight Connector 8">
-            <a:extLst>
-              <a:ext uri="{FF2B5EF4-FFF2-40B4-BE49-F238E27FC236}">
-                <a16:creationId xmlns:a16="http://schemas.microsoft.com/office/drawing/2014/main" id="{1F5DC8C3-BA5F-4EED-BB9A-A14272BD82A1}"/>
-              </a:ext>
-            </a:extLst>
-          </p:cNvPr>
+          <p:cNvPr id="9" name="Straight Connector 8"/>
           <p:cNvCxnSpPr/>
           <p:nvPr/>
         </p:nvCxnSpPr>
         <p:spPr>
           <a:xfrm>
-            <a:off x="1207658" y="4474741"/>
+            <a:off x="1207658" y="4343400"/>
             <a:ext cx="9875520" cy="0"/>
           </a:xfrm>
           <a:prstGeom prst="line">
             <a:avLst/>
           </a:prstGeom>
-          <a:ln w="12700">
+          <a:ln w="6350">
             <a:solidFill>
               <a:schemeClr val="tx1">
-                <a:lumMod val="75000"/>
-                <a:lumOff val="25000"/>
+                <a:lumMod val="50000"/>
+                <a:lumOff val="50000"/>
               </a:schemeClr>
             </a:solidFill>
           </a:ln>
@@ -347,99 +449,444 @@
           </a:fontRef>
         </p:style>
       </p:cxnSp>
-      <p:sp>
-        <p:nvSpPr>
-          <p:cNvPr id="4" name="Date Placeholder 3">
-            <a:extLst>
-              <a:ext uri="{FF2B5EF4-FFF2-40B4-BE49-F238E27FC236}">
-                <a16:creationId xmlns:a16="http://schemas.microsoft.com/office/drawing/2014/main" id="{9925CCF1-92C0-4AF3-BFAF-4921631915AB}"/>
-              </a:ext>
-            </a:extLst>
-          </p:cNvPr>
-          <p:cNvSpPr>
-            <a:spLocks noGrp="1"/>
-          </p:cNvSpPr>
-          <p:nvPr>
-            <p:ph type="dt" sz="half" idx="10"/>
-          </p:nvPr>
-        </p:nvSpPr>
-        <p:spPr/>
-        <p:txBody>
-          <a:bodyPr/>
-          <a:lstStyle/>
-          <a:p>
-            <a:fld id="{9184DA70-C731-4C70-880D-CCD4705E623C}" type="datetime1">
-              <a:rPr lang="en-US" smtClean="0"/>
-              <a:t>1/31/2026</a:t>
-            </a:fld>
-            <a:endParaRPr lang="en-US" dirty="0"/>
-          </a:p>
-        </p:txBody>
-      </p:sp>
-      <p:sp>
-        <p:nvSpPr>
-          <p:cNvPr id="5" name="Footer Placeholder 4">
-            <a:extLst>
-              <a:ext uri="{FF2B5EF4-FFF2-40B4-BE49-F238E27FC236}">
-                <a16:creationId xmlns:a16="http://schemas.microsoft.com/office/drawing/2014/main" id="{051A78A9-3DFF-4937-A9F2-5D8CF495F367}"/>
-              </a:ext>
-            </a:extLst>
-          </p:cNvPr>
-          <p:cNvSpPr>
-            <a:spLocks noGrp="1"/>
-          </p:cNvSpPr>
-          <p:nvPr>
-            <p:ph type="ftr" sz="quarter" idx="11"/>
-          </p:nvPr>
-        </p:nvSpPr>
-        <p:spPr/>
-        <p:txBody>
-          <a:bodyPr/>
-          <a:lstStyle/>
-          <a:p>
-            <a:endParaRPr lang="en-US" dirty="0"/>
-          </a:p>
-        </p:txBody>
-      </p:sp>
-      <p:sp>
-        <p:nvSpPr>
-          <p:cNvPr id="6" name="Slide Number Placeholder 5">
-            <a:extLst>
-              <a:ext uri="{FF2B5EF4-FFF2-40B4-BE49-F238E27FC236}">
-                <a16:creationId xmlns:a16="http://schemas.microsoft.com/office/drawing/2014/main" id="{5FAEB271-5CC0-4759-BC6E-8BE53AB227C0}"/>
-              </a:ext>
-            </a:extLst>
-          </p:cNvPr>
-          <p:cNvSpPr>
-            <a:spLocks noGrp="1"/>
-          </p:cNvSpPr>
-          <p:nvPr>
-            <p:ph type="sldNum" sz="quarter" idx="12"/>
-          </p:nvPr>
-        </p:nvSpPr>
-        <p:spPr/>
-        <p:txBody>
-          <a:bodyPr/>
-          <a:lstStyle/>
-          <a:p>
-            <a:fld id="{3A98EE3D-8CD1-4C3F-BD1C-C98C9596463C}" type="slidenum">
-              <a:rPr lang="en-US" smtClean="0"/>
-              <a:t>‹#›</a:t>
-            </a:fld>
-            <a:endParaRPr lang="en-US" dirty="0"/>
-          </a:p>
-        </p:txBody>
-      </p:sp>
     </p:spTree>
     <p:extLst>
       <p:ext uri="{BB962C8B-B14F-4D97-AF65-F5344CB8AC3E}">
-        <p14:creationId xmlns:p14="http://schemas.microsoft.com/office/powerpoint/2010/main" val="2623437509"/>
+        <p14:creationId xmlns:p14="http://schemas.microsoft.com/office/powerpoint/2010/main" val="959272227"/>
       </p:ext>
     </p:extLst>
   </p:cSld>
   <p:clrMapOvr>
     <a:masterClrMapping/>
   </p:clrMapOvr>
+</p:sldLayout>
+</file>
+
+<file path=ppt/slideLayouts/slideLayout10.xml><?xml version="1.0" encoding="utf-8"?>
+<p:sldLayout xmlns:a="http://schemas.openxmlformats.org/drawingml/2006/main" xmlns:r="http://schemas.openxmlformats.org/officeDocument/2006/relationships" xmlns:p="http://schemas.openxmlformats.org/presentationml/2006/main" type="vertTx" preserve="1">
+  <p:cSld name="Title and Vertical Text">
+    <p:spTree>
+      <p:nvGrpSpPr>
+        <p:cNvPr id="1" name=""/>
+        <p:cNvGrpSpPr/>
+        <p:nvPr/>
+      </p:nvGrpSpPr>
+      <p:grpSpPr>
+        <a:xfrm>
+          <a:off x="0" y="0"/>
+          <a:ext cx="0" cy="0"/>
+          <a:chOff x="0" y="0"/>
+          <a:chExt cx="0" cy="0"/>
+        </a:xfrm>
+      </p:grpSpPr>
+      <p:sp>
+        <p:nvSpPr>
+          <p:cNvPr id="2" name="Title 1"/>
+          <p:cNvSpPr>
+            <a:spLocks noGrp="1"/>
+          </p:cNvSpPr>
+          <p:nvPr>
+            <p:ph type="title"/>
+          </p:nvPr>
+        </p:nvSpPr>
+        <p:spPr/>
+        <p:txBody>
+          <a:bodyPr/>
+          <a:lstStyle/>
+          <a:p>
+            <a:r>
+              <a:rPr lang="en-US"/>
+              <a:t>Click to edit Master title style</a:t>
+            </a:r>
+            <a:endParaRPr lang="en-US" dirty="0"/>
+          </a:p>
+        </p:txBody>
+      </p:sp>
+      <p:sp>
+        <p:nvSpPr>
+          <p:cNvPr id="3" name="Vertical Text Placeholder 2"/>
+          <p:cNvSpPr>
+            <a:spLocks noGrp="1"/>
+          </p:cNvSpPr>
+          <p:nvPr>
+            <p:ph type="body" orient="vert" idx="1"/>
+          </p:nvPr>
+        </p:nvSpPr>
+        <p:spPr/>
+        <p:txBody>
+          <a:bodyPr vert="eaVert" lIns="45720" tIns="0" rIns="45720" bIns="0"/>
+          <a:lstStyle/>
+          <a:p>
+            <a:pPr lvl="0"/>
+            <a:r>
+              <a:rPr lang="en-US"/>
+              <a:t>Click to edit Master text styles</a:t>
+            </a:r>
+          </a:p>
+          <a:p>
+            <a:pPr lvl="1"/>
+            <a:r>
+              <a:rPr lang="en-US"/>
+              <a:t>Second level</a:t>
+            </a:r>
+          </a:p>
+          <a:p>
+            <a:pPr lvl="2"/>
+            <a:r>
+              <a:rPr lang="en-US"/>
+              <a:t>Third level</a:t>
+            </a:r>
+          </a:p>
+          <a:p>
+            <a:pPr lvl="3"/>
+            <a:r>
+              <a:rPr lang="en-US"/>
+              <a:t>Fourth level</a:t>
+            </a:r>
+          </a:p>
+          <a:p>
+            <a:pPr lvl="4"/>
+            <a:r>
+              <a:rPr lang="en-US"/>
+              <a:t>Fifth level</a:t>
+            </a:r>
+            <a:endParaRPr lang="en-US" dirty="0"/>
+          </a:p>
+        </p:txBody>
+      </p:sp>
+      <p:sp>
+        <p:nvSpPr>
+          <p:cNvPr id="4" name="Date Placeholder 3"/>
+          <p:cNvSpPr>
+            <a:spLocks noGrp="1"/>
+          </p:cNvSpPr>
+          <p:nvPr>
+            <p:ph type="dt" sz="half" idx="10"/>
+          </p:nvPr>
+        </p:nvSpPr>
+        <p:spPr/>
+        <p:txBody>
+          <a:bodyPr/>
+          <a:lstStyle/>
+          <a:p>
+            <a:fld id="{62D6E202-B606-4609-B914-27C9371A1F6D}" type="datetime1">
+              <a:rPr lang="en-US" smtClean="0"/>
+              <a:t>2/3/2026</a:t>
+            </a:fld>
+            <a:endParaRPr lang="en-US" dirty="0"/>
+          </a:p>
+        </p:txBody>
+      </p:sp>
+      <p:sp>
+        <p:nvSpPr>
+          <p:cNvPr id="5" name="Footer Placeholder 4"/>
+          <p:cNvSpPr>
+            <a:spLocks noGrp="1"/>
+          </p:cNvSpPr>
+          <p:nvPr>
+            <p:ph type="ftr" sz="quarter" idx="11"/>
+          </p:nvPr>
+        </p:nvSpPr>
+        <p:spPr/>
+        <p:txBody>
+          <a:bodyPr/>
+          <a:lstStyle/>
+          <a:p>
+            <a:endParaRPr lang="en-US" dirty="0"/>
+          </a:p>
+        </p:txBody>
+      </p:sp>
+      <p:sp>
+        <p:nvSpPr>
+          <p:cNvPr id="6" name="Slide Number Placeholder 5"/>
+          <p:cNvSpPr>
+            <a:spLocks noGrp="1"/>
+          </p:cNvSpPr>
+          <p:nvPr>
+            <p:ph type="sldNum" sz="quarter" idx="12"/>
+          </p:nvPr>
+        </p:nvSpPr>
+        <p:spPr/>
+        <p:txBody>
+          <a:bodyPr/>
+          <a:lstStyle/>
+          <a:p>
+            <a:fld id="{3A98EE3D-8CD1-4C3F-BD1C-C98C9596463C}" type="slidenum">
+              <a:rPr lang="en-US" smtClean="0"/>
+              <a:t>‹#›</a:t>
+            </a:fld>
+            <a:endParaRPr lang="en-US" dirty="0"/>
+          </a:p>
+        </p:txBody>
+      </p:sp>
+    </p:spTree>
+    <p:extLst>
+      <p:ext uri="{BB962C8B-B14F-4D97-AF65-F5344CB8AC3E}">
+        <p14:creationId xmlns:p14="http://schemas.microsoft.com/office/powerpoint/2010/main" val="787386362"/>
+      </p:ext>
+    </p:extLst>
+  </p:cSld>
+  <p:clrMapOvr>
+    <a:masterClrMapping/>
+  </p:clrMapOvr>
+  <p:hf sldNum="0" hdr="0" ftr="0" dt="0"/>
+</p:sldLayout>
+</file>
+
+<file path=ppt/slideLayouts/slideLayout11.xml><?xml version="1.0" encoding="utf-8"?>
+<p:sldLayout xmlns:a="http://schemas.openxmlformats.org/drawingml/2006/main" xmlns:r="http://schemas.openxmlformats.org/officeDocument/2006/relationships" xmlns:p="http://schemas.openxmlformats.org/presentationml/2006/main" showMasterSp="0" type="vertTitleAndTx" preserve="1">
+  <p:cSld name="Vertical Title and Text">
+    <p:spTree>
+      <p:nvGrpSpPr>
+        <p:cNvPr id="1" name=""/>
+        <p:cNvGrpSpPr/>
+        <p:nvPr/>
+      </p:nvGrpSpPr>
+      <p:grpSpPr>
+        <a:xfrm>
+          <a:off x="0" y="0"/>
+          <a:ext cx="0" cy="0"/>
+          <a:chOff x="0" y="0"/>
+          <a:chExt cx="0" cy="0"/>
+        </a:xfrm>
+      </p:grpSpPr>
+      <p:sp>
+        <p:nvSpPr>
+          <p:cNvPr id="7" name="Rectangle 6"/>
+          <p:cNvSpPr/>
+          <p:nvPr/>
+        </p:nvSpPr>
+        <p:spPr>
+          <a:xfrm>
+            <a:off x="3175" y="6400800"/>
+            <a:ext cx="12188825" cy="457200"/>
+          </a:xfrm>
+          <a:prstGeom prst="rect">
+            <a:avLst/>
+          </a:prstGeom>
+          <a:solidFill>
+            <a:schemeClr val="accent2"/>
+          </a:solidFill>
+          <a:ln>
+            <a:noFill/>
+          </a:ln>
+        </p:spPr>
+        <p:style>
+          <a:lnRef idx="2">
+            <a:schemeClr val="accent1">
+              <a:shade val="50000"/>
+            </a:schemeClr>
+          </a:lnRef>
+          <a:fillRef idx="1">
+            <a:schemeClr val="accent1"/>
+          </a:fillRef>
+          <a:effectRef idx="0">
+            <a:schemeClr val="accent1"/>
+          </a:effectRef>
+          <a:fontRef idx="minor">
+            <a:schemeClr val="lt1"/>
+          </a:fontRef>
+        </p:style>
+      </p:sp>
+      <p:sp>
+        <p:nvSpPr>
+          <p:cNvPr id="8" name="Rectangle 7"/>
+          <p:cNvSpPr/>
+          <p:nvPr/>
+        </p:nvSpPr>
+        <p:spPr>
+          <a:xfrm>
+            <a:off x="15" y="6334316"/>
+            <a:ext cx="12188825" cy="64008"/>
+          </a:xfrm>
+          <a:prstGeom prst="rect">
+            <a:avLst/>
+          </a:prstGeom>
+          <a:solidFill>
+            <a:schemeClr val="accent1"/>
+          </a:solidFill>
+          <a:ln>
+            <a:noFill/>
+          </a:ln>
+        </p:spPr>
+        <p:style>
+          <a:lnRef idx="2">
+            <a:schemeClr val="accent1">
+              <a:shade val="50000"/>
+            </a:schemeClr>
+          </a:lnRef>
+          <a:fillRef idx="1">
+            <a:schemeClr val="accent1"/>
+          </a:fillRef>
+          <a:effectRef idx="0">
+            <a:schemeClr val="accent1"/>
+          </a:effectRef>
+          <a:fontRef idx="minor">
+            <a:schemeClr val="lt1"/>
+          </a:fontRef>
+        </p:style>
+      </p:sp>
+      <p:sp>
+        <p:nvSpPr>
+          <p:cNvPr id="2" name="Vertical Title 1"/>
+          <p:cNvSpPr>
+            <a:spLocks noGrp="1"/>
+          </p:cNvSpPr>
+          <p:nvPr>
+            <p:ph type="title" orient="vert"/>
+          </p:nvPr>
+        </p:nvSpPr>
+        <p:spPr>
+          <a:xfrm>
+            <a:off x="8724900" y="414778"/>
+            <a:ext cx="2628900" cy="5757421"/>
+          </a:xfrm>
+        </p:spPr>
+        <p:txBody>
+          <a:bodyPr vert="eaVert"/>
+          <a:lstStyle/>
+          <a:p>
+            <a:r>
+              <a:rPr lang="en-US"/>
+              <a:t>Click to edit Master title style</a:t>
+            </a:r>
+            <a:endParaRPr lang="en-US" dirty="0"/>
+          </a:p>
+        </p:txBody>
+      </p:sp>
+      <p:sp>
+        <p:nvSpPr>
+          <p:cNvPr id="3" name="Vertical Text Placeholder 2"/>
+          <p:cNvSpPr>
+            <a:spLocks noGrp="1"/>
+          </p:cNvSpPr>
+          <p:nvPr>
+            <p:ph type="body" orient="vert" idx="1"/>
+          </p:nvPr>
+        </p:nvSpPr>
+        <p:spPr>
+          <a:xfrm>
+            <a:off x="838200" y="414778"/>
+            <a:ext cx="7734300" cy="5757422"/>
+          </a:xfrm>
+        </p:spPr>
+        <p:txBody>
+          <a:bodyPr vert="eaVert" lIns="45720" tIns="0" rIns="45720" bIns="0"/>
+          <a:lstStyle/>
+          <a:p>
+            <a:pPr lvl="0"/>
+            <a:r>
+              <a:rPr lang="en-US"/>
+              <a:t>Click to edit Master text styles</a:t>
+            </a:r>
+          </a:p>
+          <a:p>
+            <a:pPr lvl="1"/>
+            <a:r>
+              <a:rPr lang="en-US"/>
+              <a:t>Second level</a:t>
+            </a:r>
+          </a:p>
+          <a:p>
+            <a:pPr lvl="2"/>
+            <a:r>
+              <a:rPr lang="en-US"/>
+              <a:t>Third level</a:t>
+            </a:r>
+          </a:p>
+          <a:p>
+            <a:pPr lvl="3"/>
+            <a:r>
+              <a:rPr lang="en-US"/>
+              <a:t>Fourth level</a:t>
+            </a:r>
+          </a:p>
+          <a:p>
+            <a:pPr lvl="4"/>
+            <a:r>
+              <a:rPr lang="en-US"/>
+              <a:t>Fifth level</a:t>
+            </a:r>
+            <a:endParaRPr lang="en-US" dirty="0"/>
+          </a:p>
+        </p:txBody>
+      </p:sp>
+      <p:sp>
+        <p:nvSpPr>
+          <p:cNvPr id="4" name="Date Placeholder 3"/>
+          <p:cNvSpPr>
+            <a:spLocks noGrp="1"/>
+          </p:cNvSpPr>
+          <p:nvPr>
+            <p:ph type="dt" sz="half" idx="10"/>
+          </p:nvPr>
+        </p:nvSpPr>
+        <p:spPr/>
+        <p:txBody>
+          <a:bodyPr/>
+          <a:lstStyle/>
+          <a:p>
+            <a:fld id="{62D6E202-B606-4609-B914-27C9371A1F6D}" type="datetime1">
+              <a:rPr lang="en-US" smtClean="0"/>
+              <a:t>2/3/2026</a:t>
+            </a:fld>
+            <a:endParaRPr lang="en-US" dirty="0"/>
+          </a:p>
+        </p:txBody>
+      </p:sp>
+      <p:sp>
+        <p:nvSpPr>
+          <p:cNvPr id="5" name="Footer Placeholder 4"/>
+          <p:cNvSpPr>
+            <a:spLocks noGrp="1"/>
+          </p:cNvSpPr>
+          <p:nvPr>
+            <p:ph type="ftr" sz="quarter" idx="11"/>
+          </p:nvPr>
+        </p:nvSpPr>
+        <p:spPr/>
+        <p:txBody>
+          <a:bodyPr/>
+          <a:lstStyle/>
+          <a:p>
+            <a:endParaRPr lang="en-US" dirty="0"/>
+          </a:p>
+        </p:txBody>
+      </p:sp>
+      <p:sp>
+        <p:nvSpPr>
+          <p:cNvPr id="6" name="Slide Number Placeholder 5"/>
+          <p:cNvSpPr>
+            <a:spLocks noGrp="1"/>
+          </p:cNvSpPr>
+          <p:nvPr>
+            <p:ph type="sldNum" sz="quarter" idx="12"/>
+          </p:nvPr>
+        </p:nvSpPr>
+        <p:spPr/>
+        <p:txBody>
+          <a:bodyPr/>
+          <a:lstStyle/>
+          <a:p>
+            <a:fld id="{3A98EE3D-8CD1-4C3F-BD1C-C98C9596463C}" type="slidenum">
+              <a:rPr lang="en-US" smtClean="0"/>
+              <a:t>‹#›</a:t>
+            </a:fld>
+            <a:endParaRPr lang="en-US" dirty="0"/>
+          </a:p>
+        </p:txBody>
+      </p:sp>
+    </p:spTree>
+    <p:extLst>
+      <p:ext uri="{BB962C8B-B14F-4D97-AF65-F5344CB8AC3E}">
+        <p14:creationId xmlns:p14="http://schemas.microsoft.com/office/powerpoint/2010/main" val="1871326959"/>
+      </p:ext>
+    </p:extLst>
+  </p:cSld>
+  <p:clrMapOvr>
+    <a:masterClrMapping/>
+  </p:clrMapOvr>
+  <p:hf sldNum="0" hdr="0" ftr="0" dt="0"/>
 </p:sldLayout>
 </file>
 
@@ -473,7 +920,11 @@
         <p:spPr/>
         <p:txBody>
           <a:bodyPr/>
-          <a:lstStyle/>
+          <a:lstStyle>
+            <a:lvl1pPr marL="0">
+              <a:defRPr/>
+            </a:lvl1pPr>
+          </a:lstStyle>
           <a:p>
             <a:r>
               <a:rPr lang="en-US"/>
@@ -537,13 +988,7 @@
       </p:sp>
       <p:sp>
         <p:nvSpPr>
-          <p:cNvPr id="7" name="Date Placeholder 6">
-            <a:extLst>
-              <a:ext uri="{FF2B5EF4-FFF2-40B4-BE49-F238E27FC236}">
-                <a16:creationId xmlns:a16="http://schemas.microsoft.com/office/drawing/2014/main" id="{354D8B55-9EA8-4B81-8E84-9B93B0A27559}"/>
-              </a:ext>
-            </a:extLst>
-          </p:cNvPr>
+          <p:cNvPr id="4" name="Date Placeholder 3"/>
           <p:cNvSpPr>
             <a:spLocks noGrp="1"/>
           </p:cNvSpPr>
@@ -558,7 +1003,7 @@
           <a:p>
             <a:fld id="{4BE1D723-8F53-4F53-90B0-1982A396982E}" type="datetime1">
               <a:rPr lang="en-US" smtClean="0"/>
-              <a:t>1/31/2026</a:t>
+              <a:t>2/3/2026</a:t>
             </a:fld>
             <a:endParaRPr lang="en-US" dirty="0"/>
           </a:p>
@@ -566,13 +1011,7 @@
       </p:sp>
       <p:sp>
         <p:nvSpPr>
-          <p:cNvPr id="8" name="Footer Placeholder 7">
-            <a:extLst>
-              <a:ext uri="{FF2B5EF4-FFF2-40B4-BE49-F238E27FC236}">
-                <a16:creationId xmlns:a16="http://schemas.microsoft.com/office/drawing/2014/main" id="{062CA021-2578-47CB-822C-BDDFF7223B28}"/>
-              </a:ext>
-            </a:extLst>
-          </p:cNvPr>
+          <p:cNvPr id="5" name="Footer Placeholder 4"/>
           <p:cNvSpPr>
             <a:spLocks noGrp="1"/>
           </p:cNvSpPr>
@@ -591,13 +1030,7 @@
       </p:sp>
       <p:sp>
         <p:nvSpPr>
-          <p:cNvPr id="9" name="Slide Number Placeholder 8">
-            <a:extLst>
-              <a:ext uri="{FF2B5EF4-FFF2-40B4-BE49-F238E27FC236}">
-                <a16:creationId xmlns:a16="http://schemas.microsoft.com/office/drawing/2014/main" id="{C4AAB51D-4141-4682-9375-DAFD5FB9DD10}"/>
-              </a:ext>
-            </a:extLst>
-          </p:cNvPr>
+          <p:cNvPr id="6" name="Slide Number Placeholder 5"/>
           <p:cNvSpPr>
             <a:spLocks noGrp="1"/>
           </p:cNvSpPr>
@@ -621,7 +1054,7 @@
     </p:spTree>
     <p:extLst>
       <p:ext uri="{BB962C8B-B14F-4D97-AF65-F5344CB8AC3E}">
-        <p14:creationId xmlns:p14="http://schemas.microsoft.com/office/powerpoint/2010/main" val="2540465968"/>
+        <p14:creationId xmlns:p14="http://schemas.microsoft.com/office/powerpoint/2010/main" val="1153712450"/>
       </p:ext>
     </p:extLst>
   </p:cSld>
@@ -658,13 +1091,7 @@
       </p:grpSpPr>
       <p:sp>
         <p:nvSpPr>
-          <p:cNvPr id="10" name="Rectangle 9">
-            <a:extLst>
-              <a:ext uri="{FF2B5EF4-FFF2-40B4-BE49-F238E27FC236}">
-                <a16:creationId xmlns:a16="http://schemas.microsoft.com/office/drawing/2014/main" id="{A585C21A-8B93-4657-B5DF-7EAEAD3BE127}"/>
-              </a:ext>
-            </a:extLst>
-          </p:cNvPr>
+          <p:cNvPr id="7" name="Rectangle 6"/>
           <p:cNvSpPr/>
           <p:nvPr/>
         </p:nvSpPr>
@@ -677,7 +1104,7 @@
             <a:avLst/>
           </a:prstGeom>
           <a:solidFill>
-            <a:srgbClr val="262626"/>
+            <a:schemeClr val="accent2"/>
           </a:solidFill>
           <a:ln>
             <a:noFill/>
@@ -702,6 +1129,44 @@
       </p:sp>
       <p:sp>
         <p:nvSpPr>
+          <p:cNvPr id="8" name="Rectangle 7"/>
+          <p:cNvSpPr/>
+          <p:nvPr/>
+        </p:nvSpPr>
+        <p:spPr>
+          <a:xfrm>
+            <a:off x="15" y="6334316"/>
+            <a:ext cx="12188825" cy="64008"/>
+          </a:xfrm>
+          <a:prstGeom prst="rect">
+            <a:avLst/>
+          </a:prstGeom>
+          <a:solidFill>
+            <a:schemeClr val="accent1"/>
+          </a:solidFill>
+          <a:ln>
+            <a:noFill/>
+          </a:ln>
+        </p:spPr>
+        <p:style>
+          <a:lnRef idx="2">
+            <a:schemeClr val="accent1">
+              <a:shade val="50000"/>
+            </a:schemeClr>
+          </a:lnRef>
+          <a:fillRef idx="1">
+            <a:schemeClr val="accent1"/>
+          </a:fillRef>
+          <a:effectRef idx="0">
+            <a:schemeClr val="accent1"/>
+          </a:effectRef>
+          <a:fontRef idx="minor">
+            <a:schemeClr val="lt1"/>
+          </a:fontRef>
+        </p:style>
+      </p:sp>
+      <p:sp>
+        <p:nvSpPr>
           <p:cNvPr id="2" name="Title 1"/>
           <p:cNvSpPr>
             <a:spLocks noGrp="1"/>
@@ -723,7 +1188,7 @@
           <a:lstStyle>
             <a:lvl1pPr>
               <a:lnSpc>
-                <a:spcPct val="90000"/>
+                <a:spcPct val="85000"/>
               </a:lnSpc>
               <a:defRPr sz="8000" b="0">
                 <a:solidFill>
@@ -756,7 +1221,7 @@
         </p:nvSpPr>
         <p:spPr>
           <a:xfrm>
-            <a:off x="1097280" y="4663440"/>
+            <a:off x="1097280" y="4453128"/>
             <a:ext cx="10058400" cy="1143000"/>
           </a:xfrm>
         </p:spPr>
@@ -769,9 +1234,9 @@
               <a:buNone/>
               <a:defRPr sz="2400" cap="all" spc="200" baseline="0">
                 <a:solidFill>
-                  <a:schemeClr val="tx1"/>
+                  <a:schemeClr val="tx2"/>
                 </a:solidFill>
-                <a:latin typeface="+mn-lt"/>
+                <a:latin typeface="+mj-lt"/>
               </a:defRPr>
             </a:lvl1pPr>
             <a:lvl2pPr marL="457200" indent="0">
@@ -864,31 +1329,90 @@
           </a:p>
         </p:txBody>
       </p:sp>
+      <p:sp>
+        <p:nvSpPr>
+          <p:cNvPr id="4" name="Date Placeholder 3"/>
+          <p:cNvSpPr>
+            <a:spLocks noGrp="1"/>
+          </p:cNvSpPr>
+          <p:nvPr>
+            <p:ph type="dt" sz="half" idx="10"/>
+          </p:nvPr>
+        </p:nvSpPr>
+        <p:spPr/>
+        <p:txBody>
+          <a:bodyPr/>
+          <a:lstStyle/>
+          <a:p>
+            <a:fld id="{97669AF7-7BEB-44E4-9852-375E34362B5B}" type="datetime1">
+              <a:rPr lang="en-US" smtClean="0"/>
+              <a:t>2/3/2026</a:t>
+            </a:fld>
+            <a:endParaRPr lang="en-US" dirty="0"/>
+          </a:p>
+        </p:txBody>
+      </p:sp>
+      <p:sp>
+        <p:nvSpPr>
+          <p:cNvPr id="5" name="Footer Placeholder 4"/>
+          <p:cNvSpPr>
+            <a:spLocks noGrp="1"/>
+          </p:cNvSpPr>
+          <p:nvPr>
+            <p:ph type="ftr" sz="quarter" idx="11"/>
+          </p:nvPr>
+        </p:nvSpPr>
+        <p:spPr/>
+        <p:txBody>
+          <a:bodyPr/>
+          <a:lstStyle/>
+          <a:p>
+            <a:endParaRPr lang="en-US" dirty="0"/>
+          </a:p>
+        </p:txBody>
+      </p:sp>
+      <p:sp>
+        <p:nvSpPr>
+          <p:cNvPr id="6" name="Slide Number Placeholder 5"/>
+          <p:cNvSpPr>
+            <a:spLocks noGrp="1"/>
+          </p:cNvSpPr>
+          <p:nvPr>
+            <p:ph type="sldNum" sz="quarter" idx="12"/>
+          </p:nvPr>
+        </p:nvSpPr>
+        <p:spPr/>
+        <p:txBody>
+          <a:bodyPr/>
+          <a:lstStyle/>
+          <a:p>
+            <a:fld id="{3A98EE3D-8CD1-4C3F-BD1C-C98C9596463C}" type="slidenum">
+              <a:rPr lang="en-US" smtClean="0"/>
+              <a:t>‹#›</a:t>
+            </a:fld>
+            <a:endParaRPr lang="en-US" dirty="0"/>
+          </a:p>
+        </p:txBody>
+      </p:sp>
       <p:cxnSp>
         <p:nvCxnSpPr>
-          <p:cNvPr id="9" name="Straight Connector 8">
-            <a:extLst>
-              <a:ext uri="{FF2B5EF4-FFF2-40B4-BE49-F238E27FC236}">
-                <a16:creationId xmlns:a16="http://schemas.microsoft.com/office/drawing/2014/main" id="{459DE2C1-4C52-40A3-8959-27B2C1BEBFF6}"/>
-              </a:ext>
-            </a:extLst>
-          </p:cNvPr>
+          <p:cNvPr id="9" name="Straight Connector 8"/>
           <p:cNvCxnSpPr/>
           <p:nvPr/>
         </p:nvCxnSpPr>
         <p:spPr>
           <a:xfrm>
-            <a:off x="1207658" y="4485132"/>
+            <a:off x="1207658" y="4343400"/>
             <a:ext cx="9875520" cy="0"/>
           </a:xfrm>
           <a:prstGeom prst="line">
             <a:avLst/>
           </a:prstGeom>
-          <a:ln w="12700">
+          <a:ln w="6350">
             <a:solidFill>
               <a:schemeClr val="tx1">
-                <a:lumMod val="75000"/>
-                <a:lumOff val="25000"/>
+                <a:lumMod val="50000"/>
+                <a:lumOff val="50000"/>
               </a:schemeClr>
             </a:solidFill>
           </a:ln>
@@ -908,93 +1432,10 @@
           </a:fontRef>
         </p:style>
       </p:cxnSp>
-      <p:sp>
-        <p:nvSpPr>
-          <p:cNvPr id="7" name="Date Placeholder 6">
-            <a:extLst>
-              <a:ext uri="{FF2B5EF4-FFF2-40B4-BE49-F238E27FC236}">
-                <a16:creationId xmlns:a16="http://schemas.microsoft.com/office/drawing/2014/main" id="{AAF2E137-EC28-48F8-9198-1F02539029B6}"/>
-              </a:ext>
-            </a:extLst>
-          </p:cNvPr>
-          <p:cNvSpPr>
-            <a:spLocks noGrp="1"/>
-          </p:cNvSpPr>
-          <p:nvPr>
-            <p:ph type="dt" sz="half" idx="10"/>
-          </p:nvPr>
-        </p:nvSpPr>
-        <p:spPr/>
-        <p:txBody>
-          <a:bodyPr/>
-          <a:lstStyle/>
-          <a:p>
-            <a:fld id="{97669AF7-7BEB-44E4-9852-375E34362B5B}" type="datetime1">
-              <a:rPr lang="en-US" smtClean="0"/>
-              <a:t>1/31/2026</a:t>
-            </a:fld>
-            <a:endParaRPr lang="en-US" dirty="0"/>
-          </a:p>
-        </p:txBody>
-      </p:sp>
-      <p:sp>
-        <p:nvSpPr>
-          <p:cNvPr id="8" name="Footer Placeholder 7">
-            <a:extLst>
-              <a:ext uri="{FF2B5EF4-FFF2-40B4-BE49-F238E27FC236}">
-                <a16:creationId xmlns:a16="http://schemas.microsoft.com/office/drawing/2014/main" id="{189422CD-6F62-4DD6-89EF-07A60B42D219}"/>
-              </a:ext>
-            </a:extLst>
-          </p:cNvPr>
-          <p:cNvSpPr>
-            <a:spLocks noGrp="1"/>
-          </p:cNvSpPr>
-          <p:nvPr>
-            <p:ph type="ftr" sz="quarter" idx="11"/>
-          </p:nvPr>
-        </p:nvSpPr>
-        <p:spPr/>
-        <p:txBody>
-          <a:bodyPr/>
-          <a:lstStyle/>
-          <a:p>
-            <a:endParaRPr lang="en-US" dirty="0"/>
-          </a:p>
-        </p:txBody>
-      </p:sp>
-      <p:sp>
-        <p:nvSpPr>
-          <p:cNvPr id="11" name="Slide Number Placeholder 10">
-            <a:extLst>
-              <a:ext uri="{FF2B5EF4-FFF2-40B4-BE49-F238E27FC236}">
-                <a16:creationId xmlns:a16="http://schemas.microsoft.com/office/drawing/2014/main" id="{69C6AFF8-42B4-4D05-969B-9F5FB3355555}"/>
-              </a:ext>
-            </a:extLst>
-          </p:cNvPr>
-          <p:cNvSpPr>
-            <a:spLocks noGrp="1"/>
-          </p:cNvSpPr>
-          <p:nvPr>
-            <p:ph type="sldNum" sz="quarter" idx="12"/>
-          </p:nvPr>
-        </p:nvSpPr>
-        <p:spPr/>
-        <p:txBody>
-          <a:bodyPr/>
-          <a:lstStyle/>
-          <a:p>
-            <a:fld id="{3A98EE3D-8CD1-4C3F-BD1C-C98C9596463C}" type="slidenum">
-              <a:rPr lang="en-US" smtClean="0"/>
-              <a:t>‹#›</a:t>
-            </a:fld>
-            <a:endParaRPr lang="en-US" dirty="0"/>
-          </a:p>
-        </p:txBody>
-      </p:sp>
     </p:spTree>
     <p:extLst>
       <p:ext uri="{BB962C8B-B14F-4D97-AF65-F5344CB8AC3E}">
-        <p14:creationId xmlns:p14="http://schemas.microsoft.com/office/powerpoint/2010/main" val="762783540"/>
+        <p14:creationId xmlns:p14="http://schemas.microsoft.com/office/powerpoint/2010/main" val="2060215074"/>
       </p:ext>
     </p:extLst>
   </p:cSld>
@@ -1061,8 +1502,8 @@
         </p:nvSpPr>
         <p:spPr>
           <a:xfrm>
-            <a:off x="1097280" y="2120900"/>
-            <a:ext cx="4639736" cy="3748193"/>
+            <a:off x="1097279" y="1845734"/>
+            <a:ext cx="4937760" cy="4023360"/>
           </a:xfrm>
         </p:spPr>
         <p:txBody>
@@ -1118,8 +1559,8 @@
         </p:nvSpPr>
         <p:spPr>
           <a:xfrm>
-            <a:off x="6515944" y="2120900"/>
-            <a:ext cx="4639736" cy="3748194"/>
+            <a:off x="6217920" y="1845735"/>
+            <a:ext cx="4937760" cy="4023360"/>
           </a:xfrm>
         </p:spPr>
         <p:txBody>
@@ -1165,13 +1606,7 @@
       </p:sp>
       <p:sp>
         <p:nvSpPr>
-          <p:cNvPr id="2" name="Date Placeholder 1">
-            <a:extLst>
-              <a:ext uri="{FF2B5EF4-FFF2-40B4-BE49-F238E27FC236}">
-                <a16:creationId xmlns:a16="http://schemas.microsoft.com/office/drawing/2014/main" id="{5782D47D-B0DC-4C40-BCC6-BBBA32584A38}"/>
-              </a:ext>
-            </a:extLst>
-          </p:cNvPr>
+          <p:cNvPr id="5" name="Date Placeholder 4"/>
           <p:cNvSpPr>
             <a:spLocks noGrp="1"/>
           </p:cNvSpPr>
@@ -1186,7 +1621,7 @@
           <a:p>
             <a:fld id="{BAAAC38D-0552-4C82-B593-E6124DFADBE2}" type="datetime1">
               <a:rPr lang="en-US" smtClean="0"/>
-              <a:t>1/31/2026</a:t>
+              <a:t>2/3/2026</a:t>
             </a:fld>
             <a:endParaRPr lang="en-US" dirty="0"/>
           </a:p>
@@ -1194,13 +1629,7 @@
       </p:sp>
       <p:sp>
         <p:nvSpPr>
-          <p:cNvPr id="9" name="Footer Placeholder 8">
-            <a:extLst>
-              <a:ext uri="{FF2B5EF4-FFF2-40B4-BE49-F238E27FC236}">
-                <a16:creationId xmlns:a16="http://schemas.microsoft.com/office/drawing/2014/main" id="{4690D34E-7EBD-44B2-83CA-4C126A18D7EF}"/>
-              </a:ext>
-            </a:extLst>
-          </p:cNvPr>
+          <p:cNvPr id="6" name="Footer Placeholder 5"/>
           <p:cNvSpPr>
             <a:spLocks noGrp="1"/>
           </p:cNvSpPr>
@@ -1219,13 +1648,7 @@
       </p:sp>
       <p:sp>
         <p:nvSpPr>
-          <p:cNvPr id="10" name="Slide Number Placeholder 9">
-            <a:extLst>
-              <a:ext uri="{FF2B5EF4-FFF2-40B4-BE49-F238E27FC236}">
-                <a16:creationId xmlns:a16="http://schemas.microsoft.com/office/drawing/2014/main" id="{2AC511A1-9BBD-42DE-92FB-2AF44F8E97A9}"/>
-              </a:ext>
-            </a:extLst>
-          </p:cNvPr>
+          <p:cNvPr id="7" name="Slide Number Placeholder 6"/>
           <p:cNvSpPr>
             <a:spLocks noGrp="1"/>
           </p:cNvSpPr>
@@ -1249,7 +1672,7 @@
     </p:spTree>
     <p:extLst>
       <p:ext uri="{BB962C8B-B14F-4D97-AF65-F5344CB8AC3E}">
-        <p14:creationId xmlns:p14="http://schemas.microsoft.com/office/powerpoint/2010/main" val="588359594"/>
+        <p14:creationId xmlns:p14="http://schemas.microsoft.com/office/powerpoint/2010/main" val="2225869041"/>
       </p:ext>
     </p:extLst>
   </p:cSld>
@@ -1316,8 +1739,8 @@
         </p:nvSpPr>
         <p:spPr>
           <a:xfrm>
-            <a:off x="1097280" y="2057400"/>
-            <a:ext cx="4639736" cy="736282"/>
+            <a:off x="1097280" y="1846052"/>
+            <a:ext cx="4937760" cy="736282"/>
           </a:xfrm>
         </p:spPr>
         <p:txBody>
@@ -1329,7 +1752,7 @@
               <a:buNone/>
               <a:defRPr sz="2000" b="0" cap="all" baseline="0">
                 <a:solidFill>
-                  <a:schemeClr val="tx1"/>
+                  <a:schemeClr val="tx2"/>
                 </a:solidFill>
               </a:defRPr>
             </a:lvl1pPr>
@@ -1387,8 +1810,8 @@
         </p:nvSpPr>
         <p:spPr>
           <a:xfrm>
-            <a:off x="1097280" y="2958274"/>
-            <a:ext cx="4639736" cy="2910821"/>
+            <a:off x="1097280" y="2582334"/>
+            <a:ext cx="4937760" cy="3378200"/>
           </a:xfrm>
         </p:spPr>
         <p:txBody>
@@ -1444,8 +1867,8 @@
         </p:nvSpPr>
         <p:spPr>
           <a:xfrm>
-            <a:off x="6515944" y="2057400"/>
-            <a:ext cx="4639736" cy="736282"/>
+            <a:off x="6217920" y="1846052"/>
+            <a:ext cx="4937760" cy="736282"/>
           </a:xfrm>
         </p:spPr>
         <p:txBody>
@@ -1457,7 +1880,7 @@
               <a:buNone/>
               <a:defRPr sz="2000" b="0" cap="all" baseline="0">
                 <a:solidFill>
-                  <a:schemeClr val="tx1"/>
+                  <a:schemeClr val="tx2"/>
                 </a:solidFill>
               </a:defRPr>
             </a:lvl1pPr>
@@ -1515,8 +1938,8 @@
         </p:nvSpPr>
         <p:spPr>
           <a:xfrm>
-            <a:off x="6515944" y="2958273"/>
-            <a:ext cx="4639736" cy="2910821"/>
+            <a:off x="6217920" y="2582334"/>
+            <a:ext cx="4937760" cy="3378200"/>
           </a:xfrm>
         </p:spPr>
         <p:txBody>
@@ -1562,13 +1985,7 @@
       </p:sp>
       <p:sp>
         <p:nvSpPr>
-          <p:cNvPr id="2" name="Date Placeholder 1">
-            <a:extLst>
-              <a:ext uri="{FF2B5EF4-FFF2-40B4-BE49-F238E27FC236}">
-                <a16:creationId xmlns:a16="http://schemas.microsoft.com/office/drawing/2014/main" id="{8AF8A515-AA94-45D1-9223-5C2272618D85}"/>
-              </a:ext>
-            </a:extLst>
-          </p:cNvPr>
+          <p:cNvPr id="7" name="Date Placeholder 6"/>
           <p:cNvSpPr>
             <a:spLocks noGrp="1"/>
           </p:cNvSpPr>
@@ -1583,7 +2000,7 @@
           <a:p>
             <a:fld id="{D9DF0F1C-5577-4ACB-BB62-DF8F3C494C7E}" type="datetime1">
               <a:rPr lang="en-US" smtClean="0"/>
-              <a:t>1/31/2026</a:t>
+              <a:t>2/3/2026</a:t>
             </a:fld>
             <a:endParaRPr lang="en-US" dirty="0"/>
           </a:p>
@@ -1591,13 +2008,7 @@
       </p:sp>
       <p:sp>
         <p:nvSpPr>
-          <p:cNvPr id="11" name="Footer Placeholder 10">
-            <a:extLst>
-              <a:ext uri="{FF2B5EF4-FFF2-40B4-BE49-F238E27FC236}">
-                <a16:creationId xmlns:a16="http://schemas.microsoft.com/office/drawing/2014/main" id="{D052F5BC-98E0-4D60-AD67-9547738B7DD4}"/>
-              </a:ext>
-            </a:extLst>
-          </p:cNvPr>
+          <p:cNvPr id="8" name="Footer Placeholder 7"/>
           <p:cNvSpPr>
             <a:spLocks noGrp="1"/>
           </p:cNvSpPr>
@@ -1616,13 +2027,7 @@
       </p:sp>
       <p:sp>
         <p:nvSpPr>
-          <p:cNvPr id="12" name="Slide Number Placeholder 11">
-            <a:extLst>
-              <a:ext uri="{FF2B5EF4-FFF2-40B4-BE49-F238E27FC236}">
-                <a16:creationId xmlns:a16="http://schemas.microsoft.com/office/drawing/2014/main" id="{A38552DC-952E-41EA-AAAF-C2187523C0B0}"/>
-              </a:ext>
-            </a:extLst>
-          </p:cNvPr>
+          <p:cNvPr id="9" name="Slide Number Placeholder 8"/>
           <p:cNvSpPr>
             <a:spLocks noGrp="1"/>
           </p:cNvSpPr>
@@ -1646,7 +2051,7 @@
     </p:spTree>
     <p:extLst>
       <p:ext uri="{BB962C8B-B14F-4D97-AF65-F5344CB8AC3E}">
-        <p14:creationId xmlns:p14="http://schemas.microsoft.com/office/powerpoint/2010/main" val="1963925727"/>
+        <p14:creationId xmlns:p14="http://schemas.microsoft.com/office/powerpoint/2010/main" val="1076395648"/>
       </p:ext>
     </p:extLst>
   </p:cSld>
@@ -1698,13 +2103,7 @@
       </p:sp>
       <p:sp>
         <p:nvSpPr>
-          <p:cNvPr id="6" name="Date Placeholder 5">
-            <a:extLst>
-              <a:ext uri="{FF2B5EF4-FFF2-40B4-BE49-F238E27FC236}">
-                <a16:creationId xmlns:a16="http://schemas.microsoft.com/office/drawing/2014/main" id="{7392073F-158F-44A3-8913-917AFFC1BC20}"/>
-              </a:ext>
-            </a:extLst>
-          </p:cNvPr>
+          <p:cNvPr id="3" name="Date Placeholder 2"/>
           <p:cNvSpPr>
             <a:spLocks noGrp="1"/>
           </p:cNvSpPr>
@@ -1719,7 +2118,7 @@
           <a:p>
             <a:fld id="{1775B394-D9F9-4F0C-B15D-605F45CB9E9F}" type="datetime1">
               <a:rPr lang="en-US" smtClean="0"/>
-              <a:t>1/31/2026</a:t>
+              <a:t>2/3/2026</a:t>
             </a:fld>
             <a:endParaRPr lang="en-US" dirty="0"/>
           </a:p>
@@ -1727,13 +2126,7 @@
       </p:sp>
       <p:sp>
         <p:nvSpPr>
-          <p:cNvPr id="7" name="Footer Placeholder 6">
-            <a:extLst>
-              <a:ext uri="{FF2B5EF4-FFF2-40B4-BE49-F238E27FC236}">
-                <a16:creationId xmlns:a16="http://schemas.microsoft.com/office/drawing/2014/main" id="{EED72207-24CA-42B7-A975-2F8E41CBA904}"/>
-              </a:ext>
-            </a:extLst>
-          </p:cNvPr>
+          <p:cNvPr id="4" name="Footer Placeholder 3"/>
           <p:cNvSpPr>
             <a:spLocks noGrp="1"/>
           </p:cNvSpPr>
@@ -1752,13 +2145,7 @@
       </p:sp>
       <p:sp>
         <p:nvSpPr>
-          <p:cNvPr id="8" name="Slide Number Placeholder 7">
-            <a:extLst>
-              <a:ext uri="{FF2B5EF4-FFF2-40B4-BE49-F238E27FC236}">
-                <a16:creationId xmlns:a16="http://schemas.microsoft.com/office/drawing/2014/main" id="{D01080F2-251A-4B88-9A62-16F46D724F83}"/>
-              </a:ext>
-            </a:extLst>
-          </p:cNvPr>
+          <p:cNvPr id="5" name="Slide Number Placeholder 4"/>
           <p:cNvSpPr>
             <a:spLocks noGrp="1"/>
           </p:cNvSpPr>
@@ -1782,7 +2169,7 @@
     </p:spTree>
     <p:extLst>
       <p:ext uri="{BB962C8B-B14F-4D97-AF65-F5344CB8AC3E}">
-        <p14:creationId xmlns:p14="http://schemas.microsoft.com/office/powerpoint/2010/main" val="4268543396"/>
+        <p14:creationId xmlns:p14="http://schemas.microsoft.com/office/powerpoint/2010/main" val="3572612511"/>
       </p:ext>
     </p:extLst>
   </p:cSld>
@@ -1811,13 +2198,7 @@
       </p:grpSpPr>
       <p:sp>
         <p:nvSpPr>
-          <p:cNvPr id="10" name="Rectangle 9">
-            <a:extLst>
-              <a:ext uri="{FF2B5EF4-FFF2-40B4-BE49-F238E27FC236}">
-                <a16:creationId xmlns:a16="http://schemas.microsoft.com/office/drawing/2014/main" id="{A8E9C91B-7EAD-4562-AB0E-DFB9663AECE3}"/>
-              </a:ext>
-            </a:extLst>
-          </p:cNvPr>
+          <p:cNvPr id="5" name="Rectangle 4"/>
           <p:cNvSpPr/>
           <p:nvPr/>
         </p:nvSpPr>
@@ -1830,7 +2211,7 @@
             <a:avLst/>
           </a:prstGeom>
           <a:solidFill>
-            <a:srgbClr val="262626"/>
+            <a:schemeClr val="accent2"/>
           </a:solidFill>
           <a:ln>
             <a:noFill/>
@@ -1855,13 +2236,45 @@
       </p:sp>
       <p:sp>
         <p:nvSpPr>
-          <p:cNvPr id="2" name="Date Placeholder 1">
-            <a:extLst>
-              <a:ext uri="{FF2B5EF4-FFF2-40B4-BE49-F238E27FC236}">
-                <a16:creationId xmlns:a16="http://schemas.microsoft.com/office/drawing/2014/main" id="{94E9223F-721F-47BF-9FD5-0F8D12FF0DE1}"/>
-              </a:ext>
-            </a:extLst>
-          </p:cNvPr>
+          <p:cNvPr id="6" name="Rectangle 5"/>
+          <p:cNvSpPr/>
+          <p:nvPr/>
+        </p:nvSpPr>
+        <p:spPr>
+          <a:xfrm>
+            <a:off x="15" y="6334316"/>
+            <a:ext cx="12188825" cy="64008"/>
+          </a:xfrm>
+          <a:prstGeom prst="rect">
+            <a:avLst/>
+          </a:prstGeom>
+          <a:solidFill>
+            <a:schemeClr val="accent1"/>
+          </a:solidFill>
+          <a:ln>
+            <a:noFill/>
+          </a:ln>
+        </p:spPr>
+        <p:style>
+          <a:lnRef idx="2">
+            <a:schemeClr val="accent1">
+              <a:shade val="50000"/>
+            </a:schemeClr>
+          </a:lnRef>
+          <a:fillRef idx="1">
+            <a:schemeClr val="accent1"/>
+          </a:fillRef>
+          <a:effectRef idx="0">
+            <a:schemeClr val="accent1"/>
+          </a:effectRef>
+          <a:fontRef idx="minor">
+            <a:schemeClr val="lt1"/>
+          </a:fontRef>
+        </p:style>
+      </p:sp>
+      <p:sp>
+        <p:nvSpPr>
+          <p:cNvPr id="7" name="Date Placeholder 6"/>
           <p:cNvSpPr>
             <a:spLocks noGrp="1"/>
           </p:cNvSpPr>
@@ -1876,7 +2289,7 @@
           <a:p>
             <a:fld id="{39667345-2558-425A-8533-9BFDBCE15005}" type="datetime1">
               <a:rPr lang="en-US" smtClean="0"/>
-              <a:t>1/31/2026</a:t>
+              <a:t>2/3/2026</a:t>
             </a:fld>
             <a:endParaRPr lang="en-US" dirty="0"/>
           </a:p>
@@ -1884,13 +2297,7 @@
       </p:sp>
       <p:sp>
         <p:nvSpPr>
-          <p:cNvPr id="3" name="Footer Placeholder 2">
-            <a:extLst>
-              <a:ext uri="{FF2B5EF4-FFF2-40B4-BE49-F238E27FC236}">
-                <a16:creationId xmlns:a16="http://schemas.microsoft.com/office/drawing/2014/main" id="{05915714-6BBA-4593-8591-4E26F7D58D9F}"/>
-              </a:ext>
-            </a:extLst>
-          </p:cNvPr>
+          <p:cNvPr id="8" name="Footer Placeholder 7"/>
           <p:cNvSpPr>
             <a:spLocks noGrp="1"/>
           </p:cNvSpPr>
@@ -1901,7 +2308,15 @@
         <p:spPr/>
         <p:txBody>
           <a:bodyPr/>
-          <a:lstStyle/>
+          <a:lstStyle>
+            <a:lvl1pPr>
+              <a:defRPr>
+                <a:solidFill>
+                  <a:srgbClr val="FFFFFF"/>
+                </a:solidFill>
+              </a:defRPr>
+            </a:lvl1pPr>
+          </a:lstStyle>
           <a:p>
             <a:endParaRPr lang="en-US" dirty="0"/>
           </a:p>
@@ -1909,13 +2324,7 @@
       </p:sp>
       <p:sp>
         <p:nvSpPr>
-          <p:cNvPr id="4" name="Slide Number Placeholder 3">
-            <a:extLst>
-              <a:ext uri="{FF2B5EF4-FFF2-40B4-BE49-F238E27FC236}">
-                <a16:creationId xmlns:a16="http://schemas.microsoft.com/office/drawing/2014/main" id="{BE06F857-D2E1-44DD-ABDD-EBB739645B67}"/>
-              </a:ext>
-            </a:extLst>
-          </p:cNvPr>
+          <p:cNvPr id="9" name="Slide Number Placeholder 8"/>
           <p:cNvSpPr>
             <a:spLocks noGrp="1"/>
           </p:cNvSpPr>
@@ -1939,7 +2348,7 @@
     </p:spTree>
     <p:extLst>
       <p:ext uri="{BB962C8B-B14F-4D97-AF65-F5344CB8AC3E}">
-        <p14:creationId xmlns:p14="http://schemas.microsoft.com/office/powerpoint/2010/main" val="133393754"/>
+        <p14:creationId xmlns:p14="http://schemas.microsoft.com/office/powerpoint/2010/main" val="1077348274"/>
       </p:ext>
     </p:extLst>
   </p:cSld>
@@ -1968,26 +2377,20 @@
       </p:grpSpPr>
       <p:sp>
         <p:nvSpPr>
-          <p:cNvPr id="8" name="Rectangle 7">
-            <a:extLst>
-              <a:ext uri="{FF2B5EF4-FFF2-40B4-BE49-F238E27FC236}">
-                <a16:creationId xmlns:a16="http://schemas.microsoft.com/office/drawing/2014/main" id="{16D90D66-BCB9-4229-A829-628874352AC0}"/>
-              </a:ext>
-            </a:extLst>
-          </p:cNvPr>
+          <p:cNvPr id="8" name="Rectangle 7"/>
           <p:cNvSpPr/>
           <p:nvPr/>
         </p:nvSpPr>
         <p:spPr>
           <a:xfrm>
             <a:off x="16" y="0"/>
-            <a:ext cx="4654296" cy="6858000"/>
+            <a:ext cx="4050791" cy="6858000"/>
           </a:xfrm>
           <a:prstGeom prst="rect">
             <a:avLst/>
           </a:prstGeom>
           <a:solidFill>
-            <a:srgbClr val="262626"/>
+            <a:schemeClr val="accent2"/>
           </a:solidFill>
           <a:ln>
             <a:noFill/>
@@ -2012,18 +2415,56 @@
       </p:sp>
       <p:sp>
         <p:nvSpPr>
-          <p:cNvPr id="2" name="Title 1"/>
-          <p:cNvSpPr>
-            <a:spLocks noGrp="1"/>
-          </p:cNvSpPr>
-          <p:nvPr>
-            <p:ph type="title"/>
-          </p:nvPr>
+          <p:cNvPr id="9" name="Rectangle 8"/>
+          <p:cNvSpPr/>
+          <p:nvPr/>
         </p:nvSpPr>
         <p:spPr>
           <a:xfrm>
-            <a:off x="643466" y="786383"/>
-            <a:ext cx="3517567" cy="2093975"/>
+            <a:off x="4040071" y="0"/>
+            <a:ext cx="64008" cy="6858000"/>
+          </a:xfrm>
+          <a:prstGeom prst="rect">
+            <a:avLst/>
+          </a:prstGeom>
+          <a:solidFill>
+            <a:schemeClr val="accent1"/>
+          </a:solidFill>
+          <a:ln>
+            <a:noFill/>
+          </a:ln>
+        </p:spPr>
+        <p:style>
+          <a:lnRef idx="2">
+            <a:schemeClr val="accent1">
+              <a:shade val="50000"/>
+            </a:schemeClr>
+          </a:lnRef>
+          <a:fillRef idx="1">
+            <a:schemeClr val="accent1"/>
+          </a:fillRef>
+          <a:effectRef idx="0">
+            <a:schemeClr val="accent1"/>
+          </a:effectRef>
+          <a:fontRef idx="minor">
+            <a:schemeClr val="lt1"/>
+          </a:fontRef>
+        </p:style>
+      </p:sp>
+      <p:sp>
+        <p:nvSpPr>
+          <p:cNvPr id="2" name="Title 1"/>
+          <p:cNvSpPr>
+            <a:spLocks noGrp="1"/>
+          </p:cNvSpPr>
+          <p:nvPr>
+            <p:ph type="title"/>
+          </p:nvPr>
+        </p:nvSpPr>
+        <p:spPr>
+          <a:xfrm>
+            <a:off x="457200" y="594359"/>
+            <a:ext cx="3200400" cy="2286000"/>
           </a:xfrm>
         </p:spPr>
         <p:txBody>
@@ -2032,9 +2473,6 @@
           </a:bodyPr>
           <a:lstStyle>
             <a:lvl1pPr>
-              <a:lnSpc>
-                <a:spcPct val="90000"/>
-              </a:lnSpc>
               <a:defRPr sz="3600" b="0">
                 <a:solidFill>
                   <a:srgbClr val="FFFFFF"/>
@@ -2063,8 +2501,8 @@
         </p:nvSpPr>
         <p:spPr>
           <a:xfrm>
-            <a:off x="5458984" y="812799"/>
-            <a:ext cx="5928344" cy="5294757"/>
+            <a:off x="4800600" y="731520"/>
+            <a:ext cx="6492240" cy="5257800"/>
           </a:xfrm>
         </p:spPr>
         <p:txBody>
@@ -2120,8 +2558,8 @@
         </p:nvSpPr>
         <p:spPr>
           <a:xfrm>
-            <a:off x="643465" y="3043050"/>
-            <a:ext cx="3517567" cy="3064505"/>
+            <a:off x="457200" y="2926080"/>
+            <a:ext cx="3200400" cy="3379124"/>
           </a:xfrm>
         </p:spPr>
         <p:txBody>
@@ -2131,7 +2569,7 @@
           <a:lstStyle>
             <a:lvl1pPr marL="0" indent="0">
               <a:buNone/>
-              <a:defRPr sz="1800">
+              <a:defRPr sz="1500">
                 <a:solidFill>
                   <a:srgbClr val="FFFFFF"/>
                 </a:solidFill>
@@ -2191,8 +2629,8 @@
         </p:nvSpPr>
         <p:spPr>
           <a:xfrm>
-            <a:off x="643464" y="6446520"/>
-            <a:ext cx="3517568" cy="365125"/>
+            <a:off x="465512" y="6459785"/>
+            <a:ext cx="2618510" cy="365125"/>
           </a:xfrm>
         </p:spPr>
         <p:txBody>
@@ -2205,7 +2643,7 @@
           <a:p>
             <a:fld id="{92BEA474-078D-4E9B-9B14-09A87B19DC46}" type="datetime1">
               <a:rPr lang="en-US" smtClean="0"/>
-              <a:t>1/31/2026</a:t>
+              <a:t>2/3/2026</a:t>
             </a:fld>
             <a:endParaRPr lang="en-US" dirty="0"/>
           </a:p>
@@ -2223,8 +2661,8 @@
         </p:nvSpPr>
         <p:spPr>
           <a:xfrm>
-            <a:off x="5458983" y="6446520"/>
-            <a:ext cx="5334019" cy="365125"/>
+            <a:off x="4800600" y="6459785"/>
+            <a:ext cx="4648200" cy="365125"/>
           </a:xfrm>
         </p:spPr>
         <p:txBody>
@@ -2278,7 +2716,7 @@
     </p:spTree>
     <p:extLst>
       <p:ext uri="{BB962C8B-B14F-4D97-AF65-F5344CB8AC3E}">
-        <p14:creationId xmlns:p14="http://schemas.microsoft.com/office/powerpoint/2010/main" val="3771184421"/>
+        <p14:creationId xmlns:p14="http://schemas.microsoft.com/office/powerpoint/2010/main" val="3302685681"/>
       </p:ext>
     </p:extLst>
   </p:cSld>
@@ -2307,26 +2745,20 @@
       </p:grpSpPr>
       <p:sp>
         <p:nvSpPr>
-          <p:cNvPr id="8" name="Rectangle 7">
-            <a:extLst>
-              <a:ext uri="{FF2B5EF4-FFF2-40B4-BE49-F238E27FC236}">
-                <a16:creationId xmlns:a16="http://schemas.microsoft.com/office/drawing/2014/main" id="{DA134939-39C0-4522-A125-A13DFDA66490}"/>
-              </a:ext>
-            </a:extLst>
-          </p:cNvPr>
+          <p:cNvPr id="8" name="Rectangle 7"/>
           <p:cNvSpPr/>
           <p:nvPr/>
         </p:nvSpPr>
         <p:spPr>
           <a:xfrm>
-            <a:off x="0" y="4578350"/>
-            <a:ext cx="12188825" cy="2279650"/>
+            <a:off x="0" y="4953000"/>
+            <a:ext cx="12188825" cy="1905000"/>
           </a:xfrm>
           <a:prstGeom prst="rect">
             <a:avLst/>
           </a:prstGeom>
           <a:solidFill>
-            <a:srgbClr val="262626"/>
+            <a:schemeClr val="accent2"/>
           </a:solidFill>
           <a:ln>
             <a:noFill/>
@@ -2351,73 +2783,41 @@
       </p:sp>
       <p:sp>
         <p:nvSpPr>
-          <p:cNvPr id="3" name="Picture Placeholder 2"/>
-          <p:cNvSpPr>
-            <a:spLocks noGrp="1" noChangeAspect="1"/>
-          </p:cNvSpPr>
-          <p:nvPr>
-            <p:ph type="pic" idx="1"/>
-          </p:nvPr>
+          <p:cNvPr id="9" name="Rectangle 8"/>
+          <p:cNvSpPr/>
+          <p:nvPr/>
         </p:nvSpPr>
         <p:spPr>
           <a:xfrm>
-            <a:off x="15" y="0"/>
-            <a:ext cx="12191985" cy="4578350"/>
+            <a:off x="15" y="4915076"/>
+            <a:ext cx="12188825" cy="64008"/>
           </a:xfrm>
+          <a:prstGeom prst="rect">
+            <a:avLst/>
+          </a:prstGeom>
           <a:solidFill>
-            <a:schemeClr val="bg1">
-              <a:lumMod val="85000"/>
+            <a:schemeClr val="accent1"/>
+          </a:solidFill>
+          <a:ln>
+            <a:noFill/>
+          </a:ln>
+        </p:spPr>
+        <p:style>
+          <a:lnRef idx="2">
+            <a:schemeClr val="accent1">
+              <a:shade val="50000"/>
             </a:schemeClr>
-          </a:solidFill>
-        </p:spPr>
-        <p:txBody>
-          <a:bodyPr lIns="457200" tIns="457200" anchor="t"/>
-          <a:lstStyle>
-            <a:lvl1pPr marL="0" indent="0">
-              <a:buNone/>
-              <a:defRPr sz="3200"/>
-            </a:lvl1pPr>
-            <a:lvl2pPr marL="457200" indent="0">
-              <a:buNone/>
-              <a:defRPr sz="2800"/>
-            </a:lvl2pPr>
-            <a:lvl3pPr marL="914400" indent="0">
-              <a:buNone/>
-              <a:defRPr sz="2400"/>
-            </a:lvl3pPr>
-            <a:lvl4pPr marL="1371600" indent="0">
-              <a:buNone/>
-              <a:defRPr sz="2000"/>
-            </a:lvl4pPr>
-            <a:lvl5pPr marL="1828800" indent="0">
-              <a:buNone/>
-              <a:defRPr sz="2000"/>
-            </a:lvl5pPr>
-            <a:lvl6pPr marL="2286000" indent="0">
-              <a:buNone/>
-              <a:defRPr sz="2000"/>
-            </a:lvl6pPr>
-            <a:lvl7pPr marL="2743200" indent="0">
-              <a:buNone/>
-              <a:defRPr sz="2000"/>
-            </a:lvl7pPr>
-            <a:lvl8pPr marL="3200400" indent="0">
-              <a:buNone/>
-              <a:defRPr sz="2000"/>
-            </a:lvl8pPr>
-            <a:lvl9pPr marL="3657600" indent="0">
-              <a:buNone/>
-              <a:defRPr sz="2000"/>
-            </a:lvl9pPr>
-          </a:lstStyle>
-          <a:p>
-            <a:r>
-              <a:rPr lang="en-US"/>
-              <a:t>Click icon to add picture</a:t>
-            </a:r>
-            <a:endParaRPr lang="en-US" dirty="0"/>
-          </a:p>
-        </p:txBody>
+          </a:lnRef>
+          <a:fillRef idx="1">
+            <a:schemeClr val="accent1"/>
+          </a:fillRef>
+          <a:effectRef idx="0">
+            <a:schemeClr val="accent1"/>
+          </a:effectRef>
+          <a:fontRef idx="minor">
+            <a:schemeClr val="lt1"/>
+          </a:fontRef>
+        </p:style>
       </p:sp>
       <p:sp>
         <p:nvSpPr>
@@ -2431,12 +2831,12 @@
         </p:nvSpPr>
         <p:spPr>
           <a:xfrm>
-            <a:off x="1097279" y="4799362"/>
-            <a:ext cx="10113645" cy="743682"/>
+            <a:off x="1097280" y="5074920"/>
+            <a:ext cx="10113264" cy="822960"/>
           </a:xfrm>
         </p:spPr>
         <p:txBody>
-          <a:bodyPr tIns="0" bIns="0" anchor="b">
+          <a:bodyPr lIns="91440" tIns="0" rIns="91440" bIns="0" anchor="b">
             <a:noAutofit/>
           </a:bodyPr>
           <a:lstStyle>
@@ -2459,18 +2859,93 @@
       </p:sp>
       <p:sp>
         <p:nvSpPr>
-          <p:cNvPr id="4" name="Text Placeholder 3"/>
-          <p:cNvSpPr>
-            <a:spLocks noGrp="1"/>
-          </p:cNvSpPr>
-          <p:nvPr>
-            <p:ph type="body" sz="half" idx="2"/>
+          <p:cNvPr id="3" name="Picture Placeholder 2"/>
+          <p:cNvSpPr>
+            <a:spLocks noGrp="1" noChangeAspect="1"/>
+          </p:cNvSpPr>
+          <p:nvPr>
+            <p:ph type="pic" idx="1"/>
           </p:nvPr>
         </p:nvSpPr>
         <p:spPr>
           <a:xfrm>
-            <a:off x="1097279" y="5715000"/>
-            <a:ext cx="10113264" cy="609600"/>
+            <a:off x="15" y="0"/>
+            <a:ext cx="12191985" cy="4915076"/>
+          </a:xfrm>
+          <a:blipFill>
+            <a:blip r:embed="rId2"/>
+            <a:stretch>
+              <a:fillRect/>
+            </a:stretch>
+          </a:blipFill>
+        </p:spPr>
+        <p:txBody>
+          <a:bodyPr lIns="457200" tIns="457200" anchor="t"/>
+          <a:lstStyle>
+            <a:lvl1pPr marL="0" indent="0">
+              <a:buNone/>
+              <a:defRPr sz="3200">
+                <a:solidFill>
+                  <a:schemeClr val="bg1"/>
+                </a:solidFill>
+              </a:defRPr>
+            </a:lvl1pPr>
+            <a:lvl2pPr marL="457200" indent="0">
+              <a:buNone/>
+              <a:defRPr sz="2800"/>
+            </a:lvl2pPr>
+            <a:lvl3pPr marL="914400" indent="0">
+              <a:buNone/>
+              <a:defRPr sz="2400"/>
+            </a:lvl3pPr>
+            <a:lvl4pPr marL="1371600" indent="0">
+              <a:buNone/>
+              <a:defRPr sz="2000"/>
+            </a:lvl4pPr>
+            <a:lvl5pPr marL="1828800" indent="0">
+              <a:buNone/>
+              <a:defRPr sz="2000"/>
+            </a:lvl5pPr>
+            <a:lvl6pPr marL="2286000" indent="0">
+              <a:buNone/>
+              <a:defRPr sz="2000"/>
+            </a:lvl6pPr>
+            <a:lvl7pPr marL="2743200" indent="0">
+              <a:buNone/>
+              <a:defRPr sz="2000"/>
+            </a:lvl7pPr>
+            <a:lvl8pPr marL="3200400" indent="0">
+              <a:buNone/>
+              <a:defRPr sz="2000"/>
+            </a:lvl8pPr>
+            <a:lvl9pPr marL="3657600" indent="0">
+              <a:buNone/>
+              <a:defRPr sz="2000"/>
+            </a:lvl9pPr>
+          </a:lstStyle>
+          <a:p>
+            <a:r>
+              <a:rPr lang="en-US"/>
+              <a:t>Click icon to add picture</a:t>
+            </a:r>
+            <a:endParaRPr lang="en-US" dirty="0"/>
+          </a:p>
+        </p:txBody>
+      </p:sp>
+      <p:sp>
+        <p:nvSpPr>
+          <p:cNvPr id="4" name="Text Placeholder 3"/>
+          <p:cNvSpPr>
+            <a:spLocks noGrp="1"/>
+          </p:cNvSpPr>
+          <p:nvPr>
+            <p:ph type="body" sz="half" idx="2"/>
+          </p:nvPr>
+        </p:nvSpPr>
+        <p:spPr>
+          <a:xfrm>
+            <a:off x="1097280" y="5907023"/>
+            <a:ext cx="10113264" cy="594360"/>
           </a:xfrm>
         </p:spPr>
         <p:txBody>
@@ -2486,7 +2961,7 @@
                 <a:spcPts val="600"/>
               </a:spcAft>
               <a:buNone/>
-              <a:defRPr sz="1800">
+              <a:defRPr sz="1500">
                 <a:solidFill>
                   <a:srgbClr val="FFFFFF"/>
                 </a:solidFill>
@@ -2547,15 +3022,11 @@
         <p:spPr/>
         <p:txBody>
           <a:bodyPr/>
-          <a:lstStyle>
-            <a:lvl1pPr>
-              <a:defRPr/>
-            </a:lvl1pPr>
-          </a:lstStyle>
+          <a:lstStyle/>
           <a:p>
             <a:fld id="{4907D986-8816-4272-A432-0437A28A9828}" type="datetime1">
               <a:rPr lang="en-US" smtClean="0"/>
-              <a:t>1/31/2026</a:t>
+              <a:t>2/3/2026</a:t>
             </a:fld>
             <a:endParaRPr lang="en-US" dirty="0"/>
           </a:p>
@@ -2571,17 +3042,11 @@
             <p:ph type="ftr" sz="quarter" idx="11"/>
           </p:nvPr>
         </p:nvSpPr>
-        <p:spPr>
-          <a:xfrm>
-            <a:off x="1097279" y="6446838"/>
-            <a:ext cx="6818262" cy="365125"/>
-          </a:xfrm>
-        </p:spPr>
+        <p:spPr/>
         <p:txBody>
           <a:bodyPr/>
           <a:lstStyle/>
           <a:p>
-            <a:pPr algn="l"/>
             <a:endParaRPr lang="en-US" dirty="0"/>
           </a:p>
         </p:txBody>
@@ -2612,7 +3077,7 @@
     </p:spTree>
     <p:extLst>
       <p:ext uri="{BB962C8B-B14F-4D97-AF65-F5344CB8AC3E}">
-        <p14:creationId xmlns:p14="http://schemas.microsoft.com/office/powerpoint/2010/main" val="1201613766"/>
+        <p14:creationId xmlns:p14="http://schemas.microsoft.com/office/powerpoint/2010/main" val="4027386789"/>
       </p:ext>
     </p:extLst>
   </p:cSld>
@@ -2646,26 +3111,20 @@
       </p:grpSpPr>
       <p:sp>
         <p:nvSpPr>
-          <p:cNvPr id="7" name="Rectangle 6">
-            <a:extLst>
-              <a:ext uri="{FF2B5EF4-FFF2-40B4-BE49-F238E27FC236}">
-                <a16:creationId xmlns:a16="http://schemas.microsoft.com/office/drawing/2014/main" id="{416A0E3C-60E6-4F39-BC55-5F7C224E1F7C}"/>
-              </a:ext>
-            </a:extLst>
-          </p:cNvPr>
+          <p:cNvPr id="7" name="Rectangle 6"/>
           <p:cNvSpPr/>
           <p:nvPr/>
         </p:nvSpPr>
         <p:spPr>
           <a:xfrm>
-            <a:off x="3175" y="6400800"/>
-            <a:ext cx="12188825" cy="457200"/>
+            <a:off x="1" y="6400800"/>
+            <a:ext cx="12192000" cy="457200"/>
           </a:xfrm>
           <a:prstGeom prst="rect">
             <a:avLst/>
           </a:prstGeom>
           <a:solidFill>
-            <a:srgbClr val="262626"/>
+            <a:schemeClr val="accent2"/>
           </a:solidFill>
           <a:ln>
             <a:noFill/>
@@ -2697,6 +3156,51 @@
       </p:sp>
       <p:sp>
         <p:nvSpPr>
+          <p:cNvPr id="9" name="Rectangle 8"/>
+          <p:cNvSpPr/>
+          <p:nvPr/>
+        </p:nvSpPr>
+        <p:spPr>
+          <a:xfrm>
+            <a:off x="0" y="6334316"/>
+            <a:ext cx="12192001" cy="65998"/>
+          </a:xfrm>
+          <a:prstGeom prst="rect">
+            <a:avLst/>
+          </a:prstGeom>
+          <a:solidFill>
+            <a:schemeClr val="accent1"/>
+          </a:solidFill>
+          <a:ln>
+            <a:noFill/>
+          </a:ln>
+        </p:spPr>
+        <p:style>
+          <a:lnRef idx="2">
+            <a:schemeClr val="accent1">
+              <a:shade val="50000"/>
+            </a:schemeClr>
+          </a:lnRef>
+          <a:fillRef idx="1">
+            <a:schemeClr val="accent1"/>
+          </a:fillRef>
+          <a:effectRef idx="0">
+            <a:schemeClr val="accent1"/>
+          </a:effectRef>
+          <a:fontRef idx="minor">
+            <a:schemeClr val="lt1"/>
+          </a:fontRef>
+        </p:style>
+        <p:txBody>
+          <a:bodyPr/>
+          <a:lstStyle/>
+          <a:p>
+            <a:endParaRPr lang="en-AU"/>
+          </a:p>
+        </p:txBody>
+      </p:sp>
+      <p:sp>
+        <p:nvSpPr>
           <p:cNvPr id="2" name="Title Placeholder 1"/>
           <p:cNvSpPr>
             <a:spLocks noGrp="1"/>
@@ -2740,8 +3244,8 @@
         </p:nvSpPr>
         <p:spPr>
           <a:xfrm>
-            <a:off x="1097280" y="2108201"/>
-            <a:ext cx="10058400" cy="3760891"/>
+            <a:off x="1097280" y="1845734"/>
+            <a:ext cx="10058400" cy="4023360"/>
           </a:xfrm>
           <a:prstGeom prst="rect">
             <a:avLst/>
@@ -2802,8 +3306,8 @@
         </p:nvSpPr>
         <p:spPr>
           <a:xfrm>
-            <a:off x="8218426" y="6446838"/>
-            <a:ext cx="2584850" cy="365125"/>
+            <a:off x="1097280" y="6459785"/>
+            <a:ext cx="2472271" cy="365125"/>
           </a:xfrm>
           <a:prstGeom prst="rect">
             <a:avLst/>
@@ -2812,8 +3316,8 @@
         <p:txBody>
           <a:bodyPr vert="horz" lIns="91440" tIns="45720" rIns="91440" bIns="45720" rtlCol="0" anchor="ctr"/>
           <a:lstStyle>
-            <a:lvl1pPr algn="r">
-              <a:defRPr sz="800">
+            <a:lvl1pPr algn="l">
+              <a:defRPr sz="900">
                 <a:solidFill>
                   <a:srgbClr val="FFFFFF"/>
                 </a:solidFill>
@@ -2823,7 +3327,7 @@
           <a:p>
             <a:fld id="{62D6E202-B606-4609-B914-27C9371A1F6D}" type="datetime1">
               <a:rPr lang="en-US" smtClean="0"/>
-              <a:t>1/31/2026</a:t>
+              <a:t>2/3/2026</a:t>
             </a:fld>
             <a:endParaRPr lang="en-US" dirty="0"/>
           </a:p>
@@ -2841,8 +3345,8 @@
         </p:nvSpPr>
         <p:spPr>
           <a:xfrm>
-            <a:off x="1097279" y="6446838"/>
-            <a:ext cx="6818262" cy="365125"/>
+            <a:off x="3686185" y="6459785"/>
+            <a:ext cx="4822804" cy="365125"/>
           </a:xfrm>
           <a:prstGeom prst="rect">
             <a:avLst/>
@@ -2851,8 +3355,8 @@
         <p:txBody>
           <a:bodyPr vert="horz" lIns="91440" tIns="45720" rIns="91440" bIns="45720" rtlCol="0" anchor="ctr"/>
           <a:lstStyle>
-            <a:lvl1pPr algn="l">
-              <a:defRPr sz="800" cap="all" baseline="0">
+            <a:lvl1pPr algn="ctr">
+              <a:defRPr sz="900" cap="all" baseline="0">
                 <a:solidFill>
                   <a:srgbClr val="FFFFFF"/>
                 </a:solidFill>
@@ -2876,8 +3380,8 @@
         </p:nvSpPr>
         <p:spPr>
           <a:xfrm>
-            <a:off x="10993582" y="6446838"/>
-            <a:ext cx="780010" cy="365125"/>
+            <a:off x="9900458" y="6459785"/>
+            <a:ext cx="1312025" cy="365125"/>
           </a:xfrm>
           <a:prstGeom prst="rect">
             <a:avLst/>
@@ -2886,8 +3390,8 @@
         <p:txBody>
           <a:bodyPr vert="horz" lIns="91440" tIns="45720" rIns="91440" bIns="45720" rtlCol="0" anchor="ctr"/>
           <a:lstStyle>
-            <a:lvl1pPr algn="l">
-              <a:defRPr sz="800">
+            <a:lvl1pPr algn="r">
+              <a:defRPr sz="1050">
                 <a:solidFill>
                   <a:srgbClr val="FFFFFF"/>
                 </a:solidFill>
@@ -2905,29 +3409,23 @@
       </p:sp>
       <p:cxnSp>
         <p:nvCxnSpPr>
-          <p:cNvPr id="10" name="Straight Connector 9">
-            <a:extLst>
-              <a:ext uri="{FF2B5EF4-FFF2-40B4-BE49-F238E27FC236}">
-                <a16:creationId xmlns:a16="http://schemas.microsoft.com/office/drawing/2014/main" id="{C5025DAC-8B93-4160-B017-3A274A5828C0}"/>
-              </a:ext>
-            </a:extLst>
-          </p:cNvPr>
+          <p:cNvPr id="10" name="Straight Connector 9"/>
           <p:cNvCxnSpPr/>
           <p:nvPr/>
         </p:nvCxnSpPr>
         <p:spPr>
           <a:xfrm>
-            <a:off x="1193532" y="1897380"/>
+            <a:off x="1193532" y="1737845"/>
             <a:ext cx="9966960" cy="0"/>
           </a:xfrm>
           <a:prstGeom prst="line">
             <a:avLst/>
           </a:prstGeom>
-          <a:ln w="12700">
+          <a:ln w="6350">
             <a:solidFill>
               <a:schemeClr val="tx1">
-                <a:lumMod val="75000"/>
-                <a:lumOff val="25000"/>
+                <a:lumMod val="50000"/>
+                <a:lumOff val="50000"/>
               </a:schemeClr>
             </a:solidFill>
           </a:ln>
@@ -2950,34 +3448,36 @@
     </p:spTree>
     <p:extLst>
       <p:ext uri="{BB962C8B-B14F-4D97-AF65-F5344CB8AC3E}">
-        <p14:creationId xmlns:p14="http://schemas.microsoft.com/office/powerpoint/2010/main" val="354603096"/>
+        <p14:creationId xmlns:p14="http://schemas.microsoft.com/office/powerpoint/2010/main" val="224017293"/>
       </p:ext>
     </p:extLst>
   </p:cSld>
   <p:clrMap bg1="lt1" tx1="dk1" bg2="lt2" tx2="dk2" accent1="accent1" accent2="accent2" accent3="accent3" accent4="accent4" accent5="accent5" accent6="accent6" hlink="hlink" folHlink="folHlink"/>
   <p:sldLayoutIdLst>
-    <p:sldLayoutId id="2147483661" r:id="rId1"/>
-    <p:sldLayoutId id="2147483662" r:id="rId2"/>
-    <p:sldLayoutId id="2147483663" r:id="rId3"/>
-    <p:sldLayoutId id="2147483664" r:id="rId4"/>
-    <p:sldLayoutId id="2147483665" r:id="rId5"/>
-    <p:sldLayoutId id="2147483666" r:id="rId6"/>
-    <p:sldLayoutId id="2147483667" r:id="rId7"/>
-    <p:sldLayoutId id="2147483668" r:id="rId8"/>
-    <p:sldLayoutId id="2147483669" r:id="rId9"/>
+    <p:sldLayoutId id="2147483856" r:id="rId1"/>
+    <p:sldLayoutId id="2147483857" r:id="rId2"/>
+    <p:sldLayoutId id="2147483858" r:id="rId3"/>
+    <p:sldLayoutId id="2147483859" r:id="rId4"/>
+    <p:sldLayoutId id="2147483860" r:id="rId5"/>
+    <p:sldLayoutId id="2147483861" r:id="rId6"/>
+    <p:sldLayoutId id="2147483862" r:id="rId7"/>
+    <p:sldLayoutId id="2147483863" r:id="rId8"/>
+    <p:sldLayoutId id="2147483864" r:id="rId9"/>
+    <p:sldLayoutId id="2147483865" r:id="rId10"/>
+    <p:sldLayoutId id="2147483866" r:id="rId11"/>
   </p:sldLayoutIdLst>
   <p:hf sldNum="0" hdr="0" ftr="0" dt="0"/>
   <p:txStyles>
     <p:titleStyle>
       <a:lvl1pPr algn="l" defTabSz="914400" rtl="0" eaLnBrk="1" latinLnBrk="0" hangingPunct="1">
         <a:lnSpc>
-          <a:spcPct val="90000"/>
+          <a:spcPct val="85000"/>
         </a:lnSpc>
         <a:spcBef>
           <a:spcPct val="0"/>
         </a:spcBef>
         <a:buNone/>
-        <a:defRPr sz="4700" i="0" kern="1200" spc="-50" baseline="0">
+        <a:defRPr sz="4800" kern="1200" spc="-50" baseline="0">
           <a:solidFill>
             <a:schemeClr val="tx1">
               <a:lumMod val="75000"/>
@@ -2993,7 +3493,7 @@
     <p:bodyStyle>
       <a:lvl1pPr marL="91440" indent="-91440" algn="l" defTabSz="914400" rtl="0" eaLnBrk="1" latinLnBrk="0" hangingPunct="1">
         <a:lnSpc>
-          <a:spcPct val="110000"/>
+          <a:spcPct val="90000"/>
         </a:lnSpc>
         <a:spcBef>
           <a:spcPts val="1200"/>
@@ -3007,7 +3507,7 @@
         <a:buSzPct val="100000"/>
         <a:buFont typeface="Calibri" panose="020F0502020204030204" pitchFamily="34" charset="0"/>
         <a:buChar char=" "/>
-        <a:defRPr sz="1900" kern="1200">
+        <a:defRPr sz="2000" kern="1200">
           <a:solidFill>
             <a:schemeClr val="tx1">
               <a:lumMod val="75000"/>
@@ -3021,7 +3521,7 @@
       </a:lvl1pPr>
       <a:lvl2pPr marL="384048" indent="-182880" algn="l" defTabSz="914400" rtl="0" eaLnBrk="1" latinLnBrk="0" hangingPunct="1">
         <a:lnSpc>
-          <a:spcPct val="100000"/>
+          <a:spcPct val="90000"/>
         </a:lnSpc>
         <a:spcBef>
           <a:spcPts val="200"/>
@@ -3029,10 +3529,12 @@
         <a:spcAft>
           <a:spcPts val="400"/>
         </a:spcAft>
-        <a:buClrTx/>
+        <a:buClr>
+          <a:schemeClr val="accent1"/>
+        </a:buClr>
         <a:buFont typeface="Calibri" pitchFamily="34" charset="0"/>
         <a:buChar char="◦"/>
-        <a:defRPr sz="1700" kern="1200">
+        <a:defRPr sz="1800" kern="1200">
           <a:solidFill>
             <a:schemeClr val="tx1">
               <a:lumMod val="75000"/>
@@ -3046,7 +3548,7 @@
       </a:lvl2pPr>
       <a:lvl3pPr marL="566928" indent="-182880" algn="l" defTabSz="914400" rtl="0" eaLnBrk="1" latinLnBrk="0" hangingPunct="1">
         <a:lnSpc>
-          <a:spcPct val="100000"/>
+          <a:spcPct val="90000"/>
         </a:lnSpc>
         <a:spcBef>
           <a:spcPts val="200"/>
@@ -3054,10 +3556,12 @@
         <a:spcAft>
           <a:spcPts val="400"/>
         </a:spcAft>
-        <a:buClrTx/>
+        <a:buClr>
+          <a:schemeClr val="accent1"/>
+        </a:buClr>
         <a:buFont typeface="Calibri" pitchFamily="34" charset="0"/>
         <a:buChar char="◦"/>
-        <a:defRPr sz="1300" kern="1200">
+        <a:defRPr sz="1400" kern="1200">
           <a:solidFill>
             <a:schemeClr val="tx1">
               <a:lumMod val="75000"/>
@@ -3071,7 +3575,7 @@
       </a:lvl3pPr>
       <a:lvl4pPr marL="749808" indent="-182880" algn="l" defTabSz="914400" rtl="0" eaLnBrk="1" latinLnBrk="0" hangingPunct="1">
         <a:lnSpc>
-          <a:spcPct val="100000"/>
+          <a:spcPct val="90000"/>
         </a:lnSpc>
         <a:spcBef>
           <a:spcPts val="200"/>
@@ -3079,10 +3583,12 @@
         <a:spcAft>
           <a:spcPts val="400"/>
         </a:spcAft>
-        <a:buClrTx/>
+        <a:buClr>
+          <a:schemeClr val="accent1"/>
+        </a:buClr>
         <a:buFont typeface="Calibri" pitchFamily="34" charset="0"/>
         <a:buChar char="◦"/>
-        <a:defRPr sz="1300" kern="1200">
+        <a:defRPr sz="1400" kern="1200">
           <a:solidFill>
             <a:schemeClr val="tx1">
               <a:lumMod val="75000"/>
@@ -3096,7 +3602,7 @@
       </a:lvl4pPr>
       <a:lvl5pPr marL="932688" indent="-182880" algn="l" defTabSz="914400" rtl="0" eaLnBrk="1" latinLnBrk="0" hangingPunct="1">
         <a:lnSpc>
-          <a:spcPct val="100000"/>
+          <a:spcPct val="90000"/>
         </a:lnSpc>
         <a:spcBef>
           <a:spcPts val="200"/>
@@ -3104,10 +3610,12 @@
         <a:spcAft>
           <a:spcPts val="400"/>
         </a:spcAft>
-        <a:buClrTx/>
+        <a:buClr>
+          <a:schemeClr val="accent1"/>
+        </a:buClr>
         <a:buFont typeface="Calibri" pitchFamily="34" charset="0"/>
         <a:buChar char="◦"/>
-        <a:defRPr sz="1300" kern="1200">
+        <a:defRPr sz="1400" kern="1200">
           <a:solidFill>
             <a:schemeClr val="tx1">
               <a:lumMod val="75000"/>
@@ -3352,12 +3860,12 @@
           <a:chExt cx="0" cy="0"/>
         </a:xfrm>
       </p:grpSpPr>
-      <p:sp>
-        <p:nvSpPr>
-          <p:cNvPr id="33" name="Rectangle 32">
+      <p:sp useBgFill="1">
+        <p:nvSpPr>
+          <p:cNvPr id="1031" name="Rectangle 1030">
             <a:extLst>
               <a:ext uri="{FF2B5EF4-FFF2-40B4-BE49-F238E27FC236}">
-                <a16:creationId xmlns:a16="http://schemas.microsoft.com/office/drawing/2014/main" id="{2FDF0794-1B86-42B2-B8C7-F60123E638ED}"/>
+                <a16:creationId xmlns:a16="http://schemas.microsoft.com/office/drawing/2014/main" id="{EB1836F0-F9E0-4D93-9BDD-7EEC6EA05F7B}"/>
               </a:ext>
               <a:ext uri="{C183D7F6-B498-43B3-948B-1728B52AA6E4}">
                 <adec:decorative xmlns:adec="http://schemas.microsoft.com/office/drawing/2017/decorative" val="1"/>
@@ -3377,14 +3885,251 @@
         </p:nvSpPr>
         <p:spPr>
           <a:xfrm>
-            <a:off x="1" y="0"/>
-            <a:ext cx="12188726" cy="6858975"/>
+            <a:off x="0" y="0"/>
+            <a:ext cx="12192001" cy="6334316"/>
+          </a:xfrm>
+          <a:prstGeom prst="rect">
+            <a:avLst/>
+          </a:prstGeom>
+          <a:ln>
+            <a:noFill/>
+          </a:ln>
+        </p:spPr>
+        <p:style>
+          <a:lnRef idx="2">
+            <a:schemeClr val="accent1">
+              <a:shade val="50000"/>
+            </a:schemeClr>
+          </a:lnRef>
+          <a:fillRef idx="1">
+            <a:schemeClr val="accent1"/>
+          </a:fillRef>
+          <a:effectRef idx="0">
+            <a:schemeClr val="accent1"/>
+          </a:effectRef>
+          <a:fontRef idx="minor">
+            <a:schemeClr val="lt1"/>
+          </a:fontRef>
+        </p:style>
+        <p:txBody>
+          <a:bodyPr rtlCol="0" anchor="ctr"/>
+          <a:lstStyle/>
+          <a:p>
+            <a:pPr algn="ctr"/>
+            <a:endParaRPr lang="en-US"/>
+          </a:p>
+        </p:txBody>
+      </p:sp>
+      <p:sp>
+        <p:nvSpPr>
+          <p:cNvPr id="2" name="Title 1">
+            <a:extLst>
+              <a:ext uri="{FF2B5EF4-FFF2-40B4-BE49-F238E27FC236}">
+                <a16:creationId xmlns:a16="http://schemas.microsoft.com/office/drawing/2014/main" id="{632BBC36-B378-A763-1417-06D1BE06FA98}"/>
+              </a:ext>
+            </a:extLst>
+          </p:cNvPr>
+          <p:cNvSpPr>
+            <a:spLocks noGrp="1"/>
+          </p:cNvSpPr>
+          <p:nvPr>
+            <p:ph type="ctrTitle"/>
+          </p:nvPr>
+        </p:nvSpPr>
+        <p:spPr>
+          <a:xfrm>
+            <a:off x="5289754" y="639097"/>
+            <a:ext cx="6253317" cy="3686015"/>
+          </a:xfrm>
+        </p:spPr>
+        <p:txBody>
+          <a:bodyPr>
+            <a:normAutofit/>
+          </a:bodyPr>
+          <a:lstStyle/>
+          <a:p>
+            <a:r>
+              <a:rPr lang="en-AU" dirty="0"/>
+              <a:t>Reservoir Health Analysis</a:t>
+            </a:r>
+          </a:p>
+        </p:txBody>
+      </p:sp>
+      <p:sp>
+        <p:nvSpPr>
+          <p:cNvPr id="3" name="Subtitle 2">
+            <a:extLst>
+              <a:ext uri="{FF2B5EF4-FFF2-40B4-BE49-F238E27FC236}">
+                <a16:creationId xmlns:a16="http://schemas.microsoft.com/office/drawing/2014/main" id="{9ECB2F6B-C4BB-DF76-8A72-ABBCCC49004A}"/>
+              </a:ext>
+            </a:extLst>
+          </p:cNvPr>
+          <p:cNvSpPr>
+            <a:spLocks noGrp="1"/>
+          </p:cNvSpPr>
+          <p:nvPr>
+            <p:ph type="subTitle" idx="1"/>
+          </p:nvPr>
+        </p:nvSpPr>
+        <p:spPr>
+          <a:xfrm>
+            <a:off x="5289753" y="4455621"/>
+            <a:ext cx="6269347" cy="1238616"/>
+          </a:xfrm>
+        </p:spPr>
+        <p:txBody>
+          <a:bodyPr>
+            <a:normAutofit/>
+          </a:bodyPr>
+          <a:lstStyle/>
+          <a:p>
+            <a:r>
+              <a:rPr lang="en-AU">
+                <a:solidFill>
+                  <a:schemeClr val="tx1">
+                    <a:lumMod val="85000"/>
+                    <a:lumOff val="15000"/>
+                  </a:schemeClr>
+                </a:solidFill>
+              </a:rPr>
+              <a:t>Paul Yacobellis, Data Scientist</a:t>
+            </a:r>
+          </a:p>
+        </p:txBody>
+      </p:sp>
+      <p:pic>
+        <p:nvPicPr>
+          <p:cNvPr id="1026" name="Picture 2" descr="NSW catchments - The Australian Museum">
+            <a:extLst>
+              <a:ext uri="{FF2B5EF4-FFF2-40B4-BE49-F238E27FC236}">
+                <a16:creationId xmlns:a16="http://schemas.microsoft.com/office/drawing/2014/main" id="{5B3246A8-0EE9-8ED4-F19F-7DE4EFDDC035}"/>
+              </a:ext>
+            </a:extLst>
+          </p:cNvPr>
+          <p:cNvPicPr>
+            <a:picLocks noChangeAspect="1" noChangeArrowheads="1"/>
+          </p:cNvPicPr>
+          <p:nvPr/>
+        </p:nvPicPr>
+        <p:blipFill>
+          <a:blip r:embed="rId2">
+            <a:extLst>
+              <a:ext uri="{28A0092B-C50C-407E-A947-70E740481C1C}">
+                <a14:useLocalDpi xmlns:a14="http://schemas.microsoft.com/office/drawing/2010/main" val="0"/>
+              </a:ext>
+            </a:extLst>
+          </a:blip>
+          <a:stretch>
+            <a:fillRect/>
+          </a:stretch>
+        </p:blipFill>
+        <p:spPr bwMode="auto">
+          <a:xfrm>
+            <a:off x="633999" y="1513644"/>
+            <a:ext cx="4001315" cy="3301084"/>
+          </a:xfrm>
+          <a:prstGeom prst="rect">
+            <a:avLst/>
+          </a:prstGeom>
+          <a:noFill/>
+          <a:extLst>
+            <a:ext uri="{909E8E84-426E-40DD-AFC4-6F175D3DCCD1}">
+              <a14:hiddenFill xmlns:a14="http://schemas.microsoft.com/office/drawing/2010/main">
+                <a:solidFill>
+                  <a:srgbClr val="FFFFFF"/>
+                </a:solidFill>
+              </a14:hiddenFill>
+            </a:ext>
+          </a:extLst>
+        </p:spPr>
+      </p:pic>
+      <p:cxnSp>
+        <p:nvCxnSpPr>
+          <p:cNvPr id="1033" name="Straight Connector 1032">
+            <a:extLst>
+              <a:ext uri="{FF2B5EF4-FFF2-40B4-BE49-F238E27FC236}">
+                <a16:creationId xmlns:a16="http://schemas.microsoft.com/office/drawing/2014/main" id="{7A49EFD3-A806-4D59-99F1-AA9AFAE4EF71}"/>
+              </a:ext>
+              <a:ext uri="{C183D7F6-B498-43B3-948B-1728B52AA6E4}">
+                <adec:decorative xmlns:adec="http://schemas.microsoft.com/office/drawing/2017/decorative" val="1"/>
+              </a:ext>
+            </a:extLst>
+          </p:cNvPr>
+          <p:cNvCxnSpPr>
+            <a:cxnSpLocks noGrp="1" noRot="1" noChangeAspect="1" noMove="1" noResize="1" noEditPoints="1" noAdjustHandles="1" noChangeArrowheads="1" noChangeShapeType="1"/>
+          </p:cNvCxnSpPr>
+          <p:nvPr>
+            <p:extLst>
+              <p:ext uri="{386F3935-93C4-4BCD-93E2-E3B085C9AB24}">
+                <p16:designElem xmlns:p16="http://schemas.microsoft.com/office/powerpoint/2015/main" val="1"/>
+              </p:ext>
+            </p:extLst>
+          </p:nvPr>
+        </p:nvCxnSpPr>
+        <p:spPr>
+          <a:xfrm>
+            <a:off x="5447071" y="4343400"/>
+            <a:ext cx="5636107" cy="0"/>
+          </a:xfrm>
+          <a:prstGeom prst="line">
+            <a:avLst/>
+          </a:prstGeom>
+          <a:ln w="6350">
+            <a:solidFill>
+              <a:schemeClr val="tx2">
+                <a:alpha val="90000"/>
+              </a:schemeClr>
+            </a:solidFill>
+          </a:ln>
+        </p:spPr>
+        <p:style>
+          <a:lnRef idx="1">
+            <a:schemeClr val="accent1"/>
+          </a:lnRef>
+          <a:fillRef idx="0">
+            <a:schemeClr val="accent1"/>
+          </a:fillRef>
+          <a:effectRef idx="0">
+            <a:schemeClr val="accent1"/>
+          </a:effectRef>
+          <a:fontRef idx="minor">
+            <a:schemeClr val="tx1"/>
+          </a:fontRef>
+        </p:style>
+      </p:cxnSp>
+      <p:sp>
+        <p:nvSpPr>
+          <p:cNvPr id="1035" name="Rectangle 1034">
+            <a:extLst>
+              <a:ext uri="{FF2B5EF4-FFF2-40B4-BE49-F238E27FC236}">
+                <a16:creationId xmlns:a16="http://schemas.microsoft.com/office/drawing/2014/main" id="{6D2F28D1-82F9-40FE-935C-85ECF7660D2D}"/>
+              </a:ext>
+              <a:ext uri="{C183D7F6-B498-43B3-948B-1728B52AA6E4}">
+                <adec:decorative xmlns:adec="http://schemas.microsoft.com/office/drawing/2017/decorative" val="1"/>
+              </a:ext>
+            </a:extLst>
+          </p:cNvPr>
+          <p:cNvSpPr>
+            <a:spLocks noGrp="1" noRot="1" noChangeAspect="1" noMove="1" noResize="1" noEditPoints="1" noAdjustHandles="1" noChangeArrowheads="1" noChangeShapeType="1" noTextEdit="1"/>
+          </p:cNvSpPr>
+          <p:nvPr>
+            <p:extLst>
+              <p:ext uri="{386F3935-93C4-4BCD-93E2-E3B085C9AB24}">
+                <p16:designElem xmlns:p16="http://schemas.microsoft.com/office/powerpoint/2015/main" val="1"/>
+              </p:ext>
+            </p:extLst>
+          </p:nvPr>
+        </p:nvSpPr>
+        <p:spPr>
+          <a:xfrm>
+            <a:off x="15" y="6334316"/>
+            <a:ext cx="12191985" cy="66484"/>
           </a:xfrm>
           <a:prstGeom prst="rect">
             <a:avLst/>
           </a:prstGeom>
           <a:solidFill>
-            <a:schemeClr val="bg1"/>
+            <a:schemeClr val="accent1"/>
           </a:solidFill>
           <a:ln>
             <a:noFill/>
@@ -3407,84 +4152,19 @@
           </a:fontRef>
         </p:style>
         <p:txBody>
-          <a:bodyPr rtlCol="0" anchor="ctr"/>
-          <a:lstStyle/>
-          <a:p>
-            <a:pPr marL="0" marR="0" lvl="0" indent="0" algn="ctr" defTabSz="914400" rtl="0" eaLnBrk="1" fontAlgn="auto" latinLnBrk="0" hangingPunct="1">
-              <a:lnSpc>
-                <a:spcPct val="100000"/>
-              </a:lnSpc>
-              <a:spcBef>
-                <a:spcPts val="0"/>
-              </a:spcBef>
-              <a:spcAft>
-                <a:spcPts val="0"/>
-              </a:spcAft>
-              <a:buClrTx/>
-              <a:buSzTx/>
-              <a:buFontTx/>
-              <a:buNone/>
-              <a:tabLst/>
-              <a:defRPr/>
-            </a:pPr>
-            <a:endParaRPr kumimoji="0" lang="en-US" sz="1800" b="0" i="0" u="none" strike="noStrike" kern="1200" cap="none" spc="0" normalizeH="0" baseline="0" noProof="0" dirty="0">
-              <a:ln>
-                <a:noFill/>
-              </a:ln>
-              <a:solidFill>
-                <a:srgbClr val="FFFFFF"/>
-              </a:solidFill>
-              <a:effectLst/>
-              <a:uLnTx/>
-              <a:uFillTx/>
-              <a:latin typeface="Franklin Gothic Book" panose="020F0502020204030204"/>
-              <a:ea typeface="+mn-ea"/>
-              <a:cs typeface="+mn-cs"/>
-            </a:endParaRPr>
-          </a:p>
-        </p:txBody>
-      </p:sp>
-      <p:pic>
-        <p:nvPicPr>
-          <p:cNvPr id="4" name="Picture 3" descr="A close up of a piece of paper with a pencil laying on top">
+          <a:bodyPr/>
+          <a:lstStyle/>
+          <a:p>
+            <a:endParaRPr lang="en-AU"/>
+          </a:p>
+        </p:txBody>
+      </p:sp>
+      <p:sp>
+        <p:nvSpPr>
+          <p:cNvPr id="1037" name="Rectangle 1036">
             <a:extLst>
               <a:ext uri="{FF2B5EF4-FFF2-40B4-BE49-F238E27FC236}">
-                <a16:creationId xmlns:a16="http://schemas.microsoft.com/office/drawing/2014/main" id="{65810330-F0B5-43C9-BC34-094FFB5C0529}"/>
-              </a:ext>
-            </a:extLst>
-          </p:cNvPr>
-          <p:cNvPicPr>
-            <a:picLocks noChangeAspect="1"/>
-          </p:cNvPicPr>
-          <p:nvPr/>
-        </p:nvPicPr>
-        <p:blipFill rotWithShape="1">
-          <a:blip r:embed="rId3">
-            <a:extLst>
-              <a:ext uri="{28A0092B-C50C-407E-A947-70E740481C1C}">
-                <a14:useLocalDpi xmlns:a14="http://schemas.microsoft.com/office/drawing/2010/main" val="0"/>
-              </a:ext>
-            </a:extLst>
-          </a:blip>
-          <a:srcRect/>
-          <a:stretch/>
-        </p:blipFill>
-        <p:spPr>
-          <a:xfrm>
-            <a:off x="20" y="975"/>
-            <a:ext cx="12191980" cy="6858000"/>
-          </a:xfrm>
-          <a:prstGeom prst="rect">
-            <a:avLst/>
-          </a:prstGeom>
-        </p:spPr>
-      </p:pic>
-      <p:sp>
-        <p:nvSpPr>
-          <p:cNvPr id="35" name="Rectangle 34">
-            <a:extLst>
-              <a:ext uri="{FF2B5EF4-FFF2-40B4-BE49-F238E27FC236}">
-                <a16:creationId xmlns:a16="http://schemas.microsoft.com/office/drawing/2014/main" id="{C5373426-E26E-431D-959C-5DB96C0B6208}"/>
+                <a16:creationId xmlns:a16="http://schemas.microsoft.com/office/drawing/2014/main" id="{4B670E93-2F53-48FC-AB6C-E99E22D17F31}"/>
               </a:ext>
               <a:ext uri="{C183D7F6-B498-43B3-948B-1728B52AA6E4}">
                 <adec:decorative xmlns:adec="http://schemas.microsoft.com/office/drawing/2017/decorative" val="1"/>
@@ -3504,16 +4184,14 @@
         </p:nvSpPr>
         <p:spPr>
           <a:xfrm>
-            <a:off x="7912607" y="1238442"/>
-            <a:ext cx="3635926" cy="4355751"/>
+            <a:off x="1" y="6400800"/>
+            <a:ext cx="12192000" cy="457200"/>
           </a:xfrm>
           <a:prstGeom prst="rect">
             <a:avLst/>
           </a:prstGeom>
           <a:solidFill>
-            <a:schemeClr val="bg1">
-              <a:alpha val="85000"/>
-            </a:schemeClr>
+            <a:schemeClr val="accent2"/>
           </a:solidFill>
           <a:ln>
             <a:noFill/>
@@ -3536,240 +4214,6 @@
           </a:fontRef>
         </p:style>
         <p:txBody>
-          <a:bodyPr rtlCol="0" anchor="ctr"/>
-          <a:lstStyle/>
-          <a:p>
-            <a:pPr marL="0" marR="0" lvl="0" indent="0" algn="ctr" defTabSz="914400" rtl="0" eaLnBrk="1" fontAlgn="auto" latinLnBrk="0" hangingPunct="1">
-              <a:lnSpc>
-                <a:spcPct val="100000"/>
-              </a:lnSpc>
-              <a:spcBef>
-                <a:spcPts val="0"/>
-              </a:spcBef>
-              <a:spcAft>
-                <a:spcPts val="0"/>
-              </a:spcAft>
-              <a:buClrTx/>
-              <a:buSzTx/>
-              <a:buFontTx/>
-              <a:buNone/>
-              <a:tabLst/>
-              <a:defRPr/>
-            </a:pPr>
-            <a:endParaRPr kumimoji="0" lang="en-US" sz="1800" b="0" i="0" u="none" strike="noStrike" kern="1200" cap="none" spc="0" normalizeH="0" baseline="0" noProof="0" dirty="0">
-              <a:ln>
-                <a:noFill/>
-              </a:ln>
-              <a:solidFill>
-                <a:srgbClr val="FFFFFF"/>
-              </a:solidFill>
-              <a:effectLst/>
-              <a:uLnTx/>
-              <a:uFillTx/>
-              <a:latin typeface="Franklin Gothic Book" panose="020F0502020204030204"/>
-              <a:ea typeface="+mn-ea"/>
-              <a:cs typeface="+mn-cs"/>
-            </a:endParaRPr>
-          </a:p>
-        </p:txBody>
-      </p:sp>
-      <p:sp>
-        <p:nvSpPr>
-          <p:cNvPr id="2" name="Title 1">
-            <a:extLst>
-              <a:ext uri="{FF2B5EF4-FFF2-40B4-BE49-F238E27FC236}">
-                <a16:creationId xmlns:a16="http://schemas.microsoft.com/office/drawing/2014/main" id="{9AB2EA78-AEB3-469B-9025-3B17201A457B}"/>
-              </a:ext>
-            </a:extLst>
-          </p:cNvPr>
-          <p:cNvSpPr>
-            <a:spLocks noGrp="1"/>
-          </p:cNvSpPr>
-          <p:nvPr>
-            <p:ph type="ctrTitle"/>
-          </p:nvPr>
-        </p:nvSpPr>
-        <p:spPr>
-          <a:xfrm>
-            <a:off x="8123416" y="1475234"/>
-            <a:ext cx="3214307" cy="2901694"/>
-          </a:xfrm>
-        </p:spPr>
-        <p:txBody>
-          <a:bodyPr anchor="b">
-            <a:normAutofit/>
-          </a:bodyPr>
-          <a:lstStyle/>
-          <a:p>
-            <a:r>
-              <a:rPr lang="en-US" sz="4400" dirty="0">
-                <a:solidFill>
-                  <a:schemeClr val="tx1"/>
-                </a:solidFill>
-              </a:rPr>
-              <a:t>Reservoir Insights Unlock</a:t>
-            </a:r>
-          </a:p>
-        </p:txBody>
-      </p:sp>
-      <p:sp>
-        <p:nvSpPr>
-          <p:cNvPr id="3" name="Subtitle 2">
-            <a:extLst>
-              <a:ext uri="{FF2B5EF4-FFF2-40B4-BE49-F238E27FC236}">
-                <a16:creationId xmlns:a16="http://schemas.microsoft.com/office/drawing/2014/main" id="{255E1F2F-E259-4EA8-9FFD-3A10AF541859}"/>
-              </a:ext>
-            </a:extLst>
-          </p:cNvPr>
-          <p:cNvSpPr>
-            <a:spLocks noGrp="1"/>
-          </p:cNvSpPr>
-          <p:nvPr>
-            <p:ph type="subTitle" idx="1"/>
-          </p:nvPr>
-        </p:nvSpPr>
-        <p:spPr>
-          <a:xfrm>
-            <a:off x="8127750" y="4608576"/>
-            <a:ext cx="3205640" cy="774186"/>
-          </a:xfrm>
-        </p:spPr>
-        <p:txBody>
-          <a:bodyPr anchor="t">
-            <a:normAutofit/>
-          </a:bodyPr>
-          <a:lstStyle/>
-          <a:p>
-            <a:pPr>
-              <a:lnSpc>
-                <a:spcPct val="100000"/>
-              </a:lnSpc>
-            </a:pPr>
-            <a:r>
-              <a:rPr lang="en-US" sz="1600" dirty="0" err="1"/>
-              <a:t>paul</a:t>
-            </a:r>
-            <a:r>
-              <a:rPr lang="en-US" sz="1600" dirty="0"/>
-              <a:t> </a:t>
-            </a:r>
-            <a:r>
-              <a:rPr lang="en-US" sz="1600" dirty="0" err="1"/>
-              <a:t>yacobellis</a:t>
-            </a:r>
-            <a:endParaRPr lang="en-US" sz="1600" dirty="0"/>
-          </a:p>
-        </p:txBody>
-      </p:sp>
-      <p:cxnSp>
-        <p:nvCxnSpPr>
-          <p:cNvPr id="37" name="Straight Connector 36">
-            <a:extLst>
-              <a:ext uri="{FF2B5EF4-FFF2-40B4-BE49-F238E27FC236}">
-                <a16:creationId xmlns:a16="http://schemas.microsoft.com/office/drawing/2014/main" id="{96D07482-83A3-4451-943C-B46961082957}"/>
-              </a:ext>
-              <a:ext uri="{C183D7F6-B498-43B3-948B-1728B52AA6E4}">
-                <adec:decorative xmlns:adec="http://schemas.microsoft.com/office/drawing/2017/decorative" val="1"/>
-              </a:ext>
-            </a:extLst>
-          </p:cNvPr>
-          <p:cNvCxnSpPr>
-            <a:cxnSpLocks noGrp="1" noRot="1" noChangeAspect="1" noMove="1" noResize="1" noEditPoints="1" noAdjustHandles="1" noChangeArrowheads="1" noChangeShapeType="1"/>
-          </p:cNvCxnSpPr>
-          <p:nvPr>
-            <p:extLst>
-              <p:ext uri="{386F3935-93C4-4BCD-93E2-E3B085C9AB24}">
-                <p16:designElem xmlns:p16="http://schemas.microsoft.com/office/powerpoint/2015/main" val="1"/>
-              </p:ext>
-            </p:extLst>
-          </p:nvPr>
-        </p:nvCxnSpPr>
-        <p:spPr>
-          <a:xfrm>
-            <a:off x="8176090" y="4508519"/>
-            <a:ext cx="3108960" cy="0"/>
-          </a:xfrm>
-          <a:prstGeom prst="line">
-            <a:avLst/>
-          </a:prstGeom>
-          <a:ln w="19050">
-            <a:solidFill>
-              <a:schemeClr val="accent1"/>
-            </a:solidFill>
-          </a:ln>
-        </p:spPr>
-        <p:style>
-          <a:lnRef idx="1">
-            <a:schemeClr val="accent1"/>
-          </a:lnRef>
-          <a:fillRef idx="0">
-            <a:schemeClr val="accent1"/>
-          </a:fillRef>
-          <a:effectRef idx="0">
-            <a:schemeClr val="accent1"/>
-          </a:effectRef>
-          <a:fontRef idx="minor">
-            <a:schemeClr val="tx1"/>
-          </a:fontRef>
-        </p:style>
-      </p:cxnSp>
-      <p:sp>
-        <p:nvSpPr>
-          <p:cNvPr id="39" name="Rectangle 38">
-            <a:extLst>
-              <a:ext uri="{FF2B5EF4-FFF2-40B4-BE49-F238E27FC236}">
-                <a16:creationId xmlns:a16="http://schemas.microsoft.com/office/drawing/2014/main" id="{EDC90921-9082-491B-940E-827D679F3478}"/>
-              </a:ext>
-              <a:ext uri="{C183D7F6-B498-43B3-948B-1728B52AA6E4}">
-                <adec:decorative xmlns:adec="http://schemas.microsoft.com/office/drawing/2017/decorative" val="1"/>
-              </a:ext>
-            </a:extLst>
-          </p:cNvPr>
-          <p:cNvSpPr>
-            <a:spLocks noGrp="1" noRot="1" noChangeAspect="1" noMove="1" noResize="1" noEditPoints="1" noAdjustHandles="1" noChangeArrowheads="1" noChangeShapeType="1" noTextEdit="1"/>
-          </p:cNvSpPr>
-          <p:nvPr>
-            <p:extLst>
-              <p:ext uri="{386F3935-93C4-4BCD-93E2-E3B085C9AB24}">
-                <p16:designElem xmlns:p16="http://schemas.microsoft.com/office/powerpoint/2015/main" val="1"/>
-              </p:ext>
-            </p:extLst>
-          </p:nvPr>
-        </p:nvSpPr>
-        <p:spPr>
-          <a:xfrm>
-            <a:off x="1" y="6400800"/>
-            <a:ext cx="12192000" cy="457200"/>
-          </a:xfrm>
-          <a:prstGeom prst="rect">
-            <a:avLst/>
-          </a:prstGeom>
-          <a:solidFill>
-            <a:srgbClr val="262626">
-              <a:alpha val="95000"/>
-            </a:srgbClr>
-          </a:solidFill>
-          <a:ln>
-            <a:noFill/>
-          </a:ln>
-        </p:spPr>
-        <p:style>
-          <a:lnRef idx="2">
-            <a:schemeClr val="accent1">
-              <a:shade val="50000"/>
-            </a:schemeClr>
-          </a:lnRef>
-          <a:fillRef idx="1">
-            <a:schemeClr val="accent1"/>
-          </a:fillRef>
-          <a:effectRef idx="0">
-            <a:schemeClr val="accent1"/>
-          </a:effectRef>
-          <a:fontRef idx="minor">
-            <a:schemeClr val="lt1"/>
-          </a:fontRef>
-        </p:style>
-        <p:txBody>
           <a:bodyPr/>
           <a:lstStyle/>
           <a:p>
@@ -3780,12 +4224,441 @@
     </p:spTree>
     <p:extLst>
       <p:ext uri="{BB962C8B-B14F-4D97-AF65-F5344CB8AC3E}">
-        <p14:creationId xmlns:p14="http://schemas.microsoft.com/office/powerpoint/2010/main" val="193143965"/>
+        <p14:creationId xmlns:p14="http://schemas.microsoft.com/office/powerpoint/2010/main" val="1632925865"/>
       </p:ext>
     </p:extLst>
   </p:cSld>
   <p:clrMapOvr>
-    <a:overrideClrMapping bg1="dk1" tx1="lt1" bg2="dk2" tx2="lt2" accent1="accent1" accent2="accent2" accent3="accent3" accent4="accent4" accent5="accent5" accent6="accent6" hlink="hlink" folHlink="folHlink"/>
+    <a:masterClrMapping/>
+  </p:clrMapOvr>
+</p:sld>
+</file>
+
+<file path=ppt/slides/slide10.xml><?xml version="1.0" encoding="utf-8"?>
+<p:sld xmlns:a="http://schemas.openxmlformats.org/drawingml/2006/main" xmlns:r="http://schemas.openxmlformats.org/officeDocument/2006/relationships" xmlns:p="http://schemas.openxmlformats.org/presentationml/2006/main">
+  <p:cSld>
+    <p:spTree>
+      <p:nvGrpSpPr>
+        <p:cNvPr id="1" name=""/>
+        <p:cNvGrpSpPr/>
+        <p:nvPr/>
+      </p:nvGrpSpPr>
+      <p:grpSpPr>
+        <a:xfrm>
+          <a:off x="0" y="0"/>
+          <a:ext cx="0" cy="0"/>
+          <a:chOff x="0" y="0"/>
+          <a:chExt cx="0" cy="0"/>
+        </a:xfrm>
+      </p:grpSpPr>
+      <p:sp>
+        <p:nvSpPr>
+          <p:cNvPr id="2" name="Title 1">
+            <a:extLst>
+              <a:ext uri="{FF2B5EF4-FFF2-40B4-BE49-F238E27FC236}">
+                <a16:creationId xmlns:a16="http://schemas.microsoft.com/office/drawing/2014/main" id="{DC291DAD-C8E7-B8C9-2526-661A2CDE20E1}"/>
+              </a:ext>
+            </a:extLst>
+          </p:cNvPr>
+          <p:cNvSpPr>
+            <a:spLocks noGrp="1"/>
+          </p:cNvSpPr>
+          <p:nvPr>
+            <p:ph type="title"/>
+          </p:nvPr>
+        </p:nvSpPr>
+        <p:spPr/>
+        <p:txBody>
+          <a:bodyPr/>
+          <a:lstStyle/>
+          <a:p>
+            <a:r>
+              <a:rPr lang="en-AU" dirty="0"/>
+              <a:t>Results , Key Insights, Recommendations</a:t>
+            </a:r>
+          </a:p>
+        </p:txBody>
+      </p:sp>
+      <p:sp>
+        <p:nvSpPr>
+          <p:cNvPr id="3" name="Content Placeholder 2">
+            <a:extLst>
+              <a:ext uri="{FF2B5EF4-FFF2-40B4-BE49-F238E27FC236}">
+                <a16:creationId xmlns:a16="http://schemas.microsoft.com/office/drawing/2014/main" id="{E652F3AF-D591-1C5F-0C9A-D5D2852681ED}"/>
+              </a:ext>
+            </a:extLst>
+          </p:cNvPr>
+          <p:cNvSpPr>
+            <a:spLocks noGrp="1"/>
+          </p:cNvSpPr>
+          <p:nvPr>
+            <p:ph idx="1"/>
+          </p:nvPr>
+        </p:nvSpPr>
+        <p:spPr/>
+        <p:txBody>
+          <a:bodyPr/>
+          <a:lstStyle/>
+          <a:p>
+            <a:r>
+              <a:rPr lang="en-AU" dirty="0"/>
+              <a:t>1. Rainfall → turbidity is delayed</a:t>
+            </a:r>
+          </a:p>
+          <a:p>
+            <a:pPr lvl="1"/>
+            <a:r>
+              <a:rPr lang="en-AU" dirty="0"/>
+              <a:t>creates opportunity to mitigate risk</a:t>
+            </a:r>
+          </a:p>
+          <a:p>
+            <a:r>
+              <a:rPr lang="en-AU" dirty="0"/>
+              <a:t>2. Spikes in turbidity are event-driven</a:t>
+            </a:r>
+          </a:p>
+          <a:p>
+            <a:pPr lvl="1"/>
+            <a:r>
+              <a:rPr lang="en-AU" dirty="0"/>
+              <a:t>driven by rainfall, not randomness 	</a:t>
+            </a:r>
+          </a:p>
+          <a:p>
+            <a:endParaRPr lang="en-AU" dirty="0"/>
+          </a:p>
+          <a:p>
+            <a:endParaRPr lang="en-AU" dirty="0"/>
+          </a:p>
+        </p:txBody>
+      </p:sp>
+    </p:spTree>
+    <p:extLst>
+      <p:ext uri="{BB962C8B-B14F-4D97-AF65-F5344CB8AC3E}">
+        <p14:creationId xmlns:p14="http://schemas.microsoft.com/office/powerpoint/2010/main" val="4078148669"/>
+      </p:ext>
+    </p:extLst>
+  </p:cSld>
+  <p:clrMapOvr>
+    <a:masterClrMapping/>
+  </p:clrMapOvr>
+</p:sld>
+</file>
+
+<file path=ppt/slides/slide11.xml><?xml version="1.0" encoding="utf-8"?>
+<p:sld xmlns:a="http://schemas.openxmlformats.org/drawingml/2006/main" xmlns:r="http://schemas.openxmlformats.org/officeDocument/2006/relationships" xmlns:p="http://schemas.openxmlformats.org/presentationml/2006/main">
+  <p:cSld>
+    <p:spTree>
+      <p:nvGrpSpPr>
+        <p:cNvPr id="1" name=""/>
+        <p:cNvGrpSpPr/>
+        <p:nvPr/>
+      </p:nvGrpSpPr>
+      <p:grpSpPr>
+        <a:xfrm>
+          <a:off x="0" y="0"/>
+          <a:ext cx="0" cy="0"/>
+          <a:chOff x="0" y="0"/>
+          <a:chExt cx="0" cy="0"/>
+        </a:xfrm>
+      </p:grpSpPr>
+      <p:sp>
+        <p:nvSpPr>
+          <p:cNvPr id="2" name="Title 1">
+            <a:extLst>
+              <a:ext uri="{FF2B5EF4-FFF2-40B4-BE49-F238E27FC236}">
+                <a16:creationId xmlns:a16="http://schemas.microsoft.com/office/drawing/2014/main" id="{9A3E84AC-EA31-3798-1C54-F09728F68BD3}"/>
+              </a:ext>
+            </a:extLst>
+          </p:cNvPr>
+          <p:cNvSpPr>
+            <a:spLocks noGrp="1"/>
+          </p:cNvSpPr>
+          <p:nvPr>
+            <p:ph type="title"/>
+          </p:nvPr>
+        </p:nvSpPr>
+        <p:spPr/>
+        <p:txBody>
+          <a:bodyPr/>
+          <a:lstStyle/>
+          <a:p>
+            <a:r>
+              <a:rPr lang="en-AU" dirty="0"/>
+              <a:t>Future Data Science Applications</a:t>
+            </a:r>
+          </a:p>
+        </p:txBody>
+      </p:sp>
+      <p:sp>
+        <p:nvSpPr>
+          <p:cNvPr id="3" name="Content Placeholder 2">
+            <a:extLst>
+              <a:ext uri="{FF2B5EF4-FFF2-40B4-BE49-F238E27FC236}">
+                <a16:creationId xmlns:a16="http://schemas.microsoft.com/office/drawing/2014/main" id="{4250A790-2252-00E4-44BA-ED6805DE6FBB}"/>
+              </a:ext>
+            </a:extLst>
+          </p:cNvPr>
+          <p:cNvSpPr>
+            <a:spLocks noGrp="1"/>
+          </p:cNvSpPr>
+          <p:nvPr>
+            <p:ph idx="1"/>
+          </p:nvPr>
+        </p:nvSpPr>
+        <p:spPr/>
+        <p:txBody>
+          <a:bodyPr>
+            <a:normAutofit fontScale="85000" lnSpcReduction="20000"/>
+          </a:bodyPr>
+          <a:lstStyle/>
+          <a:p>
+            <a:r>
+              <a:rPr lang="en-AU" dirty="0"/>
+              <a:t>1.  More data</a:t>
+            </a:r>
+          </a:p>
+          <a:p>
+            <a:pPr lvl="1"/>
+            <a:r>
+              <a:rPr lang="en-AU" dirty="0"/>
+              <a:t>other reservoir same time</a:t>
+            </a:r>
+          </a:p>
+          <a:p>
+            <a:pPr lvl="1"/>
+            <a:r>
+              <a:rPr lang="en-AU" dirty="0"/>
+              <a:t> same reservoir, different time</a:t>
+            </a:r>
+          </a:p>
+          <a:p>
+            <a:pPr lvl="1"/>
+            <a:r>
+              <a:rPr lang="en-AU" dirty="0"/>
+              <a:t>longer time horizon</a:t>
+            </a:r>
+          </a:p>
+          <a:p>
+            <a:pPr lvl="1"/>
+            <a:endParaRPr lang="en-AU" dirty="0"/>
+          </a:p>
+          <a:p>
+            <a:r>
+              <a:rPr lang="en-AU" dirty="0"/>
+              <a:t>2. ARIMAX forecast of turbidity (use rainfall as input to model)</a:t>
+            </a:r>
+          </a:p>
+          <a:p>
+            <a:pPr lvl="1"/>
+            <a:r>
+              <a:rPr lang="en-AU" dirty="0"/>
+              <a:t>only if more data available</a:t>
+            </a:r>
+          </a:p>
+          <a:p>
+            <a:pPr lvl="1"/>
+            <a:endParaRPr lang="en-AU" dirty="0"/>
+          </a:p>
+          <a:p>
+            <a:r>
+              <a:rPr lang="en-AU" dirty="0"/>
+              <a:t>3. Productionised code</a:t>
+            </a:r>
+          </a:p>
+          <a:p>
+            <a:pPr lvl="1"/>
+            <a:r>
+              <a:rPr lang="en-AU" dirty="0"/>
+              <a:t>automation of peak rain alerts</a:t>
+            </a:r>
+          </a:p>
+          <a:p>
+            <a:pPr lvl="1"/>
+            <a:r>
+              <a:rPr lang="en-AU" dirty="0"/>
+              <a:t>CI / CD integration</a:t>
+            </a:r>
+          </a:p>
+          <a:p>
+            <a:pPr lvl="1"/>
+            <a:r>
+              <a:rPr lang="en-AU" dirty="0"/>
+              <a:t>Streamlit application for analysis of other reservoirs</a:t>
+            </a:r>
+          </a:p>
+          <a:p>
+            <a:pPr lvl="1"/>
+            <a:endParaRPr lang="en-AU" dirty="0"/>
+          </a:p>
+          <a:p>
+            <a:r>
+              <a:rPr lang="en-AU" dirty="0"/>
+              <a:t>4. Spatial modelling – examine upstream catchment profiles</a:t>
+            </a:r>
+          </a:p>
+          <a:p>
+            <a:pPr lvl="1"/>
+            <a:r>
+              <a:rPr lang="en-AU" dirty="0"/>
+              <a:t>land use analysis to isolate higher nutrient loading source</a:t>
+            </a:r>
+          </a:p>
+          <a:p>
+            <a:pPr lvl="1"/>
+            <a:endParaRPr lang="en-AU" dirty="0"/>
+          </a:p>
+          <a:p>
+            <a:pPr lvl="1"/>
+            <a:endParaRPr lang="en-AU" dirty="0"/>
+          </a:p>
+          <a:p>
+            <a:pPr marL="201168" lvl="1" indent="0">
+              <a:buNone/>
+            </a:pPr>
+            <a:endParaRPr lang="en-AU" dirty="0"/>
+          </a:p>
+        </p:txBody>
+      </p:sp>
+    </p:spTree>
+    <p:extLst>
+      <p:ext uri="{BB962C8B-B14F-4D97-AF65-F5344CB8AC3E}">
+        <p14:creationId xmlns:p14="http://schemas.microsoft.com/office/powerpoint/2010/main" val="1377340013"/>
+      </p:ext>
+    </p:extLst>
+  </p:cSld>
+  <p:clrMapOvr>
+    <a:masterClrMapping/>
+  </p:clrMapOvr>
+</p:sld>
+</file>
+
+<file path=ppt/slides/slide12.xml><?xml version="1.0" encoding="utf-8"?>
+<p:sld xmlns:a="http://schemas.openxmlformats.org/drawingml/2006/main" xmlns:r="http://schemas.openxmlformats.org/officeDocument/2006/relationships" xmlns:p="http://schemas.openxmlformats.org/presentationml/2006/main">
+  <p:cSld>
+    <p:spTree>
+      <p:nvGrpSpPr>
+        <p:cNvPr id="1" name="">
+          <a:extLst>
+            <a:ext uri="{FF2B5EF4-FFF2-40B4-BE49-F238E27FC236}">
+              <a16:creationId xmlns:a16="http://schemas.microsoft.com/office/drawing/2014/main" id="{96619ADC-28D5-4587-2FFD-11178DF32550}"/>
+            </a:ext>
+          </a:extLst>
+        </p:cNvPr>
+        <p:cNvGrpSpPr/>
+        <p:nvPr/>
+      </p:nvGrpSpPr>
+      <p:grpSpPr>
+        <a:xfrm>
+          <a:off x="0" y="0"/>
+          <a:ext cx="0" cy="0"/>
+          <a:chOff x="0" y="0"/>
+          <a:chExt cx="0" cy="0"/>
+        </a:xfrm>
+      </p:grpSpPr>
+      <p:sp>
+        <p:nvSpPr>
+          <p:cNvPr id="2" name="Title 1">
+            <a:extLst>
+              <a:ext uri="{FF2B5EF4-FFF2-40B4-BE49-F238E27FC236}">
+                <a16:creationId xmlns:a16="http://schemas.microsoft.com/office/drawing/2014/main" id="{0A5FC04E-0936-ACDD-EB9D-0F89A11BF4E8}"/>
+              </a:ext>
+            </a:extLst>
+          </p:cNvPr>
+          <p:cNvSpPr>
+            <a:spLocks noGrp="1"/>
+          </p:cNvSpPr>
+          <p:nvPr>
+            <p:ph type="title"/>
+          </p:nvPr>
+        </p:nvSpPr>
+        <p:spPr/>
+        <p:txBody>
+          <a:bodyPr/>
+          <a:lstStyle/>
+          <a:p>
+            <a:r>
+              <a:rPr lang="en-AU" dirty="0"/>
+              <a:t>Use of AI</a:t>
+            </a:r>
+          </a:p>
+        </p:txBody>
+      </p:sp>
+      <p:sp>
+        <p:nvSpPr>
+          <p:cNvPr id="3" name="Content Placeholder 2">
+            <a:extLst>
+              <a:ext uri="{FF2B5EF4-FFF2-40B4-BE49-F238E27FC236}">
+                <a16:creationId xmlns:a16="http://schemas.microsoft.com/office/drawing/2014/main" id="{33F9B0F9-45F0-FABB-A4CF-66BFF6AF8E6A}"/>
+              </a:ext>
+            </a:extLst>
+          </p:cNvPr>
+          <p:cNvSpPr>
+            <a:spLocks noGrp="1"/>
+          </p:cNvSpPr>
+          <p:nvPr>
+            <p:ph idx="1"/>
+          </p:nvPr>
+        </p:nvSpPr>
+        <p:spPr/>
+        <p:txBody>
+          <a:bodyPr/>
+          <a:lstStyle/>
+          <a:p>
+            <a:r>
+              <a:rPr lang="en-AU" dirty="0"/>
+              <a:t>1. Used in this study to generate some boiler plate code</a:t>
+            </a:r>
+          </a:p>
+          <a:p>
+            <a:r>
+              <a:rPr lang="en-AU" dirty="0"/>
+              <a:t>2. Middleman of sense checking:</a:t>
+            </a:r>
+          </a:p>
+          <a:p>
+            <a:pPr lvl="1"/>
+            <a:r>
+              <a:rPr lang="en-AU" dirty="0"/>
+              <a:t>get results -&gt; consider hypothesis -&gt; </a:t>
+            </a:r>
+          </a:p>
+          <a:p>
+            <a:r>
+              <a:rPr lang="en-AU" dirty="0"/>
+              <a:t>3. Uncertainty Threshold</a:t>
+            </a:r>
+          </a:p>
+          <a:p>
+            <a:pPr lvl="1"/>
+            <a:r>
+              <a:rPr lang="en-AU" dirty="0"/>
+              <a:t>if AI generates a lot of code / content and I feel uncertain about it, it’s a signal to reframe</a:t>
+            </a:r>
+          </a:p>
+          <a:p>
+            <a:pPr lvl="1"/>
+            <a:r>
+              <a:rPr lang="en-AU" dirty="0"/>
+              <a:t>after exploring, decided against unrestrained, agentic buildout</a:t>
+            </a:r>
+          </a:p>
+          <a:p>
+            <a:pPr lvl="1"/>
+            <a:endParaRPr lang="en-AU" dirty="0"/>
+          </a:p>
+        </p:txBody>
+      </p:sp>
+    </p:spTree>
+    <p:extLst>
+      <p:ext uri="{BB962C8B-B14F-4D97-AF65-F5344CB8AC3E}">
+        <p14:creationId xmlns:p14="http://schemas.microsoft.com/office/powerpoint/2010/main" val="427187302"/>
+      </p:ext>
+    </p:extLst>
+  </p:cSld>
+  <p:clrMapOvr>
+    <a:masterClrMapping/>
   </p:clrMapOvr>
 </p:sld>
 </file>
@@ -3854,7 +4727,7 @@
         <p:spPr/>
         <p:txBody>
           <a:bodyPr>
-            <a:normAutofit fontScale="92500" lnSpcReduction="20000"/>
+            <a:normAutofit/>
           </a:bodyPr>
           <a:lstStyle/>
           <a:p>
@@ -3878,36 +4751,6 @@
             </a:r>
           </a:p>
           <a:p>
-            <a:pPr marL="749808" lvl="1" indent="-457200">
-              <a:buFont typeface="+mj-lt"/>
-              <a:buAutoNum type="alphaLcParenR"/>
-            </a:pPr>
-            <a:r>
-              <a:rPr lang="en-AU" dirty="0"/>
-              <a:t>Stakeholder Engagement</a:t>
-            </a:r>
-          </a:p>
-          <a:p>
-            <a:pPr marL="749808" lvl="1" indent="-457200">
-              <a:buFont typeface="+mj-lt"/>
-              <a:buAutoNum type="alphaLcParenR"/>
-            </a:pPr>
-            <a:r>
-              <a:rPr lang="en-AU" dirty="0"/>
-              <a:t>Exploratory Data Analysis</a:t>
-            </a:r>
-          </a:p>
-          <a:p>
-            <a:pPr marL="749808" lvl="1" indent="-457200">
-              <a:buFont typeface="+mj-lt"/>
-              <a:buAutoNum type="alphaLcParenR"/>
-            </a:pPr>
-            <a:r>
-              <a:rPr lang="en-AU" dirty="0"/>
-              <a:t>Statistical / Predictive Modelling (w recommendations)</a:t>
-            </a:r>
-          </a:p>
-          <a:p>
             <a:pPr marL="457200" indent="-457200">
               <a:buFont typeface="+mj-lt"/>
               <a:buAutoNum type="arabicPeriod"/>
@@ -3925,36 +4768,6 @@
             <a:r>
               <a:rPr lang="en-AU" dirty="0"/>
               <a:t>Data Science Skills</a:t>
-            </a:r>
-          </a:p>
-          <a:p>
-            <a:pPr marL="635508" lvl="1" indent="-342900">
-              <a:buFont typeface="+mj-lt"/>
-              <a:buAutoNum type="alphaLcParenR"/>
-            </a:pPr>
-            <a:r>
-              <a:rPr lang="en-AU" dirty="0"/>
-              <a:t>Enhancement of Understanding</a:t>
-            </a:r>
-          </a:p>
-          <a:p>
-            <a:pPr marL="635508" lvl="1" indent="-342900">
-              <a:buFont typeface="+mj-lt"/>
-              <a:buAutoNum type="alphaLcParenR"/>
-            </a:pPr>
-            <a:r>
-              <a:rPr lang="en-AU" dirty="0"/>
-              <a:t>Predictive Modelling</a:t>
-            </a:r>
-          </a:p>
-          <a:p>
-            <a:pPr marL="635508" lvl="1" indent="-342900">
-              <a:buFont typeface="+mj-lt"/>
-              <a:buAutoNum type="alphaLcParenR"/>
-            </a:pPr>
-            <a:r>
-              <a:rPr lang="en-AU" dirty="0"/>
-              <a:t>Visualisations</a:t>
             </a:r>
           </a:p>
           <a:p>
@@ -4022,7 +4835,7 @@
           <a:p>
             <a:r>
               <a:rPr lang="en-AU" dirty="0"/>
-              <a:t>1. Objective</a:t>
+              <a:t>Objective</a:t>
             </a:r>
           </a:p>
         </p:txBody>
@@ -4048,21 +4861,43 @@
           <a:bodyPr/>
           <a:lstStyle/>
           <a:p>
-            <a:r>
-              <a:rPr lang="en-AU" dirty="0"/>
-              <a:t>What Are We Trying to Achieve?</a:t>
-            </a:r>
-          </a:p>
-          <a:p>
-            <a:r>
-              <a:rPr lang="en-AU" dirty="0"/>
-              <a:t>a) Enhance Understanding of Conditions of Reservoir</a:t>
-            </a:r>
-          </a:p>
-          <a:p>
-            <a:r>
-              <a:rPr lang="en-AU" dirty="0"/>
-              <a:t>b) To assist Water Modellers, Engineers, and Operations to make better decisions</a:t>
+            <a:pPr marL="0" indent="0">
+              <a:buNone/>
+            </a:pPr>
+            <a:r>
+              <a:rPr lang="en-AU" b="1" u="sng" dirty="0"/>
+              <a:t>What Are We Trying to Achieve</a:t>
+            </a:r>
+            <a:r>
+              <a:rPr lang="en-AU" dirty="0"/>
+              <a:t>?</a:t>
+            </a:r>
+          </a:p>
+          <a:p>
+            <a:pPr marL="0" indent="0">
+              <a:buNone/>
+            </a:pPr>
+            <a:r>
+              <a:rPr lang="en-AU" dirty="0"/>
+              <a:t>a) enhance understanding of drinking reservoir conditions</a:t>
+            </a:r>
+          </a:p>
+          <a:p>
+            <a:pPr marL="0" indent="0">
+              <a:buNone/>
+            </a:pPr>
+            <a:r>
+              <a:rPr lang="en-AU" dirty="0"/>
+              <a:t>b) generate actionable insights from data that drive impact and value for Water NSW</a:t>
+            </a:r>
+          </a:p>
+          <a:p>
+            <a:pPr marL="0" indent="0">
+              <a:buNone/>
+            </a:pPr>
+            <a:r>
+              <a:rPr lang="en-AU" dirty="0"/>
+              <a:t>c) to assist water modellers, engineers, and operators to make better decisions</a:t>
             </a:r>
           </a:p>
         </p:txBody>
@@ -4081,164 +4916,6 @@
 </file>
 
 <file path=ppt/slides/slide4.xml><?xml version="1.0" encoding="utf-8"?>
-<p:sld xmlns:a="http://schemas.openxmlformats.org/drawingml/2006/main" xmlns:r="http://schemas.openxmlformats.org/officeDocument/2006/relationships" xmlns:p="http://schemas.openxmlformats.org/presentationml/2006/main">
-  <p:cSld>
-    <p:spTree>
-      <p:nvGrpSpPr>
-        <p:cNvPr id="1" name=""/>
-        <p:cNvGrpSpPr/>
-        <p:nvPr/>
-      </p:nvGrpSpPr>
-      <p:grpSpPr>
-        <a:xfrm>
-          <a:off x="0" y="0"/>
-          <a:ext cx="0" cy="0"/>
-          <a:chOff x="0" y="0"/>
-          <a:chExt cx="0" cy="0"/>
-        </a:xfrm>
-      </p:grpSpPr>
-      <p:sp>
-        <p:nvSpPr>
-          <p:cNvPr id="2" name="Title 1">
-            <a:extLst>
-              <a:ext uri="{FF2B5EF4-FFF2-40B4-BE49-F238E27FC236}">
-                <a16:creationId xmlns:a16="http://schemas.microsoft.com/office/drawing/2014/main" id="{58A54082-C28C-C91A-483D-7C73BA76CE0E}"/>
-              </a:ext>
-            </a:extLst>
-          </p:cNvPr>
-          <p:cNvSpPr>
-            <a:spLocks noGrp="1"/>
-          </p:cNvSpPr>
-          <p:nvPr>
-            <p:ph type="title"/>
-          </p:nvPr>
-        </p:nvSpPr>
-        <p:spPr/>
-        <p:txBody>
-          <a:bodyPr/>
-          <a:lstStyle/>
-          <a:p>
-            <a:r>
-              <a:rPr lang="en-AU" dirty="0"/>
-              <a:t>2. Data Analysis Approach </a:t>
-            </a:r>
-          </a:p>
-        </p:txBody>
-      </p:sp>
-      <p:sp>
-        <p:nvSpPr>
-          <p:cNvPr id="3" name="Content Placeholder 2">
-            <a:extLst>
-              <a:ext uri="{FF2B5EF4-FFF2-40B4-BE49-F238E27FC236}">
-                <a16:creationId xmlns:a16="http://schemas.microsoft.com/office/drawing/2014/main" id="{445C3A54-BDD2-ABE8-CC6C-50A99A3ADAA8}"/>
-              </a:ext>
-            </a:extLst>
-          </p:cNvPr>
-          <p:cNvSpPr>
-            <a:spLocks noGrp="1"/>
-          </p:cNvSpPr>
-          <p:nvPr>
-            <p:ph idx="1"/>
-          </p:nvPr>
-        </p:nvSpPr>
-        <p:spPr/>
-        <p:txBody>
-          <a:bodyPr>
-            <a:normAutofit/>
-          </a:bodyPr>
-          <a:lstStyle/>
-          <a:p>
-            <a:pPr marL="457200" indent="-457200">
-              <a:buFont typeface="+mj-lt"/>
-              <a:buAutoNum type="alphaLcParenR"/>
-            </a:pPr>
-            <a:r>
-              <a:rPr lang="en-AU" b="1" u="sng" dirty="0"/>
-              <a:t>Discovery</a:t>
-            </a:r>
-          </a:p>
-          <a:p>
-            <a:pPr marL="749808" lvl="1" indent="-457200"/>
-            <a:r>
-              <a:rPr lang="en-AU" dirty="0"/>
-              <a:t>Define Requirements</a:t>
-            </a:r>
-          </a:p>
-          <a:p>
-            <a:pPr marL="932688" lvl="2" indent="-457200"/>
-            <a:r>
-              <a:rPr lang="en-AU" dirty="0"/>
-              <a:t>Enhance understanding of conditions in drinking water reservoir</a:t>
-            </a:r>
-          </a:p>
-          <a:p>
-            <a:pPr marL="749808" lvl="1" indent="-457200"/>
-            <a:r>
-              <a:rPr lang="en-AU" dirty="0"/>
-              <a:t>Define Data Dictionary </a:t>
-            </a:r>
-          </a:p>
-          <a:p>
-            <a:pPr marL="749808" lvl="1" indent="-457200"/>
-            <a:endParaRPr lang="en-AU" dirty="0"/>
-          </a:p>
-          <a:p>
-            <a:pPr marL="457200" indent="-457200">
-              <a:buFont typeface="+mj-lt"/>
-              <a:buAutoNum type="alphaLcParenR"/>
-            </a:pPr>
-            <a:r>
-              <a:rPr lang="en-AU" b="1" u="sng" dirty="0"/>
-              <a:t>Stakeholder Engagement </a:t>
-            </a:r>
-            <a:r>
-              <a:rPr lang="en-AU" dirty="0"/>
-              <a:t>- What Actionable Insights Would Drive Value?</a:t>
-            </a:r>
-          </a:p>
-          <a:p>
-            <a:pPr lvl="1"/>
-            <a:r>
-              <a:rPr lang="en-AU" dirty="0"/>
-              <a:t>David Tetley – Flood Modeller – Catchment Simulations Solutions</a:t>
-            </a:r>
-          </a:p>
-          <a:p>
-            <a:pPr lvl="1"/>
-            <a:r>
-              <a:rPr lang="en-AU" dirty="0"/>
-              <a:t>Greg Siedel – Hydrologic Engineer – Balmoral Group</a:t>
-            </a:r>
-          </a:p>
-          <a:p>
-            <a:pPr marL="457200" indent="-457200">
-              <a:buFont typeface="+mj-lt"/>
-              <a:buAutoNum type="alphaLcParenR"/>
-            </a:pPr>
-            <a:endParaRPr lang="en-AU" dirty="0"/>
-          </a:p>
-          <a:p>
-            <a:pPr marL="0" indent="0">
-              <a:buNone/>
-            </a:pPr>
-            <a:endParaRPr lang="en-AU" dirty="0"/>
-          </a:p>
-        </p:txBody>
-      </p:sp>
-    </p:spTree>
-    <p:extLst>
-      <p:ext uri="{BB962C8B-B14F-4D97-AF65-F5344CB8AC3E}">
-        <p14:creationId xmlns:p14="http://schemas.microsoft.com/office/powerpoint/2010/main" val="3864380878"/>
-      </p:ext>
-    </p:extLst>
-  </p:cSld>
-  <p:clrMapOvr>
-    <a:masterClrMapping/>
-  </p:clrMapOvr>
-</p:sld>
-</file>
-
-<file path=ppt/slides/slide5.xml><?xml version="1.0" encoding="utf-8"?>
 <p:sld xmlns:a="http://schemas.openxmlformats.org/drawingml/2006/main" xmlns:r="http://schemas.openxmlformats.org/officeDocument/2006/relationships" xmlns:p="http://schemas.openxmlformats.org/presentationml/2006/main">
   <p:cSld>
     <p:spTree>
@@ -4284,7 +4961,7 @@
           <a:p>
             <a:r>
               <a:rPr lang="en-AU" dirty="0"/>
-              <a:t>2. Data Analysis Approach </a:t>
+              <a:t>Data Analysis Approach </a:t>
             </a:r>
           </a:p>
         </p:txBody>
@@ -4308,66 +4985,68 @@
         <p:spPr/>
         <p:txBody>
           <a:bodyPr>
-            <a:normAutofit lnSpcReduction="10000"/>
+            <a:normAutofit/>
           </a:bodyPr>
           <a:lstStyle/>
           <a:p>
-            <a:r>
-              <a:rPr lang="en-AU" dirty="0"/>
-              <a:t>Exploratory Data Analysis – Global</a:t>
-            </a:r>
-          </a:p>
-          <a:p>
-            <a:r>
-              <a:rPr lang="en-AU" dirty="0"/>
-              <a:t>Descriptive Statistics</a:t>
-            </a:r>
-          </a:p>
-          <a:p>
+            <a:pPr lvl="1"/>
+            <a:r>
+              <a:rPr lang="en-AU" dirty="0"/>
+              <a:t>Clarified requirements of stakeholders and business</a:t>
+            </a:r>
+          </a:p>
+          <a:p>
+            <a:pPr lvl="1"/>
+            <a:r>
+              <a:rPr lang="en-AU" dirty="0"/>
+              <a:t>Decided on right tools for the job</a:t>
+            </a:r>
+          </a:p>
+          <a:p>
+            <a:pPr lvl="1"/>
+            <a:r>
+              <a:rPr lang="en-AU" dirty="0"/>
+              <a:t>Performed exploratory data analysis to understand data quality and real-world behaviour</a:t>
+            </a:r>
+          </a:p>
+          <a:p>
+            <a:pPr lvl="1"/>
+            <a:r>
+              <a:rPr lang="en-AU" dirty="0"/>
+              <a:t>Analysed temporal patterns, lag effects</a:t>
+            </a:r>
+          </a:p>
+          <a:p>
+            <a:pPr lvl="1"/>
+            <a:r>
+              <a:rPr lang="en-AU" dirty="0"/>
+              <a:t>Validated findings with simple statistical techniques</a:t>
+            </a:r>
+          </a:p>
+          <a:p>
+            <a:pPr lvl="1"/>
+            <a:r>
+              <a:rPr lang="en-AU" dirty="0"/>
+              <a:t>Sensed check interpretations with former </a:t>
+            </a:r>
+            <a:r>
+              <a:rPr lang="en-AU" dirty="0" err="1"/>
+              <a:t>colleages</a:t>
+            </a:r>
+            <a:r>
+              <a:rPr lang="en-AU" dirty="0"/>
+              <a:t>:  flood modeller and water economist</a:t>
+            </a:r>
+          </a:p>
+          <a:p>
+            <a:pPr lvl="1"/>
             <a:endParaRPr lang="en-AU" dirty="0"/>
           </a:p>
           <a:p>
-            <a:r>
-              <a:rPr lang="en-AU" dirty="0"/>
-              <a:t>Bias Detection</a:t>
-            </a:r>
-          </a:p>
-          <a:p>
             <a:pPr lvl="1"/>
-            <a:r>
-              <a:rPr lang="en-AU" dirty="0"/>
-              <a:t>rolling mean check</a:t>
-            </a:r>
-          </a:p>
-          <a:p>
-            <a:pPr lvl="1"/>
-            <a:r>
-              <a:rPr lang="en-AU" dirty="0"/>
-              <a:t>consistent decline of water temperature over time</a:t>
-            </a:r>
-          </a:p>
-          <a:p>
-            <a:pPr lvl="1"/>
-            <a:r>
-              <a:rPr lang="en-AU" dirty="0"/>
-              <a:t>no apparent structural / stepwise gaps in data = good sign</a:t>
-            </a:r>
-          </a:p>
-          <a:p>
-            <a:pPr lvl="1"/>
-            <a:r>
-              <a:rPr lang="en-AU" dirty="0"/>
-              <a:t>consider more rigorous checks in formal study:</a:t>
-            </a:r>
-          </a:p>
-          <a:p>
-            <a:r>
-              <a:rPr lang="en-AU" dirty="0"/>
-              <a:t>Missing Value Detection</a:t>
-            </a:r>
-          </a:p>
-          <a:p>
-            <a:pPr lvl="1"/>
+            <a:endParaRPr lang="en-AU" dirty="0"/>
+          </a:p>
+          <a:p>
             <a:endParaRPr lang="en-AU" dirty="0"/>
           </a:p>
         </p:txBody>
@@ -4376,6 +5055,190 @@
     <p:extLst>
       <p:ext uri="{BB962C8B-B14F-4D97-AF65-F5344CB8AC3E}">
         <p14:creationId xmlns:p14="http://schemas.microsoft.com/office/powerpoint/2010/main" val="833099251"/>
+      </p:ext>
+    </p:extLst>
+  </p:cSld>
+  <p:clrMapOvr>
+    <a:masterClrMapping/>
+  </p:clrMapOvr>
+</p:sld>
+</file>
+
+<file path=ppt/slides/slide5.xml><?xml version="1.0" encoding="utf-8"?>
+<p:sld xmlns:a="http://schemas.openxmlformats.org/drawingml/2006/main" xmlns:r="http://schemas.openxmlformats.org/officeDocument/2006/relationships" xmlns:p="http://schemas.openxmlformats.org/presentationml/2006/main">
+  <p:cSld>
+    <p:spTree>
+      <p:nvGrpSpPr>
+        <p:cNvPr id="1" name="">
+          <a:extLst>
+            <a:ext uri="{FF2B5EF4-FFF2-40B4-BE49-F238E27FC236}">
+              <a16:creationId xmlns:a16="http://schemas.microsoft.com/office/drawing/2014/main" id="{49B3E6BD-8AC8-B1EB-1EEC-90744D3A0046}"/>
+            </a:ext>
+          </a:extLst>
+        </p:cNvPr>
+        <p:cNvGrpSpPr/>
+        <p:nvPr/>
+      </p:nvGrpSpPr>
+      <p:grpSpPr>
+        <a:xfrm>
+          <a:off x="0" y="0"/>
+          <a:ext cx="0" cy="0"/>
+          <a:chOff x="0" y="0"/>
+          <a:chExt cx="0" cy="0"/>
+        </a:xfrm>
+      </p:grpSpPr>
+      <p:sp>
+        <p:nvSpPr>
+          <p:cNvPr id="2" name="Title 1">
+            <a:extLst>
+              <a:ext uri="{FF2B5EF4-FFF2-40B4-BE49-F238E27FC236}">
+                <a16:creationId xmlns:a16="http://schemas.microsoft.com/office/drawing/2014/main" id="{6805C148-6CC0-0A4F-E4E3-E54238CC797C}"/>
+              </a:ext>
+            </a:extLst>
+          </p:cNvPr>
+          <p:cNvSpPr>
+            <a:spLocks noGrp="1"/>
+          </p:cNvSpPr>
+          <p:nvPr>
+            <p:ph type="title"/>
+          </p:nvPr>
+        </p:nvSpPr>
+        <p:spPr/>
+        <p:txBody>
+          <a:bodyPr/>
+          <a:lstStyle/>
+          <a:p>
+            <a:r>
+              <a:rPr lang="en-AU" dirty="0"/>
+              <a:t>Data Analysis Approach </a:t>
+            </a:r>
+          </a:p>
+        </p:txBody>
+      </p:sp>
+      <p:sp>
+        <p:nvSpPr>
+          <p:cNvPr id="3" name="Content Placeholder 2">
+            <a:extLst>
+              <a:ext uri="{FF2B5EF4-FFF2-40B4-BE49-F238E27FC236}">
+                <a16:creationId xmlns:a16="http://schemas.microsoft.com/office/drawing/2014/main" id="{0084741A-CB82-C027-C664-BFBD20A777CC}"/>
+              </a:ext>
+            </a:extLst>
+          </p:cNvPr>
+          <p:cNvSpPr>
+            <a:spLocks noGrp="1"/>
+          </p:cNvSpPr>
+          <p:nvPr>
+            <p:ph idx="1"/>
+          </p:nvPr>
+        </p:nvSpPr>
+        <p:spPr/>
+        <p:txBody>
+          <a:bodyPr>
+            <a:normAutofit/>
+          </a:bodyPr>
+          <a:lstStyle/>
+          <a:p>
+            <a:pPr lvl="1"/>
+            <a:r>
+              <a:rPr lang="en-AU" dirty="0"/>
+              <a:t>Daily WQ reading counts</a:t>
+            </a:r>
+          </a:p>
+          <a:p>
+            <a:pPr lvl="2"/>
+            <a:r>
+              <a:rPr lang="en-AU" dirty="0"/>
+              <a:t>Drop in sensor counts on same days</a:t>
+            </a:r>
+          </a:p>
+          <a:p>
+            <a:pPr lvl="2"/>
+            <a:endParaRPr lang="en-AU" dirty="0"/>
+          </a:p>
+          <a:p>
+            <a:pPr lvl="2"/>
+            <a:r>
+              <a:rPr lang="en-AU" dirty="0"/>
+              <a:t>Dates line up with peak rain events</a:t>
+            </a:r>
+          </a:p>
+          <a:p>
+            <a:pPr lvl="2"/>
+            <a:endParaRPr lang="en-AU" dirty="0"/>
+          </a:p>
+          <a:p>
+            <a:pPr lvl="2"/>
+            <a:r>
+              <a:rPr lang="en-AU" dirty="0"/>
+              <a:t>True WQ values biased downward</a:t>
+            </a:r>
+          </a:p>
+          <a:p>
+            <a:pPr lvl="2"/>
+            <a:endParaRPr lang="en-AU" dirty="0"/>
+          </a:p>
+          <a:p>
+            <a:pPr lvl="2"/>
+            <a:r>
+              <a:rPr lang="en-AU" dirty="0"/>
+              <a:t>Missing Water Temp won’t have material impact</a:t>
+            </a:r>
+          </a:p>
+          <a:p>
+            <a:pPr lvl="2"/>
+            <a:endParaRPr lang="en-AU" dirty="0"/>
+          </a:p>
+          <a:p>
+            <a:pPr lvl="1"/>
+            <a:endParaRPr lang="en-AU" dirty="0"/>
+          </a:p>
+          <a:p>
+            <a:pPr lvl="1"/>
+            <a:endParaRPr lang="en-AU" dirty="0"/>
+          </a:p>
+          <a:p>
+            <a:pPr lvl="1"/>
+            <a:endParaRPr lang="en-AU" dirty="0"/>
+          </a:p>
+          <a:p>
+            <a:endParaRPr lang="en-AU" dirty="0"/>
+          </a:p>
+        </p:txBody>
+      </p:sp>
+      <p:pic>
+        <p:nvPicPr>
+          <p:cNvPr id="4" name="Picture 3">
+            <a:extLst>
+              <a:ext uri="{FF2B5EF4-FFF2-40B4-BE49-F238E27FC236}">
+                <a16:creationId xmlns:a16="http://schemas.microsoft.com/office/drawing/2014/main" id="{E1BD9658-210B-3292-B285-D816689C0C25}"/>
+              </a:ext>
+            </a:extLst>
+          </p:cNvPr>
+          <p:cNvPicPr>
+            <a:picLocks noChangeAspect="1"/>
+          </p:cNvPicPr>
+          <p:nvPr/>
+        </p:nvPicPr>
+        <p:blipFill>
+          <a:blip r:embed="rId2"/>
+          <a:stretch>
+            <a:fillRect/>
+          </a:stretch>
+        </p:blipFill>
+        <p:spPr>
+          <a:xfrm>
+            <a:off x="5061878" y="2024420"/>
+            <a:ext cx="7130122" cy="3844674"/>
+          </a:xfrm>
+          <a:prstGeom prst="rect">
+            <a:avLst/>
+          </a:prstGeom>
+        </p:spPr>
+      </p:pic>
+    </p:spTree>
+    <p:extLst>
+      <p:ext uri="{BB962C8B-B14F-4D97-AF65-F5344CB8AC3E}">
+        <p14:creationId xmlns:p14="http://schemas.microsoft.com/office/powerpoint/2010/main" val="1898619775"/>
       </p:ext>
     </p:extLst>
   </p:cSld>
@@ -4390,7 +5253,13 @@
   <p:cSld>
     <p:spTree>
       <p:nvGrpSpPr>
-        <p:cNvPr id="1" name=""/>
+        <p:cNvPr id="1" name="">
+          <a:extLst>
+            <a:ext uri="{FF2B5EF4-FFF2-40B4-BE49-F238E27FC236}">
+              <a16:creationId xmlns:a16="http://schemas.microsoft.com/office/drawing/2014/main" id="{3BE7EB08-25B8-619E-0FD7-F588806CD61F}"/>
+            </a:ext>
+          </a:extLst>
+        </p:cNvPr>
         <p:cNvGrpSpPr/>
         <p:nvPr/>
       </p:nvGrpSpPr>
@@ -4407,7 +5276,7 @@
           <p:cNvPr id="2" name="Title 1">
             <a:extLst>
               <a:ext uri="{FF2B5EF4-FFF2-40B4-BE49-F238E27FC236}">
-                <a16:creationId xmlns:a16="http://schemas.microsoft.com/office/drawing/2014/main" id="{DC291DAD-C8E7-B8C9-2526-661A2CDE20E1}"/>
+                <a16:creationId xmlns:a16="http://schemas.microsoft.com/office/drawing/2014/main" id="{AAF4B5EB-17D6-FC70-66CA-BE1BD216BAC6}"/>
               </a:ext>
             </a:extLst>
           </p:cNvPr>
@@ -4425,7 +5294,7 @@
           <a:p>
             <a:r>
               <a:rPr lang="en-AU" dirty="0"/>
-              <a:t>3. Results and Key Insights</a:t>
+              <a:t>Data Analysis</a:t>
             </a:r>
           </a:p>
         </p:txBody>
@@ -4435,7 +5304,7 @@
           <p:cNvPr id="3" name="Content Placeholder 2">
             <a:extLst>
               <a:ext uri="{FF2B5EF4-FFF2-40B4-BE49-F238E27FC236}">
-                <a16:creationId xmlns:a16="http://schemas.microsoft.com/office/drawing/2014/main" id="{E652F3AF-D591-1C5F-0C9A-D5D2852681ED}"/>
+                <a16:creationId xmlns:a16="http://schemas.microsoft.com/office/drawing/2014/main" id="{9B682391-8801-55F9-3A5E-0028F4D62DAA}"/>
               </a:ext>
             </a:extLst>
           </p:cNvPr>
@@ -4448,20 +5317,131 @@
         </p:nvSpPr>
         <p:spPr/>
         <p:txBody>
-          <a:bodyPr/>
-          <a:lstStyle/>
-          <a:p>
-            <a:r>
-              <a:rPr lang="en-AU" dirty="0"/>
-              <a:t>1. Rainfall -&gt; Torpidity Lag</a:t>
-            </a:r>
-          </a:p>
-        </p:txBody>
-      </p:sp>
+          <a:bodyPr>
+            <a:normAutofit lnSpcReduction="10000"/>
+          </a:bodyPr>
+          <a:lstStyle/>
+          <a:p>
+            <a:pPr lvl="1"/>
+            <a:endParaRPr lang="en-AU" dirty="0"/>
+          </a:p>
+          <a:p>
+            <a:pPr lvl="1"/>
+            <a:r>
+              <a:rPr lang="en-AU" dirty="0"/>
+              <a:t>Bias detection</a:t>
+            </a:r>
+          </a:p>
+          <a:p>
+            <a:pPr lvl="2"/>
+            <a:r>
+              <a:rPr lang="en-AU" dirty="0"/>
+              <a:t>surface temp rolling average</a:t>
+            </a:r>
+          </a:p>
+          <a:p>
+            <a:pPr lvl="1"/>
+            <a:endParaRPr lang="en-AU" dirty="0"/>
+          </a:p>
+          <a:p>
+            <a:pPr marL="201168" lvl="1" indent="0">
+              <a:buNone/>
+            </a:pPr>
+            <a:endParaRPr lang="en-AU" dirty="0"/>
+          </a:p>
+          <a:p>
+            <a:pPr lvl="1"/>
+            <a:endParaRPr lang="en-AU" dirty="0"/>
+          </a:p>
+          <a:p>
+            <a:pPr lvl="1"/>
+            <a:r>
+              <a:rPr lang="en-AU" dirty="0"/>
+              <a:t>Box Plot analysis</a:t>
+            </a:r>
+          </a:p>
+          <a:p>
+            <a:pPr lvl="2"/>
+            <a:r>
+              <a:rPr lang="en-AU" dirty="0"/>
+              <a:t>skewness, outlier detection</a:t>
+            </a:r>
+          </a:p>
+          <a:p>
+            <a:pPr lvl="1"/>
+            <a:endParaRPr lang="en-AU" dirty="0"/>
+          </a:p>
+          <a:p>
+            <a:pPr marL="201168" lvl="1" indent="0">
+              <a:buNone/>
+            </a:pPr>
+            <a:endParaRPr lang="en-AU" dirty="0"/>
+          </a:p>
+          <a:p>
+            <a:pPr lvl="1"/>
+            <a:endParaRPr lang="en-AU" dirty="0"/>
+          </a:p>
+          <a:p>
+            <a:pPr lvl="1"/>
+            <a:r>
+              <a:rPr lang="en-AU" dirty="0"/>
+              <a:t>Outlier analysis</a:t>
+            </a:r>
+          </a:p>
+          <a:p>
+            <a:pPr lvl="2"/>
+            <a:r>
+              <a:rPr lang="en-AU" dirty="0"/>
+              <a:t>Turbidity time series</a:t>
+            </a:r>
+          </a:p>
+          <a:p>
+            <a:pPr lvl="1"/>
+            <a:endParaRPr lang="en-AU" dirty="0"/>
+          </a:p>
+          <a:p>
+            <a:pPr lvl="1"/>
+            <a:endParaRPr lang="en-AU" dirty="0"/>
+          </a:p>
+          <a:p>
+            <a:endParaRPr lang="en-AU" dirty="0"/>
+          </a:p>
+        </p:txBody>
+      </p:sp>
+      <p:pic>
+        <p:nvPicPr>
+          <p:cNvPr id="5" name="Picture 4">
+            <a:extLst>
+              <a:ext uri="{FF2B5EF4-FFF2-40B4-BE49-F238E27FC236}">
+                <a16:creationId xmlns:a16="http://schemas.microsoft.com/office/drawing/2014/main" id="{4247A66C-49E9-0D6C-4764-64DC04566619}"/>
+              </a:ext>
+            </a:extLst>
+          </p:cNvPr>
+          <p:cNvPicPr>
+            <a:picLocks noChangeAspect="1"/>
+          </p:cNvPicPr>
+          <p:nvPr/>
+        </p:nvPicPr>
+        <p:blipFill>
+          <a:blip r:embed="rId2"/>
+          <a:stretch>
+            <a:fillRect/>
+          </a:stretch>
+        </p:blipFill>
+        <p:spPr>
+          <a:xfrm>
+            <a:off x="4601113" y="1845734"/>
+            <a:ext cx="7410916" cy="4297349"/>
+          </a:xfrm>
+          <a:prstGeom prst="rect">
+            <a:avLst/>
+          </a:prstGeom>
+        </p:spPr>
+      </p:pic>
     </p:spTree>
     <p:extLst>
       <p:ext uri="{BB962C8B-B14F-4D97-AF65-F5344CB8AC3E}">
-        <p14:creationId xmlns:p14="http://schemas.microsoft.com/office/powerpoint/2010/main" val="4078148669"/>
+        <p14:creationId xmlns:p14="http://schemas.microsoft.com/office/powerpoint/2010/main" val="2424501924"/>
       </p:ext>
     </p:extLst>
   </p:cSld>
@@ -4476,7 +5456,13 @@
   <p:cSld>
     <p:spTree>
       <p:nvGrpSpPr>
-        <p:cNvPr id="1" name=""/>
+        <p:cNvPr id="1" name="">
+          <a:extLst>
+            <a:ext uri="{FF2B5EF4-FFF2-40B4-BE49-F238E27FC236}">
+              <a16:creationId xmlns:a16="http://schemas.microsoft.com/office/drawing/2014/main" id="{6CF465D0-2C46-D40A-3F07-BA83AFEFA747}"/>
+            </a:ext>
+          </a:extLst>
+        </p:cNvPr>
         <p:cNvGrpSpPr/>
         <p:nvPr/>
       </p:nvGrpSpPr>
@@ -4493,7 +5479,7 @@
           <p:cNvPr id="2" name="Title 1">
             <a:extLst>
               <a:ext uri="{FF2B5EF4-FFF2-40B4-BE49-F238E27FC236}">
-                <a16:creationId xmlns:a16="http://schemas.microsoft.com/office/drawing/2014/main" id="{CC79AFCA-54C0-AAD7-B84F-96903B884D24}"/>
+                <a16:creationId xmlns:a16="http://schemas.microsoft.com/office/drawing/2014/main" id="{4C08730B-9097-0028-EF31-FD3DCD29CD0D}"/>
               </a:ext>
             </a:extLst>
           </p:cNvPr>
@@ -4511,7 +5497,7 @@
           <a:p>
             <a:r>
               <a:rPr lang="en-AU" dirty="0"/>
-              <a:t>4. Data Science Techniques</a:t>
+              <a:t>Data Analysis</a:t>
             </a:r>
           </a:p>
         </p:txBody>
@@ -4521,7 +5507,7 @@
           <p:cNvPr id="3" name="Content Placeholder 2">
             <a:extLst>
               <a:ext uri="{FF2B5EF4-FFF2-40B4-BE49-F238E27FC236}">
-                <a16:creationId xmlns:a16="http://schemas.microsoft.com/office/drawing/2014/main" id="{9FA84976-59E1-1DDE-B5DB-9B3F9F775498}"/>
+                <a16:creationId xmlns:a16="http://schemas.microsoft.com/office/drawing/2014/main" id="{225A7296-454F-5231-CEB8-C8099D6F962E}"/>
               </a:ext>
             </a:extLst>
           </p:cNvPr>
@@ -4534,17 +5520,100 @@
         </p:nvSpPr>
         <p:spPr/>
         <p:txBody>
-          <a:bodyPr/>
-          <a:lstStyle/>
-          <a:p>
-            <a:endParaRPr lang="en-AU"/>
-          </a:p>
-        </p:txBody>
-      </p:sp>
+          <a:bodyPr>
+            <a:normAutofit/>
+          </a:bodyPr>
+          <a:lstStyle/>
+          <a:p>
+            <a:pPr lvl="1"/>
+            <a:r>
+              <a:rPr lang="en-AU" dirty="0"/>
+              <a:t>DO and Water Temp constant</a:t>
+            </a:r>
+          </a:p>
+          <a:p>
+            <a:pPr lvl="2"/>
+            <a:r>
+              <a:rPr lang="en-AU" dirty="0"/>
+              <a:t>But different story at depth</a:t>
+            </a:r>
+          </a:p>
+          <a:p>
+            <a:pPr lvl="2"/>
+            <a:endParaRPr lang="en-AU" dirty="0"/>
+          </a:p>
+          <a:p>
+            <a:pPr lvl="2"/>
+            <a:endParaRPr lang="en-AU" dirty="0"/>
+          </a:p>
+          <a:p>
+            <a:pPr lvl="1"/>
+            <a:r>
+              <a:rPr lang="en-AU" dirty="0"/>
+              <a:t>Evapotranspiration</a:t>
+            </a:r>
+          </a:p>
+          <a:p>
+            <a:pPr lvl="2"/>
+            <a:r>
+              <a:rPr lang="en-AU" dirty="0"/>
+              <a:t>normal seasonal decline</a:t>
+            </a:r>
+          </a:p>
+          <a:p>
+            <a:pPr lvl="1"/>
+            <a:endParaRPr lang="en-AU" dirty="0"/>
+          </a:p>
+          <a:p>
+            <a:pPr lvl="1"/>
+            <a:endParaRPr lang="en-AU" dirty="0"/>
+          </a:p>
+          <a:p>
+            <a:pPr lvl="1"/>
+            <a:r>
+              <a:rPr lang="en-AU" dirty="0"/>
+              <a:t>Lag effect from rainfall -&gt; turbidity</a:t>
+            </a:r>
+          </a:p>
+          <a:p>
+            <a:endParaRPr lang="en-AU" dirty="0"/>
+          </a:p>
+        </p:txBody>
+      </p:sp>
+      <p:pic>
+        <p:nvPicPr>
+          <p:cNvPr id="14" name="Picture 13">
+            <a:extLst>
+              <a:ext uri="{FF2B5EF4-FFF2-40B4-BE49-F238E27FC236}">
+                <a16:creationId xmlns:a16="http://schemas.microsoft.com/office/drawing/2014/main" id="{49603B15-F5DF-CA89-1763-B66C1D8E9B81}"/>
+              </a:ext>
+            </a:extLst>
+          </p:cNvPr>
+          <p:cNvPicPr>
+            <a:picLocks noChangeAspect="1"/>
+          </p:cNvPicPr>
+          <p:nvPr/>
+        </p:nvPicPr>
+        <p:blipFill>
+          <a:blip r:embed="rId2"/>
+          <a:stretch>
+            <a:fillRect/>
+          </a:stretch>
+        </p:blipFill>
+        <p:spPr>
+          <a:xfrm>
+            <a:off x="4847303" y="1963019"/>
+            <a:ext cx="6994492" cy="3641369"/>
+          </a:xfrm>
+          <a:prstGeom prst="rect">
+            <a:avLst/>
+          </a:prstGeom>
+        </p:spPr>
+      </p:pic>
     </p:spTree>
     <p:extLst>
       <p:ext uri="{BB962C8B-B14F-4D97-AF65-F5344CB8AC3E}">
-        <p14:creationId xmlns:p14="http://schemas.microsoft.com/office/powerpoint/2010/main" val="192270752"/>
+        <p14:creationId xmlns:p14="http://schemas.microsoft.com/office/powerpoint/2010/main" val="1405890200"/>
       </p:ext>
     </p:extLst>
   </p:cSld>
@@ -4559,7 +5628,13 @@
   <p:cSld>
     <p:spTree>
       <p:nvGrpSpPr>
-        <p:cNvPr id="1" name=""/>
+        <p:cNvPr id="1" name="">
+          <a:extLst>
+            <a:ext uri="{FF2B5EF4-FFF2-40B4-BE49-F238E27FC236}">
+              <a16:creationId xmlns:a16="http://schemas.microsoft.com/office/drawing/2014/main" id="{1E4F805E-307B-20B6-1B9A-C5E9E3E76413}"/>
+            </a:ext>
+          </a:extLst>
+        </p:cNvPr>
         <p:cNvGrpSpPr/>
         <p:nvPr/>
       </p:nvGrpSpPr>
@@ -4576,7 +5651,7 @@
           <p:cNvPr id="2" name="Title 1">
             <a:extLst>
               <a:ext uri="{FF2B5EF4-FFF2-40B4-BE49-F238E27FC236}">
-                <a16:creationId xmlns:a16="http://schemas.microsoft.com/office/drawing/2014/main" id="{9A3E84AC-EA31-3798-1C54-F09728F68BD3}"/>
+                <a16:creationId xmlns:a16="http://schemas.microsoft.com/office/drawing/2014/main" id="{F159E7AB-81E2-388E-E5B7-F2BB26BE7615}"/>
               </a:ext>
             </a:extLst>
           </p:cNvPr>
@@ -4594,7 +5669,7 @@
           <a:p>
             <a:r>
               <a:rPr lang="en-AU" dirty="0"/>
-              <a:t>5.  Use of AI</a:t>
+              <a:t>Data Analysis – Rainfall &amp; Turbidity</a:t>
             </a:r>
           </a:p>
         </p:txBody>
@@ -4604,7 +5679,7 @@
           <p:cNvPr id="3" name="Content Placeholder 2">
             <a:extLst>
               <a:ext uri="{FF2B5EF4-FFF2-40B4-BE49-F238E27FC236}">
-                <a16:creationId xmlns:a16="http://schemas.microsoft.com/office/drawing/2014/main" id="{4250A790-2252-00E4-44BA-ED6805DE6FBB}"/>
+                <a16:creationId xmlns:a16="http://schemas.microsoft.com/office/drawing/2014/main" id="{1EE54B1E-964B-9397-3C9F-8DAA90CAE1F2}"/>
               </a:ext>
             </a:extLst>
           </p:cNvPr>
@@ -4617,12 +5692,120 @@
         </p:nvSpPr>
         <p:spPr/>
         <p:txBody>
-          <a:bodyPr/>
-          <a:lstStyle/>
-          <a:p>
-            <a:r>
-              <a:rPr lang="en-AU" dirty="0"/>
-              <a:t>1. Discovery – column, variable definitions (Co-Pilot)</a:t>
+          <a:bodyPr>
+            <a:normAutofit/>
+          </a:bodyPr>
+          <a:lstStyle/>
+          <a:p>
+            <a:pPr lvl="1"/>
+            <a:endParaRPr lang="en-AU" dirty="0"/>
+          </a:p>
+          <a:p>
+            <a:pPr lvl="1"/>
+            <a:r>
+              <a:rPr lang="en-AU" dirty="0"/>
+              <a:t>Cross Correlation</a:t>
+            </a:r>
+          </a:p>
+          <a:p>
+            <a:pPr lvl="2"/>
+            <a:r>
+              <a:rPr lang="en-AU" dirty="0"/>
+              <a:t>Statistically Significant</a:t>
+            </a:r>
+          </a:p>
+          <a:p>
+            <a:pPr lvl="2"/>
+            <a:r>
+              <a:rPr lang="en-AU" dirty="0"/>
+              <a:t>Positive </a:t>
+            </a:r>
+          </a:p>
+          <a:p>
+            <a:pPr lvl="2"/>
+            <a:r>
+              <a:rPr lang="en-AU" dirty="0"/>
+              <a:t>Lags 7 – 14 after rainfall</a:t>
+            </a:r>
+          </a:p>
+          <a:p>
+            <a:pPr lvl="1"/>
+            <a:endParaRPr lang="en-AU" dirty="0"/>
+          </a:p>
+          <a:p>
+            <a:pPr lvl="1"/>
+            <a:endParaRPr lang="en-AU" dirty="0"/>
+          </a:p>
+          <a:p>
+            <a:pPr lvl="1"/>
+            <a:endParaRPr lang="en-AU" dirty="0"/>
+          </a:p>
+          <a:p>
+            <a:endParaRPr lang="en-AU" dirty="0"/>
+          </a:p>
+        </p:txBody>
+      </p:sp>
+      <p:pic>
+        <p:nvPicPr>
+          <p:cNvPr id="6" name="Picture 5">
+            <a:extLst>
+              <a:ext uri="{FF2B5EF4-FFF2-40B4-BE49-F238E27FC236}">
+                <a16:creationId xmlns:a16="http://schemas.microsoft.com/office/drawing/2014/main" id="{16608518-DDAF-503B-C0F0-E156EB8DD02E}"/>
+              </a:ext>
+            </a:extLst>
+          </p:cNvPr>
+          <p:cNvPicPr>
+            <a:picLocks noChangeAspect="1"/>
+          </p:cNvPicPr>
+          <p:nvPr/>
+        </p:nvPicPr>
+        <p:blipFill>
+          <a:blip r:embed="rId2"/>
+          <a:stretch>
+            <a:fillRect/>
+          </a:stretch>
+        </p:blipFill>
+        <p:spPr>
+          <a:xfrm>
+            <a:off x="4306529" y="2157637"/>
+            <a:ext cx="7266038" cy="3711457"/>
+          </a:xfrm>
+          <a:prstGeom prst="rect">
+            <a:avLst/>
+          </a:prstGeom>
+        </p:spPr>
+      </p:pic>
+      <p:sp>
+        <p:nvSpPr>
+          <p:cNvPr id="7" name="TextBox 6">
+            <a:extLst>
+              <a:ext uri="{FF2B5EF4-FFF2-40B4-BE49-F238E27FC236}">
+                <a16:creationId xmlns:a16="http://schemas.microsoft.com/office/drawing/2014/main" id="{F4797085-E311-546C-FCD8-F38FE79DDD7B}"/>
+              </a:ext>
+            </a:extLst>
+          </p:cNvPr>
+          <p:cNvSpPr txBox="1"/>
+          <p:nvPr/>
+        </p:nvSpPr>
+        <p:spPr>
+          <a:xfrm>
+            <a:off x="6096000" y="1972971"/>
+            <a:ext cx="3680175" cy="369332"/>
+          </a:xfrm>
+          <a:prstGeom prst="rect">
+            <a:avLst/>
+          </a:prstGeom>
+          <a:noFill/>
+        </p:spPr>
+        <p:txBody>
+          <a:bodyPr wrap="none" rtlCol="0">
+            <a:spAutoFit/>
+          </a:bodyPr>
+          <a:lstStyle/>
+          <a:p>
+            <a:r>
+              <a:rPr lang="en-AU" dirty="0"/>
+              <a:t>Rainfall – Turbidity Cross Correlation</a:t>
             </a:r>
           </a:p>
         </p:txBody>
@@ -4630,7 +5813,196 @@
     </p:spTree>
     <p:extLst>
       <p:ext uri="{BB962C8B-B14F-4D97-AF65-F5344CB8AC3E}">
-        <p14:creationId xmlns:p14="http://schemas.microsoft.com/office/powerpoint/2010/main" val="1377340013"/>
+        <p14:creationId xmlns:p14="http://schemas.microsoft.com/office/powerpoint/2010/main" val="3088937651"/>
+      </p:ext>
+    </p:extLst>
+  </p:cSld>
+  <p:clrMapOvr>
+    <a:masterClrMapping/>
+  </p:clrMapOvr>
+</p:sld>
+</file>
+
+<file path=ppt/slides/slide9.xml><?xml version="1.0" encoding="utf-8"?>
+<p:sld xmlns:a="http://schemas.openxmlformats.org/drawingml/2006/main" xmlns:r="http://schemas.openxmlformats.org/officeDocument/2006/relationships" xmlns:p="http://schemas.openxmlformats.org/presentationml/2006/main">
+  <p:cSld>
+    <p:spTree>
+      <p:nvGrpSpPr>
+        <p:cNvPr id="1" name="">
+          <a:extLst>
+            <a:ext uri="{FF2B5EF4-FFF2-40B4-BE49-F238E27FC236}">
+              <a16:creationId xmlns:a16="http://schemas.microsoft.com/office/drawing/2014/main" id="{2D418E9B-8EEF-1FA3-C43F-47917D98BF1A}"/>
+            </a:ext>
+          </a:extLst>
+        </p:cNvPr>
+        <p:cNvGrpSpPr/>
+        <p:nvPr/>
+      </p:nvGrpSpPr>
+      <p:grpSpPr>
+        <a:xfrm>
+          <a:off x="0" y="0"/>
+          <a:ext cx="0" cy="0"/>
+          <a:chOff x="0" y="0"/>
+          <a:chExt cx="0" cy="0"/>
+        </a:xfrm>
+      </p:grpSpPr>
+      <p:sp>
+        <p:nvSpPr>
+          <p:cNvPr id="2" name="Title 1">
+            <a:extLst>
+              <a:ext uri="{FF2B5EF4-FFF2-40B4-BE49-F238E27FC236}">
+                <a16:creationId xmlns:a16="http://schemas.microsoft.com/office/drawing/2014/main" id="{F7D5651B-CF8D-8D89-6F1C-10E8A4A978F0}"/>
+              </a:ext>
+            </a:extLst>
+          </p:cNvPr>
+          <p:cNvSpPr>
+            <a:spLocks noGrp="1"/>
+          </p:cNvSpPr>
+          <p:nvPr>
+            <p:ph type="title"/>
+          </p:nvPr>
+        </p:nvSpPr>
+        <p:spPr/>
+        <p:txBody>
+          <a:bodyPr/>
+          <a:lstStyle/>
+          <a:p>
+            <a:r>
+              <a:rPr lang="en-AU" dirty="0"/>
+              <a:t>Data Analysis - Depth</a:t>
+            </a:r>
+          </a:p>
+        </p:txBody>
+      </p:sp>
+      <p:sp>
+        <p:nvSpPr>
+          <p:cNvPr id="3" name="Content Placeholder 2">
+            <a:extLst>
+              <a:ext uri="{FF2B5EF4-FFF2-40B4-BE49-F238E27FC236}">
+                <a16:creationId xmlns:a16="http://schemas.microsoft.com/office/drawing/2014/main" id="{1678DC82-E2D8-71EE-F0BE-1D2B53D1F2CF}"/>
+              </a:ext>
+            </a:extLst>
+          </p:cNvPr>
+          <p:cNvSpPr>
+            <a:spLocks noGrp="1"/>
+          </p:cNvSpPr>
+          <p:nvPr>
+            <p:ph idx="1"/>
+          </p:nvPr>
+        </p:nvSpPr>
+        <p:spPr/>
+        <p:txBody>
+          <a:bodyPr>
+            <a:normAutofit/>
+          </a:bodyPr>
+          <a:lstStyle/>
+          <a:p>
+            <a:pPr lvl="1"/>
+            <a:r>
+              <a:rPr lang="en-AU" dirty="0"/>
+              <a:t>DO</a:t>
+            </a:r>
+          </a:p>
+          <a:p>
+            <a:pPr lvl="2"/>
+            <a:r>
+              <a:rPr lang="en-AU" dirty="0"/>
+              <a:t>stable at surface (lower risk of Algal Blooms)</a:t>
+            </a:r>
+          </a:p>
+          <a:p>
+            <a:pPr lvl="2"/>
+            <a:r>
+              <a:rPr lang="en-AU" dirty="0"/>
+              <a:t>drop at deep water puzzling – sense check with hydrologist</a:t>
+            </a:r>
+          </a:p>
+          <a:p>
+            <a:pPr lvl="1"/>
+            <a:endParaRPr lang="en-AU" dirty="0"/>
+          </a:p>
+          <a:p>
+            <a:pPr marL="201168" lvl="1" indent="0">
+              <a:buNone/>
+            </a:pPr>
+            <a:endParaRPr lang="en-AU" dirty="0"/>
+          </a:p>
+          <a:p>
+            <a:pPr lvl="1"/>
+            <a:r>
+              <a:rPr lang="en-AU" dirty="0"/>
+              <a:t>Turbidity </a:t>
+            </a:r>
+          </a:p>
+          <a:p>
+            <a:pPr lvl="2"/>
+            <a:r>
+              <a:rPr lang="en-AU" dirty="0"/>
+              <a:t>spikes consistent with rainfall lag story</a:t>
+            </a:r>
+          </a:p>
+          <a:p>
+            <a:pPr lvl="2"/>
+            <a:endParaRPr lang="en-AU" dirty="0"/>
+          </a:p>
+          <a:p>
+            <a:pPr lvl="2"/>
+            <a:endParaRPr lang="en-AU" dirty="0"/>
+          </a:p>
+          <a:p>
+            <a:pPr lvl="2"/>
+            <a:endParaRPr lang="en-AU" dirty="0"/>
+          </a:p>
+          <a:p>
+            <a:pPr lvl="1"/>
+            <a:r>
+              <a:rPr lang="en-AU" dirty="0"/>
+              <a:t>Water Temp</a:t>
+            </a:r>
+          </a:p>
+          <a:p>
+            <a:pPr lvl="2"/>
+            <a:r>
+              <a:rPr lang="en-AU" dirty="0"/>
+              <a:t>spike at middle depth – requires further investigation</a:t>
+            </a:r>
+          </a:p>
+        </p:txBody>
+      </p:sp>
+      <p:pic>
+        <p:nvPicPr>
+          <p:cNvPr id="5" name="Picture 4">
+            <a:extLst>
+              <a:ext uri="{FF2B5EF4-FFF2-40B4-BE49-F238E27FC236}">
+                <a16:creationId xmlns:a16="http://schemas.microsoft.com/office/drawing/2014/main" id="{1E6B5DF5-C787-49B8-8A17-F4C6731C7100}"/>
+              </a:ext>
+            </a:extLst>
+          </p:cNvPr>
+          <p:cNvPicPr>
+            <a:picLocks noChangeAspect="1"/>
+          </p:cNvPicPr>
+          <p:nvPr/>
+        </p:nvPicPr>
+        <p:blipFill>
+          <a:blip r:embed="rId2"/>
+          <a:stretch>
+            <a:fillRect/>
+          </a:stretch>
+        </p:blipFill>
+        <p:spPr>
+          <a:xfrm>
+            <a:off x="6096000" y="1823611"/>
+            <a:ext cx="5432912" cy="4155471"/>
+          </a:xfrm>
+          <a:prstGeom prst="rect">
+            <a:avLst/>
+          </a:prstGeom>
+        </p:spPr>
+      </p:pic>
+    </p:spTree>
+    <p:extLst>
+      <p:ext uri="{BB962C8B-B14F-4D97-AF65-F5344CB8AC3E}">
+        <p14:creationId xmlns:p14="http://schemas.microsoft.com/office/powerpoint/2010/main" val="2186140888"/>
       </p:ext>
     </p:extLst>
   </p:cSld>
@@ -4641,93 +6013,60 @@
 </file>
 
 <file path=ppt/theme/theme1.xml><?xml version="1.0" encoding="utf-8"?>
-<a:theme xmlns:a="http://schemas.openxmlformats.org/drawingml/2006/main" name="Custom">
+<a:theme xmlns:a="http://schemas.openxmlformats.org/drawingml/2006/main" name="Retrospect">
   <a:themeElements>
-    <a:clrScheme name="Custom 34">
+    <a:clrScheme name="Retrospect">
       <a:dk1>
-        <a:sysClr val="windowText" lastClr="000000"/>
+        <a:srgbClr val="000000"/>
       </a:dk1>
       <a:lt1>
         <a:sysClr val="window" lastClr="FFFFFF"/>
       </a:lt1>
       <a:dk2>
-        <a:srgbClr val="39302A"/>
+        <a:srgbClr val="637052"/>
       </a:dk2>
       <a:lt2>
-        <a:srgbClr val="E5DEDB"/>
+        <a:srgbClr val="CCDDEA"/>
       </a:lt2>
       <a:accent1>
-        <a:srgbClr val="EC7016"/>
+        <a:srgbClr val="E48312"/>
       </a:accent1>
       <a:accent2>
-        <a:srgbClr val="F8931D"/>
+        <a:srgbClr val="BD582C"/>
       </a:accent2>
       <a:accent3>
-        <a:srgbClr val="CE8D3E"/>
+        <a:srgbClr val="865640"/>
       </a:accent3>
       <a:accent4>
-        <a:srgbClr val="E64823"/>
+        <a:srgbClr val="9B8357"/>
       </a:accent4>
       <a:accent5>
-        <a:srgbClr val="FFCA08"/>
+        <a:srgbClr val="C2BC80"/>
       </a:accent5>
       <a:accent6>
-        <a:srgbClr val="9C6A6A"/>
+        <a:srgbClr val="94A088"/>
       </a:accent6>
       <a:hlink>
         <a:srgbClr val="2998E3"/>
       </a:hlink>
       <a:folHlink>
-        <a:srgbClr val="7F723D"/>
+        <a:srgbClr val="8C8C8C"/>
       </a:folHlink>
     </a:clrScheme>
-    <a:fontScheme name="Retrospect">
+    <a:fontScheme name="Tw Cen MT">
       <a:majorFont>
-        <a:latin typeface="Bookman Old Style" panose="020F0302020204030204"/>
+        <a:latin typeface="Tw Cen MT" panose="020B0602020104020603"/>
         <a:ea typeface=""/>
         <a:cs typeface=""/>
-        <a:font script="Jpan" typeface="ＭＳ Ｐゴシック"/>
-        <a:font script="Hang" typeface="맑은 고딕"/>
-        <a:font script="Hans" typeface="宋体"/>
-        <a:font script="Hant" typeface="新細明體"/>
-        <a:font script="Arab" typeface="Times New Roman"/>
-        <a:font script="Hebr" typeface="Times New Roman"/>
-        <a:font script="Thai" typeface="Angsana New"/>
-        <a:font script="Ethi" typeface="Nyala"/>
-        <a:font script="Beng" typeface="Vrinda"/>
-        <a:font script="Gujr" typeface="Shruti"/>
-        <a:font script="Khmr" typeface="MoolBoran"/>
-        <a:font script="Knda" typeface="Tunga"/>
-        <a:font script="Guru" typeface="Raavi"/>
-        <a:font script="Cans" typeface="Euphemia"/>
-        <a:font script="Cher" typeface="Plantagenet Cherokee"/>
-        <a:font script="Yiii" typeface="Microsoft Yi Baiti"/>
-        <a:font script="Tibt" typeface="Microsoft Himalaya"/>
-        <a:font script="Thaa" typeface="MV Boli"/>
-        <a:font script="Deva" typeface="Mangal"/>
-        <a:font script="Telu" typeface="Gautami"/>
-        <a:font script="Taml" typeface="Latha"/>
-        <a:font script="Syrc" typeface="Estrangelo Edessa"/>
-        <a:font script="Orya" typeface="Kalinga"/>
-        <a:font script="Mlym" typeface="Kartika"/>
-        <a:font script="Laoo" typeface="DokChampa"/>
-        <a:font script="Sinh" typeface="Iskoola Pota"/>
-        <a:font script="Mong" typeface="Mongolian Baiti"/>
-        <a:font script="Viet" typeface="Times New Roman"/>
-        <a:font script="Uigh" typeface="Microsoft Uighur"/>
-        <a:font script="Geor" typeface="Sylfaen"/>
-      </a:majorFont>
-      <a:minorFont>
-        <a:latin typeface="Franklin Gothic Book" panose="020F0502020204030204"/>
-        <a:ea typeface=""/>
-        <a:cs typeface=""/>
-        <a:font script="Jpan" typeface="ＭＳ Ｐゴシック"/>
-        <a:font script="Hang" typeface="맑은 고딕"/>
-        <a:font script="Hans" typeface="宋体"/>
-        <a:font script="Hant" typeface="新細明體"/>
+        <a:font script="Grek" typeface="Calibri"/>
+        <a:font script="Cyrl" typeface="Calibri"/>
+        <a:font script="Jpan" typeface="HGPｺﾞｼｯｸE"/>
+        <a:font script="Hang" typeface="HY얕은샘물M"/>
+        <a:font script="Hans" typeface="华文仿宋"/>
+        <a:font script="Hant" typeface="微軟正黑體"/>
         <a:font script="Arab" typeface="Arial"/>
-        <a:font script="Hebr" typeface="Arial"/>
-        <a:font script="Thai" typeface="Cordia New"/>
+        <a:font script="Hebr" typeface="Levenim MT"/>
+        <a:font script="Thai" typeface="FreesiaUPC"/>
         <a:font script="Ethi" typeface="Nyala"/>
         <a:font script="Beng" typeface="Vrinda"/>
         <a:font script="Gujr" typeface="Shruti"/>
@@ -4748,7 +6087,44 @@
         <a:font script="Laoo" typeface="DokChampa"/>
         <a:font script="Sinh" typeface="Iskoola Pota"/>
         <a:font script="Mong" typeface="Mongolian Baiti"/>
-        <a:font script="Viet" typeface="Arial"/>
+        <a:font script="Viet" typeface="Tahoma"/>
+        <a:font script="Uigh" typeface="Microsoft Uighur"/>
+        <a:font script="Geor" typeface="Sylfaen"/>
+      </a:majorFont>
+      <a:minorFont>
+        <a:latin typeface="Tw Cen MT" panose="020B0602020104020603"/>
+        <a:ea typeface=""/>
+        <a:cs typeface=""/>
+        <a:font script="Grek" typeface="Calibri"/>
+        <a:font script="Cyrl" typeface="Calibri"/>
+        <a:font script="Jpan" typeface="HGPｺﾞｼｯｸE"/>
+        <a:font script="Hang" typeface="HY얕은샘물M"/>
+        <a:font script="Hans" typeface="华文仿宋"/>
+        <a:font script="Hant" typeface="微軟正黑體"/>
+        <a:font script="Arab" typeface="Arial"/>
+        <a:font script="Hebr" typeface="Levenim MT"/>
+        <a:font script="Thai" typeface="FreesiaUPC"/>
+        <a:font script="Ethi" typeface="Nyala"/>
+        <a:font script="Beng" typeface="Vrinda"/>
+        <a:font script="Gujr" typeface="Shruti"/>
+        <a:font script="Khmr" typeface="DaunPenh"/>
+        <a:font script="Knda" typeface="Tunga"/>
+        <a:font script="Guru" typeface="Raavi"/>
+        <a:font script="Cans" typeface="Euphemia"/>
+        <a:font script="Cher" typeface="Plantagenet Cherokee"/>
+        <a:font script="Yiii" typeface="Microsoft Yi Baiti"/>
+        <a:font script="Tibt" typeface="Microsoft Himalaya"/>
+        <a:font script="Thaa" typeface="MV Boli"/>
+        <a:font script="Deva" typeface="Mangal"/>
+        <a:font script="Telu" typeface="Gautami"/>
+        <a:font script="Taml" typeface="Latha"/>
+        <a:font script="Syrc" typeface="Estrangelo Edessa"/>
+        <a:font script="Orya" typeface="Kalinga"/>
+        <a:font script="Mlym" typeface="Kartika"/>
+        <a:font script="Laoo" typeface="DokChampa"/>
+        <a:font script="Sinh" typeface="Iskoola Pota"/>
+        <a:font script="Mong" typeface="Mongolian Baiti"/>
+        <a:font script="Viet" typeface="Tahoma"/>
         <a:font script="Uigh" typeface="Microsoft Uighur"/>
         <a:font script="Geor" typeface="Sylfaen"/>
       </a:minorFont>
@@ -4917,76 +6293,13 @@
   <a:extraClrSchemeLst/>
   <a:extLst>
     <a:ext uri="{05A4C25C-085E-4340-85A3-A5531E510DB2}">
-      <thm15:themeFamily xmlns:thm15="http://schemas.microsoft.com/office/thememl/2012/main" name="RetrospectVTI" id="{F5B7AB07-F859-4656-A1C1-DAFCFA0ACA4B}" vid="{A6E2497D-935A-4CFD-B9FD-6DCB15FA68BF}"/>
+      <thm15:themeFamily xmlns:thm15="http://schemas.microsoft.com/office/thememl/2012/main" name="Retrospect" id="{5F128B03-DCCA-4EEB-AB3B-CF2899314A46}" vid="{3F1AAB62-24C6-49D2-8E01-B56FAC9A3DCD}"/>
     </a:ext>
   </a:extLst>
 </a:theme>
 </file>
 
-<file path=ppt/theme/themeOverride1.xml><?xml version="1.0" encoding="utf-8"?>
-<a:themeOverride xmlns:a="http://schemas.openxmlformats.org/drawingml/2006/main">
-  <a:clrScheme name="Parcel">
-    <a:dk1>
-      <a:srgbClr val="000000"/>
-    </a:dk1>
-    <a:lt1>
-      <a:srgbClr val="FFFFFF"/>
-    </a:lt1>
-    <a:dk2>
-      <a:srgbClr val="4A5356"/>
-    </a:dk2>
-    <a:lt2>
-      <a:srgbClr val="E8E3CE"/>
-    </a:lt2>
-    <a:accent1>
-      <a:srgbClr val="F6A21D"/>
-    </a:accent1>
-    <a:accent2>
-      <a:srgbClr val="9BAFB5"/>
-    </a:accent2>
-    <a:accent3>
-      <a:srgbClr val="C96731"/>
-    </a:accent3>
-    <a:accent4>
-      <a:srgbClr val="9CA383"/>
-    </a:accent4>
-    <a:accent5>
-      <a:srgbClr val="87795D"/>
-    </a:accent5>
-    <a:accent6>
-      <a:srgbClr val="A0988C"/>
-    </a:accent6>
-    <a:hlink>
-      <a:srgbClr val="00B0F0"/>
-    </a:hlink>
-    <a:folHlink>
-      <a:srgbClr val="738F97"/>
-    </a:folHlink>
-  </a:clrScheme>
-</a:themeOverride>
-</file>
-
 <file path=customXml/item1.xml><?xml version="1.0" encoding="utf-8"?>
-<p:properties xmlns:p="http://schemas.microsoft.com/office/2006/metadata/properties" xmlns:xsi="http://www.w3.org/2001/XMLSchema-instance" xmlns:pc="http://schemas.microsoft.com/office/infopath/2007/PartnerControls">
-  <documentManagement>
-    <Status xmlns="71af3243-3dd4-4a8d-8c0d-dd76da1f02a5">Not started</Status>
-    <MediaServiceKeyPoints xmlns="71af3243-3dd4-4a8d-8c0d-dd76da1f02a5" xsi:nil="true"/>
-    <_ip_UnifiedCompliancePolicyUIAction xmlns="http://schemas.microsoft.com/sharepoint/v3" xsi:nil="true"/>
-    <Image xmlns="71af3243-3dd4-4a8d-8c0d-dd76da1f02a5">
-      <Url xsi:nil="true"/>
-      <Description xsi:nil="true"/>
-    </Image>
-    <Background xmlns="71af3243-3dd4-4a8d-8c0d-dd76da1f02a5">false</Background>
-    <_ip_UnifiedCompliancePolicyProperties xmlns="http://schemas.microsoft.com/sharepoint/v3" xsi:nil="true"/>
-    <ImageTagsTaxHTField xmlns="71af3243-3dd4-4a8d-8c0d-dd76da1f02a5">
-      <Terms xmlns="http://schemas.microsoft.com/office/infopath/2007/PartnerControls"/>
-    </ImageTagsTaxHTField>
-    <TaxCatchAll xmlns="230e9df3-be65-4c73-a93b-d1236ebd677e" xsi:nil="true"/>
-  </documentManagement>
-</p:properties>
-</file>
-
-<file path=customXml/item2.xml><?xml version="1.0" encoding="utf-8"?>
 <?mso-contentType ?>
 <FormTemplates xmlns="http://schemas.microsoft.com/sharepoint/v3/contenttype/forms">
   <Display>DocumentLibraryForm</Display>
@@ -4995,7 +6308,7 @@
 </FormTemplates>
 </file>
 
-<file path=customXml/item3.xml><?xml version="1.0" encoding="utf-8"?>
+<file path=customXml/item2.xml><?xml version="1.0" encoding="utf-8"?>
 <ct:contentTypeSchema xmlns:ct="http://schemas.microsoft.com/office/2006/metadata/contentType" xmlns:ma="http://schemas.microsoft.com/office/2006/metadata/properties/metaAttributes" ct:_="" ma:_="" ma:contentTypeName="Document" ma:contentTypeID="0x01010079F111ED35F8CC479449609E8A0923A6" ma:contentTypeVersion="27" ma:contentTypeDescription="Create a new document." ma:contentTypeScope="" ma:versionID="c6f9a84f66a9c8b9a21755b9ffafb945">
   <xsd:schema xmlns:xsd="http://www.w3.org/2001/XMLSchema" xmlns:xs="http://www.w3.org/2001/XMLSchema" xmlns:p="http://schemas.microsoft.com/office/2006/metadata/properties" xmlns:ns1="http://schemas.microsoft.com/sharepoint/v3" xmlns:ns2="71af3243-3dd4-4a8d-8c0d-dd76da1f02a5" xmlns:ns3="16c05727-aa75-4e4a-9b5f-8a80a1165891" xmlns:ns4="230e9df3-be65-4c73-a93b-d1236ebd677e" targetNamespace="http://schemas.microsoft.com/office/2006/metadata/properties" ma:root="true" ma:fieldsID="27df39e3e7036dff54f89ddd5805ce72" ns1:_="" ns2:_="" ns3:_="" ns4:_="">
     <xsd:import namespace="http://schemas.microsoft.com/sharepoint/v3"/>
@@ -5301,19 +6614,27 @@
 </ct:contentTypeSchema>
 </file>
 
-<file path=customXml/itemProps1.xml><?xml version="1.0" encoding="utf-8"?>
-<ds:datastoreItem xmlns:ds="http://schemas.openxmlformats.org/officeDocument/2006/customXml" ds:itemID="{A03EEFF0-FB57-4CB4-8BFC-DF397689E2ED}">
-  <ds:schemaRefs>
-    <ds:schemaRef ds:uri="http://schemas.microsoft.com/office/2006/metadata/properties"/>
-    <ds:schemaRef ds:uri="http://schemas.microsoft.com/office/infopath/2007/PartnerControls"/>
-    <ds:schemaRef ds:uri="71af3243-3dd4-4a8d-8c0d-dd76da1f02a5"/>
-    <ds:schemaRef ds:uri="http://schemas.microsoft.com/sharepoint/v3"/>
-    <ds:schemaRef ds:uri="230e9df3-be65-4c73-a93b-d1236ebd677e"/>
-  </ds:schemaRefs>
-</ds:datastoreItem>
+<file path=customXml/item3.xml><?xml version="1.0" encoding="utf-8"?>
+<p:properties xmlns:p="http://schemas.microsoft.com/office/2006/metadata/properties" xmlns:xsi="http://www.w3.org/2001/XMLSchema-instance" xmlns:pc="http://schemas.microsoft.com/office/infopath/2007/PartnerControls">
+  <documentManagement>
+    <Status xmlns="71af3243-3dd4-4a8d-8c0d-dd76da1f02a5">Not started</Status>
+    <MediaServiceKeyPoints xmlns="71af3243-3dd4-4a8d-8c0d-dd76da1f02a5" xsi:nil="true"/>
+    <_ip_UnifiedCompliancePolicyUIAction xmlns="http://schemas.microsoft.com/sharepoint/v3" xsi:nil="true"/>
+    <Image xmlns="71af3243-3dd4-4a8d-8c0d-dd76da1f02a5">
+      <Url xsi:nil="true"/>
+      <Description xsi:nil="true"/>
+    </Image>
+    <Background xmlns="71af3243-3dd4-4a8d-8c0d-dd76da1f02a5">false</Background>
+    <_ip_UnifiedCompliancePolicyProperties xmlns="http://schemas.microsoft.com/sharepoint/v3" xsi:nil="true"/>
+    <ImageTagsTaxHTField xmlns="71af3243-3dd4-4a8d-8c0d-dd76da1f02a5">
+      <Terms xmlns="http://schemas.microsoft.com/office/infopath/2007/PartnerControls"/>
+    </ImageTagsTaxHTField>
+    <TaxCatchAll xmlns="230e9df3-be65-4c73-a93b-d1236ebd677e" xsi:nil="true"/>
+  </documentManagement>
+</p:properties>
 </file>
 
-<file path=customXml/itemProps2.xml><?xml version="1.0" encoding="utf-8"?>
+<file path=customXml/itemProps1.xml><?xml version="1.0" encoding="utf-8"?>
 <ds:datastoreItem xmlns:ds="http://schemas.openxmlformats.org/officeDocument/2006/customXml" ds:itemID="{AA3F7EDC-E5B4-4BBC-9D2A-CBE6D46C37AD}">
   <ds:schemaRefs>
     <ds:schemaRef ds:uri="http://schemas.microsoft.com/sharepoint/v3/contenttype/forms"/>
@@ -5321,7 +6642,7 @@
 </ds:datastoreItem>
 </file>
 
-<file path=customXml/itemProps3.xml><?xml version="1.0" encoding="utf-8"?>
+<file path=customXml/itemProps2.xml><?xml version="1.0" encoding="utf-8"?>
 <ds:datastoreItem xmlns:ds="http://schemas.openxmlformats.org/officeDocument/2006/customXml" ds:itemID="{D2957789-34B8-480C-AF9B-3EB54B9E5C96}">
   <ds:schemaRefs>
     <ds:schemaRef ds:uri="http://schemas.microsoft.com/office/2006/metadata/contentType"/>
@@ -5340,4 +6661,16 @@
     <ds:schemaRef ds:uri="http://schemas.microsoft.com/internal/obd"/>
   </ds:schemaRefs>
 </ds:datastoreItem>
+</file>
+
+<file path=customXml/itemProps3.xml><?xml version="1.0" encoding="utf-8"?>
+<ds:datastoreItem xmlns:ds="http://schemas.openxmlformats.org/officeDocument/2006/customXml" ds:itemID="{A03EEFF0-FB57-4CB4-8BFC-DF397689E2ED}">
+  <ds:schemaRefs>
+    <ds:schemaRef ds:uri="http://schemas.microsoft.com/office/2006/metadata/properties"/>
+    <ds:schemaRef ds:uri="http://schemas.microsoft.com/office/infopath/2007/PartnerControls"/>
+    <ds:schemaRef ds:uri="71af3243-3dd4-4a8d-8c0d-dd76da1f02a5"/>
+    <ds:schemaRef ds:uri="http://schemas.microsoft.com/sharepoint/v3"/>
+    <ds:schemaRef ds:uri="230e9df3-be65-4c73-a93b-d1236ebd677e"/>
+  </ds:schemaRefs>
+</ds:datastoreItem>
 </file>